--- a/Apresentações/10 - Orientação a Objetos.pptx
+++ b/Apresentações/10 - Orientação a Objetos.pptx
@@ -12,10 +12,10 @@
     <p:sldMasterId id="2147483786" r:id="rId8"/>
   </p:sldMasterIdLst>
   <p:notesMasterIdLst>
-    <p:notesMasterId r:id="rId25"/>
+    <p:notesMasterId r:id="rId34"/>
   </p:notesMasterIdLst>
   <p:handoutMasterIdLst>
-    <p:handoutMasterId r:id="rId26"/>
+    <p:handoutMasterId r:id="rId35"/>
   </p:handoutMasterIdLst>
   <p:sldIdLst>
     <p:sldId id="256" r:id="rId9"/>
@@ -33,21 +33,30 @@
     <p:sldId id="2516" r:id="rId21"/>
     <p:sldId id="2523" r:id="rId22"/>
     <p:sldId id="2517" r:id="rId23"/>
-    <p:sldId id="2467" r:id="rId24"/>
+    <p:sldId id="2529" r:id="rId24"/>
+    <p:sldId id="2524" r:id="rId25"/>
+    <p:sldId id="2525" r:id="rId26"/>
+    <p:sldId id="2526" r:id="rId27"/>
+    <p:sldId id="2527" r:id="rId28"/>
+    <p:sldId id="2528" r:id="rId29"/>
+    <p:sldId id="2530" r:id="rId30"/>
+    <p:sldId id="2531" r:id="rId31"/>
+    <p:sldId id="2532" r:id="rId32"/>
+    <p:sldId id="2467" r:id="rId33"/>
   </p:sldIdLst>
   <p:sldSz cx="9144000" cy="5143500" type="screen16x9"/>
   <p:notesSz cx="10234613" cy="7104063"/>
   <p:embeddedFontLst>
     <p:embeddedFont>
-      <p:font typeface="Arial Unicode MS" panose="020B0604020202020204" pitchFamily="34" charset="-128"/>
-      <p:regular r:id="rId27"/>
+      <p:font typeface="Arial Unicode MS" panose="020B0604020202020204" charset="-128"/>
+      <p:regular r:id="rId36"/>
     </p:embeddedFont>
     <p:embeddedFont>
       <p:font typeface="Verdana" panose="020B0604030504040204" pitchFamily="34" charset="0"/>
-      <p:regular r:id="rId28"/>
-      <p:bold r:id="rId29"/>
-      <p:italic r:id="rId30"/>
-      <p:boldItalic r:id="rId31"/>
+      <p:regular r:id="rId37"/>
+      <p:bold r:id="rId38"/>
+      <p:italic r:id="rId39"/>
+      <p:boldItalic r:id="rId40"/>
     </p:embeddedFont>
   </p:embeddedFontLst>
   <p:defaultTextStyle>
@@ -1655,6 +1664,412 @@
 </p:notes>
 </file>
 
+<file path=ppt/notesSlides/notesSlide16.xml><?xml version="1.0" encoding="utf-8"?>
+<p:notes xmlns:a="http://schemas.openxmlformats.org/drawingml/2006/main" xmlns:r="http://schemas.openxmlformats.org/officeDocument/2006/relationships" xmlns:p="http://schemas.openxmlformats.org/presentationml/2006/main">
+  <p:cSld>
+    <p:spTree>
+      <p:nvGrpSpPr>
+        <p:cNvPr id="1" name=""/>
+        <p:cNvGrpSpPr/>
+        <p:nvPr/>
+      </p:nvGrpSpPr>
+      <p:grpSpPr>
+        <a:xfrm>
+          <a:off x="0" y="0"/>
+          <a:ext cx="0" cy="0"/>
+          <a:chOff x="0" y="0"/>
+          <a:chExt cx="0" cy="0"/>
+        </a:xfrm>
+      </p:grpSpPr>
+      <p:sp>
+        <p:nvSpPr>
+          <p:cNvPr id="124931" name="Rectangle 2">
+            <a:extLst>
+              <a:ext uri="{FF2B5EF4-FFF2-40B4-BE49-F238E27FC236}">
+                <a16:creationId xmlns:a16="http://schemas.microsoft.com/office/drawing/2014/main" id="{8B859196-7097-4B81-9F07-CE2A16BE5D6D}"/>
+              </a:ext>
+            </a:extLst>
+          </p:cNvPr>
+          <p:cNvSpPr>
+            <a:spLocks noGrp="1" noRot="1" noChangeAspect="1" noChangeArrowheads="1" noTextEdit="1"/>
+          </p:cNvSpPr>
+          <p:nvPr>
+            <p:ph type="sldImg"/>
+          </p:nvPr>
+        </p:nvSpPr>
+        <p:spPr>
+          <a:xfrm>
+            <a:off x="141288" y="768350"/>
+            <a:ext cx="6821487" cy="3836988"/>
+          </a:xfrm>
+          <a:ln/>
+        </p:spPr>
+      </p:sp>
+      <p:sp>
+        <p:nvSpPr>
+          <p:cNvPr id="124932" name="Rectangle 3">
+            <a:extLst>
+              <a:ext uri="{FF2B5EF4-FFF2-40B4-BE49-F238E27FC236}">
+                <a16:creationId xmlns:a16="http://schemas.microsoft.com/office/drawing/2014/main" id="{622DE7CD-C43C-46C1-8045-76700F97E74F}"/>
+              </a:ext>
+            </a:extLst>
+          </p:cNvPr>
+          <p:cNvSpPr>
+            <a:spLocks noGrp="1" noChangeArrowheads="1"/>
+          </p:cNvSpPr>
+          <p:nvPr>
+            <p:ph type="body" idx="1"/>
+          </p:nvPr>
+        </p:nvSpPr>
+        <p:spPr>
+          <a:noFill/>
+          <a:ln/>
+          <a:extLst>
+            <a:ext uri="{909E8E84-426E-40DD-AFC4-6F175D3DCCD1}">
+              <a14:hiddenFill xmlns:a14="http://schemas.microsoft.com/office/drawing/2010/main">
+                <a:solidFill>
+                  <a:srgbClr val="FFFFFF"/>
+                </a:solidFill>
+              </a14:hiddenFill>
+            </a:ext>
+            <a:ext uri="{91240B29-F687-4F45-9708-019B960494DF}">
+              <a14:hiddenLine xmlns:a14="http://schemas.microsoft.com/office/drawing/2010/main" w="9525">
+                <a:solidFill>
+                  <a:srgbClr val="000000"/>
+                </a:solidFill>
+                <a:miter lim="800000"/>
+                <a:headEnd/>
+                <a:tailEnd/>
+              </a14:hiddenLine>
+            </a:ext>
+          </a:extLst>
+        </p:spPr>
+        <p:txBody>
+          <a:bodyPr/>
+          <a:lstStyle/>
+          <a:p>
+            <a:pPr eaLnBrk="1" hangingPunct="1"/>
+            <a:endParaRPr lang="en-US" altLang="pt-BR">
+              <a:latin typeface="Arial" panose="020B0604020202020204" pitchFamily="34" charset="0"/>
+            </a:endParaRPr>
+          </a:p>
+        </p:txBody>
+      </p:sp>
+    </p:spTree>
+  </p:cSld>
+  <p:clrMapOvr>
+    <a:masterClrMapping/>
+  </p:clrMapOvr>
+</p:notes>
+</file>
+
+<file path=ppt/notesSlides/notesSlide17.xml><?xml version="1.0" encoding="utf-8"?>
+<p:notes xmlns:a="http://schemas.openxmlformats.org/drawingml/2006/main" xmlns:r="http://schemas.openxmlformats.org/officeDocument/2006/relationships" xmlns:p="http://schemas.openxmlformats.org/presentationml/2006/main">
+  <p:cSld>
+    <p:spTree>
+      <p:nvGrpSpPr>
+        <p:cNvPr id="1" name=""/>
+        <p:cNvGrpSpPr/>
+        <p:nvPr/>
+      </p:nvGrpSpPr>
+      <p:grpSpPr>
+        <a:xfrm>
+          <a:off x="0" y="0"/>
+          <a:ext cx="0" cy="0"/>
+          <a:chOff x="0" y="0"/>
+          <a:chExt cx="0" cy="0"/>
+        </a:xfrm>
+      </p:grpSpPr>
+      <p:sp>
+        <p:nvSpPr>
+          <p:cNvPr id="124931" name="Rectangle 2">
+            <a:extLst>
+              <a:ext uri="{FF2B5EF4-FFF2-40B4-BE49-F238E27FC236}">
+                <a16:creationId xmlns:a16="http://schemas.microsoft.com/office/drawing/2014/main" id="{8B859196-7097-4B81-9F07-CE2A16BE5D6D}"/>
+              </a:ext>
+            </a:extLst>
+          </p:cNvPr>
+          <p:cNvSpPr>
+            <a:spLocks noGrp="1" noRot="1" noChangeAspect="1" noChangeArrowheads="1" noTextEdit="1"/>
+          </p:cNvSpPr>
+          <p:nvPr>
+            <p:ph type="sldImg"/>
+          </p:nvPr>
+        </p:nvSpPr>
+        <p:spPr>
+          <a:xfrm>
+            <a:off x="2749550" y="533400"/>
+            <a:ext cx="4735513" cy="2663825"/>
+          </a:xfrm>
+          <a:ln/>
+        </p:spPr>
+      </p:sp>
+      <p:sp>
+        <p:nvSpPr>
+          <p:cNvPr id="124932" name="Rectangle 3">
+            <a:extLst>
+              <a:ext uri="{FF2B5EF4-FFF2-40B4-BE49-F238E27FC236}">
+                <a16:creationId xmlns:a16="http://schemas.microsoft.com/office/drawing/2014/main" id="{622DE7CD-C43C-46C1-8045-76700F97E74F}"/>
+              </a:ext>
+            </a:extLst>
+          </p:cNvPr>
+          <p:cNvSpPr>
+            <a:spLocks noGrp="1" noChangeArrowheads="1"/>
+          </p:cNvSpPr>
+          <p:nvPr>
+            <p:ph type="body" idx="1"/>
+          </p:nvPr>
+        </p:nvSpPr>
+        <p:spPr>
+          <a:noFill/>
+          <a:ln/>
+          <a:extLst>
+            <a:ext uri="{909E8E84-426E-40DD-AFC4-6F175D3DCCD1}">
+              <a14:hiddenFill xmlns:a14="http://schemas.microsoft.com/office/drawing/2010/main">
+                <a:solidFill>
+                  <a:srgbClr val="FFFFFF"/>
+                </a:solidFill>
+              </a14:hiddenFill>
+            </a:ext>
+            <a:ext uri="{91240B29-F687-4F45-9708-019B960494DF}">
+              <a14:hiddenLine xmlns:a14="http://schemas.microsoft.com/office/drawing/2010/main" w="9525">
+                <a:solidFill>
+                  <a:srgbClr val="000000"/>
+                </a:solidFill>
+                <a:miter lim="800000"/>
+                <a:headEnd/>
+                <a:tailEnd/>
+              </a14:hiddenLine>
+            </a:ext>
+          </a:extLst>
+        </p:spPr>
+        <p:txBody>
+          <a:bodyPr/>
+          <a:lstStyle/>
+          <a:p>
+            <a:pPr eaLnBrk="1" hangingPunct="1"/>
+            <a:endParaRPr lang="en-US" altLang="pt-BR">
+              <a:latin typeface="Arial" panose="020B0604020202020204" pitchFamily="34" charset="0"/>
+            </a:endParaRPr>
+          </a:p>
+        </p:txBody>
+      </p:sp>
+    </p:spTree>
+  </p:cSld>
+  <p:clrMapOvr>
+    <a:masterClrMapping/>
+  </p:clrMapOvr>
+</p:notes>
+</file>
+
+<file path=ppt/notesSlides/notesSlide18.xml><?xml version="1.0" encoding="utf-8"?>
+<p:notes xmlns:a="http://schemas.openxmlformats.org/drawingml/2006/main" xmlns:r="http://schemas.openxmlformats.org/officeDocument/2006/relationships" xmlns:p="http://schemas.openxmlformats.org/presentationml/2006/main">
+  <p:cSld>
+    <p:spTree>
+      <p:nvGrpSpPr>
+        <p:cNvPr id="1" name=""/>
+        <p:cNvGrpSpPr/>
+        <p:nvPr/>
+      </p:nvGrpSpPr>
+      <p:grpSpPr>
+        <a:xfrm>
+          <a:off x="0" y="0"/>
+          <a:ext cx="0" cy="0"/>
+          <a:chOff x="0" y="0"/>
+          <a:chExt cx="0" cy="0"/>
+        </a:xfrm>
+      </p:grpSpPr>
+      <p:sp>
+        <p:nvSpPr>
+          <p:cNvPr id="124931" name="Rectangle 2">
+            <a:extLst>
+              <a:ext uri="{FF2B5EF4-FFF2-40B4-BE49-F238E27FC236}">
+                <a16:creationId xmlns:a16="http://schemas.microsoft.com/office/drawing/2014/main" id="{8B859196-7097-4B81-9F07-CE2A16BE5D6D}"/>
+              </a:ext>
+            </a:extLst>
+          </p:cNvPr>
+          <p:cNvSpPr>
+            <a:spLocks noGrp="1" noRot="1" noChangeAspect="1" noChangeArrowheads="1" noTextEdit="1"/>
+          </p:cNvSpPr>
+          <p:nvPr>
+            <p:ph type="sldImg"/>
+          </p:nvPr>
+        </p:nvSpPr>
+        <p:spPr>
+          <a:xfrm>
+            <a:off x="2749550" y="533400"/>
+            <a:ext cx="4735513" cy="2663825"/>
+          </a:xfrm>
+          <a:ln/>
+        </p:spPr>
+      </p:sp>
+      <p:sp>
+        <p:nvSpPr>
+          <p:cNvPr id="124932" name="Rectangle 3">
+            <a:extLst>
+              <a:ext uri="{FF2B5EF4-FFF2-40B4-BE49-F238E27FC236}">
+                <a16:creationId xmlns:a16="http://schemas.microsoft.com/office/drawing/2014/main" id="{622DE7CD-C43C-46C1-8045-76700F97E74F}"/>
+              </a:ext>
+            </a:extLst>
+          </p:cNvPr>
+          <p:cNvSpPr>
+            <a:spLocks noGrp="1" noChangeArrowheads="1"/>
+          </p:cNvSpPr>
+          <p:nvPr>
+            <p:ph type="body" idx="1"/>
+          </p:nvPr>
+        </p:nvSpPr>
+        <p:spPr>
+          <a:noFill/>
+          <a:ln/>
+          <a:extLst>
+            <a:ext uri="{909E8E84-426E-40DD-AFC4-6F175D3DCCD1}">
+              <a14:hiddenFill xmlns:a14="http://schemas.microsoft.com/office/drawing/2010/main">
+                <a:solidFill>
+                  <a:srgbClr val="FFFFFF"/>
+                </a:solidFill>
+              </a14:hiddenFill>
+            </a:ext>
+            <a:ext uri="{91240B29-F687-4F45-9708-019B960494DF}">
+              <a14:hiddenLine xmlns:a14="http://schemas.microsoft.com/office/drawing/2010/main" w="9525">
+                <a:solidFill>
+                  <a:srgbClr val="000000"/>
+                </a:solidFill>
+                <a:miter lim="800000"/>
+                <a:headEnd/>
+                <a:tailEnd/>
+              </a14:hiddenLine>
+            </a:ext>
+          </a:extLst>
+        </p:spPr>
+        <p:txBody>
+          <a:bodyPr/>
+          <a:lstStyle/>
+          <a:p>
+            <a:pPr eaLnBrk="1" hangingPunct="1"/>
+            <a:endParaRPr lang="en-US" altLang="pt-BR">
+              <a:latin typeface="Arial" panose="020B0604020202020204" pitchFamily="34" charset="0"/>
+            </a:endParaRPr>
+          </a:p>
+        </p:txBody>
+      </p:sp>
+    </p:spTree>
+    <p:extLst>
+      <p:ext uri="{BB962C8B-B14F-4D97-AF65-F5344CB8AC3E}">
+        <p14:creationId xmlns:p14="http://schemas.microsoft.com/office/powerpoint/2010/main" val="3507910071"/>
+      </p:ext>
+    </p:extLst>
+  </p:cSld>
+  <p:clrMapOvr>
+    <a:masterClrMapping/>
+  </p:clrMapOvr>
+</p:notes>
+</file>
+
+<file path=ppt/notesSlides/notesSlide19.xml><?xml version="1.0" encoding="utf-8"?>
+<p:notes xmlns:a="http://schemas.openxmlformats.org/drawingml/2006/main" xmlns:r="http://schemas.openxmlformats.org/officeDocument/2006/relationships" xmlns:p="http://schemas.openxmlformats.org/presentationml/2006/main">
+  <p:cSld>
+    <p:spTree>
+      <p:nvGrpSpPr>
+        <p:cNvPr id="1" name=""/>
+        <p:cNvGrpSpPr/>
+        <p:nvPr/>
+      </p:nvGrpSpPr>
+      <p:grpSpPr>
+        <a:xfrm>
+          <a:off x="0" y="0"/>
+          <a:ext cx="0" cy="0"/>
+          <a:chOff x="0" y="0"/>
+          <a:chExt cx="0" cy="0"/>
+        </a:xfrm>
+      </p:grpSpPr>
+      <p:sp>
+        <p:nvSpPr>
+          <p:cNvPr id="124931" name="Rectangle 2">
+            <a:extLst>
+              <a:ext uri="{FF2B5EF4-FFF2-40B4-BE49-F238E27FC236}">
+                <a16:creationId xmlns:a16="http://schemas.microsoft.com/office/drawing/2014/main" id="{8B859196-7097-4B81-9F07-CE2A16BE5D6D}"/>
+              </a:ext>
+            </a:extLst>
+          </p:cNvPr>
+          <p:cNvSpPr>
+            <a:spLocks noGrp="1" noRot="1" noChangeAspect="1" noChangeArrowheads="1" noTextEdit="1"/>
+          </p:cNvSpPr>
+          <p:nvPr>
+            <p:ph type="sldImg"/>
+          </p:nvPr>
+        </p:nvSpPr>
+        <p:spPr>
+          <a:xfrm>
+            <a:off x="2749550" y="533400"/>
+            <a:ext cx="4735513" cy="2663825"/>
+          </a:xfrm>
+          <a:ln/>
+        </p:spPr>
+      </p:sp>
+      <p:sp>
+        <p:nvSpPr>
+          <p:cNvPr id="124932" name="Rectangle 3">
+            <a:extLst>
+              <a:ext uri="{FF2B5EF4-FFF2-40B4-BE49-F238E27FC236}">
+                <a16:creationId xmlns:a16="http://schemas.microsoft.com/office/drawing/2014/main" id="{622DE7CD-C43C-46C1-8045-76700F97E74F}"/>
+              </a:ext>
+            </a:extLst>
+          </p:cNvPr>
+          <p:cNvSpPr>
+            <a:spLocks noGrp="1" noChangeArrowheads="1"/>
+          </p:cNvSpPr>
+          <p:nvPr>
+            <p:ph type="body" idx="1"/>
+          </p:nvPr>
+        </p:nvSpPr>
+        <p:spPr>
+          <a:noFill/>
+          <a:ln/>
+          <a:extLst>
+            <a:ext uri="{909E8E84-426E-40DD-AFC4-6F175D3DCCD1}">
+              <a14:hiddenFill xmlns:a14="http://schemas.microsoft.com/office/drawing/2010/main">
+                <a:solidFill>
+                  <a:srgbClr val="FFFFFF"/>
+                </a:solidFill>
+              </a14:hiddenFill>
+            </a:ext>
+            <a:ext uri="{91240B29-F687-4F45-9708-019B960494DF}">
+              <a14:hiddenLine xmlns:a14="http://schemas.microsoft.com/office/drawing/2010/main" w="9525">
+                <a:solidFill>
+                  <a:srgbClr val="000000"/>
+                </a:solidFill>
+                <a:miter lim="800000"/>
+                <a:headEnd/>
+                <a:tailEnd/>
+              </a14:hiddenLine>
+            </a:ext>
+          </a:extLst>
+        </p:spPr>
+        <p:txBody>
+          <a:bodyPr/>
+          <a:lstStyle/>
+          <a:p>
+            <a:pPr eaLnBrk="1" hangingPunct="1"/>
+            <a:endParaRPr lang="en-US" altLang="pt-BR">
+              <a:latin typeface="Arial" panose="020B0604020202020204" pitchFamily="34" charset="0"/>
+            </a:endParaRPr>
+          </a:p>
+        </p:txBody>
+      </p:sp>
+    </p:spTree>
+    <p:extLst>
+      <p:ext uri="{BB962C8B-B14F-4D97-AF65-F5344CB8AC3E}">
+        <p14:creationId xmlns:p14="http://schemas.microsoft.com/office/powerpoint/2010/main" val="1302571745"/>
+      </p:ext>
+    </p:extLst>
+  </p:cSld>
+  <p:clrMapOvr>
+    <a:masterClrMapping/>
+  </p:clrMapOvr>
+</p:notes>
+</file>
+
 <file path=ppt/notesSlides/notesSlide2.xml><?xml version="1.0" encoding="utf-8"?>
 <p:notes xmlns:a="http://schemas.openxmlformats.org/drawingml/2006/main" xmlns:r="http://schemas.openxmlformats.org/officeDocument/2006/relationships" xmlns:p="http://schemas.openxmlformats.org/presentationml/2006/main">
   <p:cSld>
@@ -1747,6 +2162,496 @@
         </p:txBody>
       </p:sp>
     </p:spTree>
+  </p:cSld>
+  <p:clrMapOvr>
+    <a:masterClrMapping/>
+  </p:clrMapOvr>
+</p:notes>
+</file>
+
+<file path=ppt/notesSlides/notesSlide20.xml><?xml version="1.0" encoding="utf-8"?>
+<p:notes xmlns:a="http://schemas.openxmlformats.org/drawingml/2006/main" xmlns:r="http://schemas.openxmlformats.org/officeDocument/2006/relationships" xmlns:p="http://schemas.openxmlformats.org/presentationml/2006/main">
+  <p:cSld>
+    <p:spTree>
+      <p:nvGrpSpPr>
+        <p:cNvPr id="1" name=""/>
+        <p:cNvGrpSpPr/>
+        <p:nvPr/>
+      </p:nvGrpSpPr>
+      <p:grpSpPr>
+        <a:xfrm>
+          <a:off x="0" y="0"/>
+          <a:ext cx="0" cy="0"/>
+          <a:chOff x="0" y="0"/>
+          <a:chExt cx="0" cy="0"/>
+        </a:xfrm>
+      </p:grpSpPr>
+      <p:sp>
+        <p:nvSpPr>
+          <p:cNvPr id="2" name="Espaço Reservado para Imagem de Slide 1"/>
+          <p:cNvSpPr>
+            <a:spLocks noGrp="1" noRot="1" noChangeAspect="1"/>
+          </p:cNvSpPr>
+          <p:nvPr>
+            <p:ph type="sldImg"/>
+          </p:nvPr>
+        </p:nvSpPr>
+        <p:spPr/>
+      </p:sp>
+      <p:sp>
+        <p:nvSpPr>
+          <p:cNvPr id="3" name="Espaço Reservado para Anotações 2"/>
+          <p:cNvSpPr>
+            <a:spLocks noGrp="1"/>
+          </p:cNvSpPr>
+          <p:nvPr>
+            <p:ph type="body" idx="1"/>
+          </p:nvPr>
+        </p:nvSpPr>
+        <p:spPr/>
+        <p:txBody>
+          <a:bodyPr/>
+          <a:lstStyle/>
+          <a:p>
+            <a:endParaRPr lang="pt-BR" dirty="0"/>
+          </a:p>
+        </p:txBody>
+      </p:sp>
+    </p:spTree>
+    <p:extLst>
+      <p:ext uri="{BB962C8B-B14F-4D97-AF65-F5344CB8AC3E}">
+        <p14:creationId xmlns:p14="http://schemas.microsoft.com/office/powerpoint/2010/main" val="2025153958"/>
+      </p:ext>
+    </p:extLst>
+  </p:cSld>
+  <p:clrMapOvr>
+    <a:masterClrMapping/>
+  </p:clrMapOvr>
+</p:notes>
+</file>
+
+<file path=ppt/notesSlides/notesSlide21.xml><?xml version="1.0" encoding="utf-8"?>
+<p:notes xmlns:a="http://schemas.openxmlformats.org/drawingml/2006/main" xmlns:r="http://schemas.openxmlformats.org/officeDocument/2006/relationships" xmlns:p="http://schemas.openxmlformats.org/presentationml/2006/main">
+  <p:cSld>
+    <p:spTree>
+      <p:nvGrpSpPr>
+        <p:cNvPr id="1" name=""/>
+        <p:cNvGrpSpPr/>
+        <p:nvPr/>
+      </p:nvGrpSpPr>
+      <p:grpSpPr>
+        <a:xfrm>
+          <a:off x="0" y="0"/>
+          <a:ext cx="0" cy="0"/>
+          <a:chOff x="0" y="0"/>
+          <a:chExt cx="0" cy="0"/>
+        </a:xfrm>
+      </p:grpSpPr>
+      <p:sp>
+        <p:nvSpPr>
+          <p:cNvPr id="125955" name="Rectangle 2">
+            <a:extLst>
+              <a:ext uri="{FF2B5EF4-FFF2-40B4-BE49-F238E27FC236}">
+                <a16:creationId xmlns:a16="http://schemas.microsoft.com/office/drawing/2014/main" id="{9C223B00-8446-4574-A563-6C270250D9A8}"/>
+              </a:ext>
+            </a:extLst>
+          </p:cNvPr>
+          <p:cNvSpPr>
+            <a:spLocks noGrp="1" noRot="1" noChangeAspect="1" noChangeArrowheads="1" noTextEdit="1"/>
+          </p:cNvSpPr>
+          <p:nvPr>
+            <p:ph type="sldImg"/>
+          </p:nvPr>
+        </p:nvSpPr>
+        <p:spPr>
+          <a:xfrm>
+            <a:off x="2749550" y="533400"/>
+            <a:ext cx="4735513" cy="2663825"/>
+          </a:xfrm>
+          <a:ln/>
+        </p:spPr>
+      </p:sp>
+      <p:sp>
+        <p:nvSpPr>
+          <p:cNvPr id="125956" name="Rectangle 3">
+            <a:extLst>
+              <a:ext uri="{FF2B5EF4-FFF2-40B4-BE49-F238E27FC236}">
+                <a16:creationId xmlns:a16="http://schemas.microsoft.com/office/drawing/2014/main" id="{365623F1-54FC-45F6-9A24-0ADF0658C33C}"/>
+              </a:ext>
+            </a:extLst>
+          </p:cNvPr>
+          <p:cNvSpPr>
+            <a:spLocks noGrp="1" noChangeArrowheads="1"/>
+          </p:cNvSpPr>
+          <p:nvPr>
+            <p:ph type="body" idx="1"/>
+          </p:nvPr>
+        </p:nvSpPr>
+        <p:spPr>
+          <a:noFill/>
+          <a:ln/>
+          <a:extLst>
+            <a:ext uri="{909E8E84-426E-40DD-AFC4-6F175D3DCCD1}">
+              <a14:hiddenFill xmlns:a14="http://schemas.microsoft.com/office/drawing/2010/main">
+                <a:solidFill>
+                  <a:srgbClr val="FFFFFF"/>
+                </a:solidFill>
+              </a14:hiddenFill>
+            </a:ext>
+            <a:ext uri="{91240B29-F687-4F45-9708-019B960494DF}">
+              <a14:hiddenLine xmlns:a14="http://schemas.microsoft.com/office/drawing/2010/main" w="9525">
+                <a:solidFill>
+                  <a:srgbClr val="000000"/>
+                </a:solidFill>
+                <a:miter lim="800000"/>
+                <a:headEnd/>
+                <a:tailEnd/>
+              </a14:hiddenLine>
+            </a:ext>
+          </a:extLst>
+        </p:spPr>
+        <p:txBody>
+          <a:bodyPr/>
+          <a:lstStyle/>
+          <a:p>
+            <a:pPr eaLnBrk="1" hangingPunct="1"/>
+            <a:endParaRPr lang="en-US" altLang="pt-BR">
+              <a:latin typeface="Arial" panose="020B0604020202020204" pitchFamily="34" charset="0"/>
+            </a:endParaRPr>
+          </a:p>
+        </p:txBody>
+      </p:sp>
+    </p:spTree>
+  </p:cSld>
+  <p:clrMapOvr>
+    <a:masterClrMapping/>
+  </p:clrMapOvr>
+</p:notes>
+</file>
+
+<file path=ppt/notesSlides/notesSlide22.xml><?xml version="1.0" encoding="utf-8"?>
+<p:notes xmlns:a="http://schemas.openxmlformats.org/drawingml/2006/main" xmlns:r="http://schemas.openxmlformats.org/officeDocument/2006/relationships" xmlns:p="http://schemas.openxmlformats.org/presentationml/2006/main">
+  <p:cSld>
+    <p:spTree>
+      <p:nvGrpSpPr>
+        <p:cNvPr id="1" name="">
+          <a:extLst>
+            <a:ext uri="{FF2B5EF4-FFF2-40B4-BE49-F238E27FC236}">
+              <a16:creationId xmlns:a16="http://schemas.microsoft.com/office/drawing/2014/main" id="{FA83290D-CE68-7509-26DE-2B4BE23267F4}"/>
+            </a:ext>
+          </a:extLst>
+        </p:cNvPr>
+        <p:cNvGrpSpPr/>
+        <p:nvPr/>
+      </p:nvGrpSpPr>
+      <p:grpSpPr>
+        <a:xfrm>
+          <a:off x="0" y="0"/>
+          <a:ext cx="0" cy="0"/>
+          <a:chOff x="0" y="0"/>
+          <a:chExt cx="0" cy="0"/>
+        </a:xfrm>
+      </p:grpSpPr>
+      <p:sp>
+        <p:nvSpPr>
+          <p:cNvPr id="125955" name="Rectangle 2">
+            <a:extLst>
+              <a:ext uri="{FF2B5EF4-FFF2-40B4-BE49-F238E27FC236}">
+                <a16:creationId xmlns:a16="http://schemas.microsoft.com/office/drawing/2014/main" id="{80A45F81-724D-5B62-4E66-4E00047EDD87}"/>
+              </a:ext>
+            </a:extLst>
+          </p:cNvPr>
+          <p:cNvSpPr>
+            <a:spLocks noGrp="1" noRot="1" noChangeAspect="1" noChangeArrowheads="1" noTextEdit="1"/>
+          </p:cNvSpPr>
+          <p:nvPr>
+            <p:ph type="sldImg"/>
+          </p:nvPr>
+        </p:nvSpPr>
+        <p:spPr>
+          <a:xfrm>
+            <a:off x="2749550" y="533400"/>
+            <a:ext cx="4735513" cy="2663825"/>
+          </a:xfrm>
+          <a:ln/>
+        </p:spPr>
+      </p:sp>
+      <p:sp>
+        <p:nvSpPr>
+          <p:cNvPr id="125956" name="Rectangle 3">
+            <a:extLst>
+              <a:ext uri="{FF2B5EF4-FFF2-40B4-BE49-F238E27FC236}">
+                <a16:creationId xmlns:a16="http://schemas.microsoft.com/office/drawing/2014/main" id="{C1304B26-7E2E-0142-097F-0427074F603F}"/>
+              </a:ext>
+            </a:extLst>
+          </p:cNvPr>
+          <p:cNvSpPr>
+            <a:spLocks noGrp="1" noChangeArrowheads="1"/>
+          </p:cNvSpPr>
+          <p:nvPr>
+            <p:ph type="body" idx="1"/>
+          </p:nvPr>
+        </p:nvSpPr>
+        <p:spPr>
+          <a:noFill/>
+          <a:ln/>
+          <a:extLst>
+            <a:ext uri="{909E8E84-426E-40DD-AFC4-6F175D3DCCD1}">
+              <a14:hiddenFill xmlns:a14="http://schemas.microsoft.com/office/drawing/2010/main">
+                <a:solidFill>
+                  <a:srgbClr val="FFFFFF"/>
+                </a:solidFill>
+              </a14:hiddenFill>
+            </a:ext>
+            <a:ext uri="{91240B29-F687-4F45-9708-019B960494DF}">
+              <a14:hiddenLine xmlns:a14="http://schemas.microsoft.com/office/drawing/2010/main" w="9525">
+                <a:solidFill>
+                  <a:srgbClr val="000000"/>
+                </a:solidFill>
+                <a:miter lim="800000"/>
+                <a:headEnd/>
+                <a:tailEnd/>
+              </a14:hiddenLine>
+            </a:ext>
+          </a:extLst>
+        </p:spPr>
+        <p:txBody>
+          <a:bodyPr/>
+          <a:lstStyle/>
+          <a:p>
+            <a:pPr eaLnBrk="1" hangingPunct="1"/>
+            <a:endParaRPr lang="en-US" altLang="pt-BR">
+              <a:latin typeface="Arial" panose="020B0604020202020204" pitchFamily="34" charset="0"/>
+            </a:endParaRPr>
+          </a:p>
+        </p:txBody>
+      </p:sp>
+    </p:spTree>
+    <p:extLst>
+      <p:ext uri="{BB962C8B-B14F-4D97-AF65-F5344CB8AC3E}">
+        <p14:creationId xmlns:p14="http://schemas.microsoft.com/office/powerpoint/2010/main" val="1134433470"/>
+      </p:ext>
+    </p:extLst>
+  </p:cSld>
+  <p:clrMapOvr>
+    <a:masterClrMapping/>
+  </p:clrMapOvr>
+</p:notes>
+</file>
+
+<file path=ppt/notesSlides/notesSlide23.xml><?xml version="1.0" encoding="utf-8"?>
+<p:notes xmlns:a="http://schemas.openxmlformats.org/drawingml/2006/main" xmlns:r="http://schemas.openxmlformats.org/officeDocument/2006/relationships" xmlns:p="http://schemas.openxmlformats.org/presentationml/2006/main">
+  <p:cSld>
+    <p:spTree>
+      <p:nvGrpSpPr>
+        <p:cNvPr id="1" name="">
+          <a:extLst>
+            <a:ext uri="{FF2B5EF4-FFF2-40B4-BE49-F238E27FC236}">
+              <a16:creationId xmlns:a16="http://schemas.microsoft.com/office/drawing/2014/main" id="{B4562171-87A7-E5A1-5CF8-47A4B0898DA5}"/>
+            </a:ext>
+          </a:extLst>
+        </p:cNvPr>
+        <p:cNvGrpSpPr/>
+        <p:nvPr/>
+      </p:nvGrpSpPr>
+      <p:grpSpPr>
+        <a:xfrm>
+          <a:off x="0" y="0"/>
+          <a:ext cx="0" cy="0"/>
+          <a:chOff x="0" y="0"/>
+          <a:chExt cx="0" cy="0"/>
+        </a:xfrm>
+      </p:grpSpPr>
+      <p:sp>
+        <p:nvSpPr>
+          <p:cNvPr id="125955" name="Rectangle 2">
+            <a:extLst>
+              <a:ext uri="{FF2B5EF4-FFF2-40B4-BE49-F238E27FC236}">
+                <a16:creationId xmlns:a16="http://schemas.microsoft.com/office/drawing/2014/main" id="{0D4CD2CA-29B6-8B1D-3FBD-8A8E20761052}"/>
+              </a:ext>
+            </a:extLst>
+          </p:cNvPr>
+          <p:cNvSpPr>
+            <a:spLocks noGrp="1" noRot="1" noChangeAspect="1" noChangeArrowheads="1" noTextEdit="1"/>
+          </p:cNvSpPr>
+          <p:nvPr>
+            <p:ph type="sldImg"/>
+          </p:nvPr>
+        </p:nvSpPr>
+        <p:spPr>
+          <a:xfrm>
+            <a:off x="2749550" y="533400"/>
+            <a:ext cx="4735513" cy="2663825"/>
+          </a:xfrm>
+          <a:ln/>
+        </p:spPr>
+      </p:sp>
+      <p:sp>
+        <p:nvSpPr>
+          <p:cNvPr id="125956" name="Rectangle 3">
+            <a:extLst>
+              <a:ext uri="{FF2B5EF4-FFF2-40B4-BE49-F238E27FC236}">
+                <a16:creationId xmlns:a16="http://schemas.microsoft.com/office/drawing/2014/main" id="{25C5E5A4-6B90-9183-7F7A-08ED42A98B50}"/>
+              </a:ext>
+            </a:extLst>
+          </p:cNvPr>
+          <p:cNvSpPr>
+            <a:spLocks noGrp="1" noChangeArrowheads="1"/>
+          </p:cNvSpPr>
+          <p:nvPr>
+            <p:ph type="body" idx="1"/>
+          </p:nvPr>
+        </p:nvSpPr>
+        <p:spPr>
+          <a:noFill/>
+          <a:ln/>
+          <a:extLst>
+            <a:ext uri="{909E8E84-426E-40DD-AFC4-6F175D3DCCD1}">
+              <a14:hiddenFill xmlns:a14="http://schemas.microsoft.com/office/drawing/2010/main">
+                <a:solidFill>
+                  <a:srgbClr val="FFFFFF"/>
+                </a:solidFill>
+              </a14:hiddenFill>
+            </a:ext>
+            <a:ext uri="{91240B29-F687-4F45-9708-019B960494DF}">
+              <a14:hiddenLine xmlns:a14="http://schemas.microsoft.com/office/drawing/2010/main" w="9525">
+                <a:solidFill>
+                  <a:srgbClr val="000000"/>
+                </a:solidFill>
+                <a:miter lim="800000"/>
+                <a:headEnd/>
+                <a:tailEnd/>
+              </a14:hiddenLine>
+            </a:ext>
+          </a:extLst>
+        </p:spPr>
+        <p:txBody>
+          <a:bodyPr/>
+          <a:lstStyle/>
+          <a:p>
+            <a:pPr eaLnBrk="1" hangingPunct="1"/>
+            <a:endParaRPr lang="en-US" altLang="pt-BR">
+              <a:latin typeface="Arial" panose="020B0604020202020204" pitchFamily="34" charset="0"/>
+            </a:endParaRPr>
+          </a:p>
+        </p:txBody>
+      </p:sp>
+    </p:spTree>
+    <p:extLst>
+      <p:ext uri="{BB962C8B-B14F-4D97-AF65-F5344CB8AC3E}">
+        <p14:creationId xmlns:p14="http://schemas.microsoft.com/office/powerpoint/2010/main" val="661386281"/>
+      </p:ext>
+    </p:extLst>
+  </p:cSld>
+  <p:clrMapOvr>
+    <a:masterClrMapping/>
+  </p:clrMapOvr>
+</p:notes>
+</file>
+
+<file path=ppt/notesSlides/notesSlide24.xml><?xml version="1.0" encoding="utf-8"?>
+<p:notes xmlns:a="http://schemas.openxmlformats.org/drawingml/2006/main" xmlns:r="http://schemas.openxmlformats.org/officeDocument/2006/relationships" xmlns:p="http://schemas.openxmlformats.org/presentationml/2006/main">
+  <p:cSld>
+    <p:spTree>
+      <p:nvGrpSpPr>
+        <p:cNvPr id="1" name="">
+          <a:extLst>
+            <a:ext uri="{FF2B5EF4-FFF2-40B4-BE49-F238E27FC236}">
+              <a16:creationId xmlns:a16="http://schemas.microsoft.com/office/drawing/2014/main" id="{64FF058D-50F1-C09E-DD5D-0CD00271C8E5}"/>
+            </a:ext>
+          </a:extLst>
+        </p:cNvPr>
+        <p:cNvGrpSpPr/>
+        <p:nvPr/>
+      </p:nvGrpSpPr>
+      <p:grpSpPr>
+        <a:xfrm>
+          <a:off x="0" y="0"/>
+          <a:ext cx="0" cy="0"/>
+          <a:chOff x="0" y="0"/>
+          <a:chExt cx="0" cy="0"/>
+        </a:xfrm>
+      </p:grpSpPr>
+      <p:sp>
+        <p:nvSpPr>
+          <p:cNvPr id="125955" name="Rectangle 2">
+            <a:extLst>
+              <a:ext uri="{FF2B5EF4-FFF2-40B4-BE49-F238E27FC236}">
+                <a16:creationId xmlns:a16="http://schemas.microsoft.com/office/drawing/2014/main" id="{CBE6000D-D88B-E498-2769-97BCD7B92B01}"/>
+              </a:ext>
+            </a:extLst>
+          </p:cNvPr>
+          <p:cNvSpPr>
+            <a:spLocks noGrp="1" noRot="1" noChangeAspect="1" noChangeArrowheads="1" noTextEdit="1"/>
+          </p:cNvSpPr>
+          <p:nvPr>
+            <p:ph type="sldImg"/>
+          </p:nvPr>
+        </p:nvSpPr>
+        <p:spPr>
+          <a:xfrm>
+            <a:off x="2749550" y="533400"/>
+            <a:ext cx="4735513" cy="2663825"/>
+          </a:xfrm>
+          <a:ln/>
+        </p:spPr>
+      </p:sp>
+      <p:sp>
+        <p:nvSpPr>
+          <p:cNvPr id="125956" name="Rectangle 3">
+            <a:extLst>
+              <a:ext uri="{FF2B5EF4-FFF2-40B4-BE49-F238E27FC236}">
+                <a16:creationId xmlns:a16="http://schemas.microsoft.com/office/drawing/2014/main" id="{653D2FD2-4E77-2313-5C77-54FD6AD61C22}"/>
+              </a:ext>
+            </a:extLst>
+          </p:cNvPr>
+          <p:cNvSpPr>
+            <a:spLocks noGrp="1" noChangeArrowheads="1"/>
+          </p:cNvSpPr>
+          <p:nvPr>
+            <p:ph type="body" idx="1"/>
+          </p:nvPr>
+        </p:nvSpPr>
+        <p:spPr>
+          <a:noFill/>
+          <a:ln/>
+          <a:extLst>
+            <a:ext uri="{909E8E84-426E-40DD-AFC4-6F175D3DCCD1}">
+              <a14:hiddenFill xmlns:a14="http://schemas.microsoft.com/office/drawing/2010/main">
+                <a:solidFill>
+                  <a:srgbClr val="FFFFFF"/>
+                </a:solidFill>
+              </a14:hiddenFill>
+            </a:ext>
+            <a:ext uri="{91240B29-F687-4F45-9708-019B960494DF}">
+              <a14:hiddenLine xmlns:a14="http://schemas.microsoft.com/office/drawing/2010/main" w="9525">
+                <a:solidFill>
+                  <a:srgbClr val="000000"/>
+                </a:solidFill>
+                <a:miter lim="800000"/>
+                <a:headEnd/>
+                <a:tailEnd/>
+              </a14:hiddenLine>
+            </a:ext>
+          </a:extLst>
+        </p:spPr>
+        <p:txBody>
+          <a:bodyPr/>
+          <a:lstStyle/>
+          <a:p>
+            <a:pPr eaLnBrk="1" hangingPunct="1"/>
+            <a:endParaRPr lang="en-US" altLang="pt-BR">
+              <a:latin typeface="Arial" panose="020B0604020202020204" pitchFamily="34" charset="0"/>
+            </a:endParaRPr>
+          </a:p>
+        </p:txBody>
+      </p:sp>
+    </p:spTree>
+    <p:extLst>
+      <p:ext uri="{BB962C8B-B14F-4D97-AF65-F5344CB8AC3E}">
+        <p14:creationId xmlns:p14="http://schemas.microsoft.com/office/powerpoint/2010/main" val="3834718022"/>
+      </p:ext>
+    </p:extLst>
   </p:cSld>
   <p:clrMapOvr>
     <a:masterClrMapping/>
@@ -20702,8 +21607,8 @@
         </p:nvSpPr>
         <p:spPr bwMode="auto">
           <a:xfrm>
-            <a:off x="-36512" y="987574"/>
-            <a:ext cx="9144000" cy="3672408"/>
+            <a:off x="971600" y="987574"/>
+            <a:ext cx="7632848" cy="3672408"/>
           </a:xfrm>
           <a:prstGeom prst="rect">
             <a:avLst/>
@@ -21071,8 +21976,8 @@
         </p:nvSpPr>
         <p:spPr bwMode="auto">
           <a:xfrm>
-            <a:off x="-36512" y="987574"/>
-            <a:ext cx="9144000" cy="3672408"/>
+            <a:off x="971600" y="987574"/>
+            <a:ext cx="7704856" cy="3672408"/>
           </a:xfrm>
           <a:prstGeom prst="rect">
             <a:avLst/>
@@ -21440,8 +22345,8 @@
         </p:nvSpPr>
         <p:spPr bwMode="auto">
           <a:xfrm>
-            <a:off x="-36512" y="987574"/>
-            <a:ext cx="9144000" cy="3672408"/>
+            <a:off x="1115616" y="987574"/>
+            <a:ext cx="7991872" cy="3672408"/>
           </a:xfrm>
           <a:prstGeom prst="rect">
             <a:avLst/>
@@ -21907,8 +22812,8 @@
         </p:nvSpPr>
         <p:spPr bwMode="auto">
           <a:xfrm>
-            <a:off x="-36512" y="987574"/>
-            <a:ext cx="9144000" cy="3672408"/>
+            <a:off x="899592" y="987574"/>
+            <a:ext cx="7725161" cy="3672408"/>
           </a:xfrm>
           <a:prstGeom prst="rect">
             <a:avLst/>
@@ -22057,6 +22962,29 @@
                 <a:latin typeface="Aeonik-Medium"/>
               </a:rPr>
               <a:t>apacidade de esconder detalhes da implementação da classe, selecionando o que pode ser acessado publicamente, e criando uma “caixa preta” com os atributos e métodos privados.</a:t>
+            </a:r>
+          </a:p>
+          <a:p>
+            <a:pPr algn="just"/>
+            <a:endParaRPr lang="pt-BR" altLang="pt-BR" sz="2800" dirty="0">
+              <a:solidFill>
+                <a:srgbClr val="303741"/>
+              </a:solidFill>
+              <a:latin typeface="Aeonik-Medium"/>
+              <a:ea typeface="Arial Unicode MS" pitchFamily="34" charset="-128"/>
+            </a:endParaRPr>
+          </a:p>
+          <a:p>
+            <a:pPr algn="just"/>
+            <a:r>
+              <a:rPr lang="pt-BR" altLang="pt-BR" sz="2800" dirty="0">
+                <a:solidFill>
+                  <a:srgbClr val="303741"/>
+                </a:solidFill>
+                <a:latin typeface="Aeonik-Medium"/>
+                <a:ea typeface="Arial Unicode MS" pitchFamily="34" charset="-128"/>
+              </a:rPr>
+              <a:t>O Python não implementa na íntegra este pilar, não existe o conceito de PRIVATE na linguagem</a:t>
             </a:r>
             <a:endParaRPr lang="pt-BR" altLang="pt-BR" sz="2000" dirty="0">
               <a:ea typeface="Arial Unicode MS" pitchFamily="34" charset="-128"/>
@@ -22285,8 +23213,8 @@
         </p:nvSpPr>
         <p:spPr bwMode="auto">
           <a:xfrm>
-            <a:off x="-36512" y="987574"/>
-            <a:ext cx="9144000" cy="3672408"/>
+            <a:off x="1043608" y="987574"/>
+            <a:ext cx="7632848" cy="3672408"/>
           </a:xfrm>
           <a:prstGeom prst="rect">
             <a:avLst/>
@@ -22457,7 +23385,7 @@
                 <a:latin typeface="Aeonik-Medium"/>
                 <a:ea typeface="Arial Unicode MS" pitchFamily="34" charset="-128"/>
               </a:rPr>
-              <a:t>Em Python podemos encapsular tanto atributo como métodos colocando __ (2 sublinhado) no inicio de seu nome.</a:t>
+              <a:t>Em Python podemos “encapsular” tanto atributo como métodos colocando __ (2 sublinhado) no inicio de seu nome.</a:t>
             </a:r>
             <a:endParaRPr lang="pt-BR" altLang="pt-BR" sz="2000" dirty="0">
               <a:ea typeface="Arial Unicode MS" pitchFamily="34" charset="-128"/>
@@ -22686,8 +23614,8 @@
         </p:nvSpPr>
         <p:spPr bwMode="auto">
           <a:xfrm>
-            <a:off x="-36512" y="987574"/>
-            <a:ext cx="9144000" cy="3672408"/>
+            <a:off x="899592" y="987574"/>
+            <a:ext cx="7848872" cy="3672408"/>
           </a:xfrm>
           <a:prstGeom prst="rect">
             <a:avLst/>
@@ -22819,21 +23747,21 @@
           <a:p>
             <a:pPr algn="just" fontAlgn="auto"/>
             <a:r>
-              <a:rPr lang="pt-BR" sz="2800" b="0" i="0" dirty="0">
+              <a:rPr lang="pt-BR" sz="2400" b="0" i="0" dirty="0">
                 <a:effectLst/>
                 <a:latin typeface="-apple-system"/>
               </a:rPr>
               <a:t>Se trata do processo de </a:t>
             </a:r>
             <a:r>
-              <a:rPr lang="pt-BR" sz="2800" b="1" i="0" dirty="0">
+              <a:rPr lang="pt-BR" sz="2400" b="1" i="0" dirty="0">
                 <a:effectLst/>
                 <a:latin typeface="-apple-system"/>
               </a:rPr>
               <a:t>descrever algo usando apenas os detalhes relevantes ao contexto em que está sendo usado</a:t>
             </a:r>
             <a:r>
-              <a:rPr lang="pt-BR" sz="2800" b="0" i="0" dirty="0">
+              <a:rPr lang="pt-BR" sz="2400" b="0" i="0" dirty="0">
                 <a:effectLst/>
                 <a:latin typeface="-apple-system"/>
               </a:rPr>
@@ -22842,7 +23770,7 @@
           </a:p>
           <a:p>
             <a:pPr algn="just" fontAlgn="auto"/>
-            <a:endParaRPr lang="pt-BR" sz="2800" b="0" i="0" dirty="0">
+            <a:endParaRPr lang="pt-BR" sz="2400" b="0" i="0" dirty="0">
               <a:effectLst/>
               <a:latin typeface="-apple-system"/>
             </a:endParaRPr>
@@ -22850,7 +23778,7 @@
           <a:p>
             <a:pPr algn="just" fontAlgn="auto"/>
             <a:r>
-              <a:rPr lang="pt-BR" sz="2800" b="0" i="0" dirty="0">
+              <a:rPr lang="pt-BR" sz="2400" b="0" i="0" dirty="0">
                 <a:effectLst/>
                 <a:latin typeface="-apple-system"/>
               </a:rPr>
@@ -23054,6 +23982,5723 @@
 </file>
 
 <file path=ppt/slides/slide16.xml><?xml version="1.0" encoding="utf-8"?>
+<p:sld xmlns:a="http://schemas.openxmlformats.org/drawingml/2006/main" xmlns:r="http://schemas.openxmlformats.org/officeDocument/2006/relationships" xmlns:p="http://schemas.openxmlformats.org/presentationml/2006/main">
+  <p:cSld>
+    <p:spTree>
+      <p:nvGrpSpPr>
+        <p:cNvPr id="1" name=""/>
+        <p:cNvGrpSpPr/>
+        <p:nvPr/>
+      </p:nvGrpSpPr>
+      <p:grpSpPr>
+        <a:xfrm>
+          <a:off x="0" y="0"/>
+          <a:ext cx="0" cy="0"/>
+          <a:chOff x="0" y="0"/>
+          <a:chExt cx="0" cy="0"/>
+        </a:xfrm>
+      </p:grpSpPr>
+      <p:sp>
+        <p:nvSpPr>
+          <p:cNvPr id="182275" name="Rectangle 3">
+            <a:extLst>
+              <a:ext uri="{FF2B5EF4-FFF2-40B4-BE49-F238E27FC236}">
+                <a16:creationId xmlns:a16="http://schemas.microsoft.com/office/drawing/2014/main" id="{87960088-159D-49AB-842B-E8127F92C9B8}"/>
+              </a:ext>
+            </a:extLst>
+          </p:cNvPr>
+          <p:cNvSpPr>
+            <a:spLocks noChangeArrowheads="1"/>
+          </p:cNvSpPr>
+          <p:nvPr/>
+        </p:nvSpPr>
+        <p:spPr bwMode="auto">
+          <a:xfrm>
+            <a:off x="827584" y="1059582"/>
+            <a:ext cx="7920880" cy="3490670"/>
+          </a:xfrm>
+          <a:prstGeom prst="rect">
+            <a:avLst/>
+          </a:prstGeom>
+          <a:noFill/>
+          <a:ln>
+            <a:noFill/>
+          </a:ln>
+          <a:extLst>
+            <a:ext uri="{909E8E84-426E-40DD-AFC4-6F175D3DCCD1}">
+              <a14:hiddenFill xmlns:a14="http://schemas.microsoft.com/office/drawing/2010/main">
+                <a:solidFill>
+                  <a:srgbClr val="FFFFFF"/>
+                </a:solidFill>
+              </a14:hiddenFill>
+            </a:ext>
+            <a:ext uri="{91240B29-F687-4F45-9708-019B960494DF}">
+              <a14:hiddenLine xmlns:a14="http://schemas.microsoft.com/office/drawing/2010/main" w="9525">
+                <a:solidFill>
+                  <a:srgbClr val="000000"/>
+                </a:solidFill>
+                <a:miter lim="800000"/>
+                <a:headEnd/>
+                <a:tailEnd/>
+              </a14:hiddenLine>
+            </a:ext>
+          </a:extLst>
+        </p:spPr>
+        <p:txBody>
+          <a:bodyPr/>
+          <a:lstStyle>
+            <a:lvl1pPr eaLnBrk="0" hangingPunct="0">
+              <a:defRPr>
+                <a:solidFill>
+                  <a:schemeClr val="tx1"/>
+                </a:solidFill>
+                <a:latin typeface="Arial" panose="020B0604020202020204" pitchFamily="34" charset="0"/>
+              </a:defRPr>
+            </a:lvl1pPr>
+            <a:lvl2pPr marL="742950" indent="-285750" eaLnBrk="0" hangingPunct="0">
+              <a:defRPr>
+                <a:solidFill>
+                  <a:schemeClr val="tx1"/>
+                </a:solidFill>
+                <a:latin typeface="Arial" panose="020B0604020202020204" pitchFamily="34" charset="0"/>
+              </a:defRPr>
+            </a:lvl2pPr>
+            <a:lvl3pPr marL="1143000" indent="-228600" eaLnBrk="0" hangingPunct="0">
+              <a:defRPr>
+                <a:solidFill>
+                  <a:schemeClr val="tx1"/>
+                </a:solidFill>
+                <a:latin typeface="Arial" panose="020B0604020202020204" pitchFamily="34" charset="0"/>
+              </a:defRPr>
+            </a:lvl3pPr>
+            <a:lvl4pPr marL="1600200" indent="-228600" eaLnBrk="0" hangingPunct="0">
+              <a:defRPr>
+                <a:solidFill>
+                  <a:schemeClr val="tx1"/>
+                </a:solidFill>
+                <a:latin typeface="Arial" panose="020B0604020202020204" pitchFamily="34" charset="0"/>
+              </a:defRPr>
+            </a:lvl4pPr>
+            <a:lvl5pPr marL="2057400" indent="-228600" eaLnBrk="0" hangingPunct="0">
+              <a:defRPr>
+                <a:solidFill>
+                  <a:schemeClr val="tx1"/>
+                </a:solidFill>
+                <a:latin typeface="Arial" panose="020B0604020202020204" pitchFamily="34" charset="0"/>
+              </a:defRPr>
+            </a:lvl5pPr>
+            <a:lvl6pPr marL="2514600" indent="-228600" eaLnBrk="0" fontAlgn="base" hangingPunct="0">
+              <a:spcBef>
+                <a:spcPct val="0"/>
+              </a:spcBef>
+              <a:spcAft>
+                <a:spcPct val="0"/>
+              </a:spcAft>
+              <a:defRPr>
+                <a:solidFill>
+                  <a:schemeClr val="tx1"/>
+                </a:solidFill>
+                <a:latin typeface="Arial" panose="020B0604020202020204" pitchFamily="34" charset="0"/>
+              </a:defRPr>
+            </a:lvl6pPr>
+            <a:lvl7pPr marL="2971800" indent="-228600" eaLnBrk="0" fontAlgn="base" hangingPunct="0">
+              <a:spcBef>
+                <a:spcPct val="0"/>
+              </a:spcBef>
+              <a:spcAft>
+                <a:spcPct val="0"/>
+              </a:spcAft>
+              <a:defRPr>
+                <a:solidFill>
+                  <a:schemeClr val="tx1"/>
+                </a:solidFill>
+                <a:latin typeface="Arial" panose="020B0604020202020204" pitchFamily="34" charset="0"/>
+              </a:defRPr>
+            </a:lvl7pPr>
+            <a:lvl8pPr marL="3429000" indent="-228600" eaLnBrk="0" fontAlgn="base" hangingPunct="0">
+              <a:spcBef>
+                <a:spcPct val="0"/>
+              </a:spcBef>
+              <a:spcAft>
+                <a:spcPct val="0"/>
+              </a:spcAft>
+              <a:defRPr>
+                <a:solidFill>
+                  <a:schemeClr val="tx1"/>
+                </a:solidFill>
+                <a:latin typeface="Arial" panose="020B0604020202020204" pitchFamily="34" charset="0"/>
+              </a:defRPr>
+            </a:lvl8pPr>
+            <a:lvl9pPr marL="3886200" indent="-228600" eaLnBrk="0" fontAlgn="base" hangingPunct="0">
+              <a:spcBef>
+                <a:spcPct val="0"/>
+              </a:spcBef>
+              <a:spcAft>
+                <a:spcPct val="0"/>
+              </a:spcAft>
+              <a:defRPr>
+                <a:solidFill>
+                  <a:schemeClr val="tx1"/>
+                </a:solidFill>
+                <a:latin typeface="Arial" panose="020B0604020202020204" pitchFamily="34" charset="0"/>
+              </a:defRPr>
+            </a:lvl9pPr>
+          </a:lstStyle>
+          <a:p>
+            <a:pPr algn="just"/>
+            <a:r>
+              <a:rPr lang="pt-BR" sz="2400" dirty="0">
+                <a:solidFill>
+                  <a:srgbClr val="0070C0"/>
+                </a:solidFill>
+              </a:rPr>
+              <a:t>Para os exercícios aqui propostos todos os atributos das classes devem ser encapsulados e deve existir um método para alterá-los e outro para exibi-los</a:t>
+            </a:r>
+          </a:p>
+          <a:p>
+            <a:pPr algn="just"/>
+            <a:endParaRPr lang="pt-BR" sz="2400" dirty="0">
+              <a:solidFill>
+                <a:srgbClr val="0070C0"/>
+              </a:solidFill>
+            </a:endParaRPr>
+          </a:p>
+          <a:p>
+            <a:pPr algn="just"/>
+            <a:r>
+              <a:rPr lang="pt-BR" sz="2400" dirty="0">
+                <a:solidFill>
+                  <a:srgbClr val="0070C0"/>
+                </a:solidFill>
+              </a:rPr>
+              <a:t>Será necessário criar também um programa principal para testar a classe e seus métodos</a:t>
+            </a:r>
+          </a:p>
+        </p:txBody>
+      </p:sp>
+      <p:sp>
+        <p:nvSpPr>
+          <p:cNvPr id="18435" name="Text Box 4">
+            <a:extLst>
+              <a:ext uri="{FF2B5EF4-FFF2-40B4-BE49-F238E27FC236}">
+                <a16:creationId xmlns:a16="http://schemas.microsoft.com/office/drawing/2014/main" id="{5CACB99D-6C7E-4FA6-B207-19058B85811B}"/>
+              </a:ext>
+            </a:extLst>
+          </p:cNvPr>
+          <p:cNvSpPr txBox="1">
+            <a:spLocks noChangeArrowheads="1"/>
+          </p:cNvSpPr>
+          <p:nvPr/>
+        </p:nvSpPr>
+        <p:spPr bwMode="auto">
+          <a:xfrm>
+            <a:off x="839159" y="158447"/>
+            <a:ext cx="9020932" cy="507831"/>
+          </a:xfrm>
+          <a:prstGeom prst="rect">
+            <a:avLst/>
+          </a:prstGeom>
+          <a:noFill/>
+          <a:ln>
+            <a:noFill/>
+          </a:ln>
+          <a:extLst>
+            <a:ext uri="{909E8E84-426E-40DD-AFC4-6F175D3DCCD1}">
+              <a14:hiddenFill xmlns:a14="http://schemas.microsoft.com/office/drawing/2010/main">
+                <a:solidFill>
+                  <a:srgbClr val="FFFFFF"/>
+                </a:solidFill>
+              </a14:hiddenFill>
+            </a:ext>
+            <a:ext uri="{91240B29-F687-4F45-9708-019B960494DF}">
+              <a14:hiddenLine xmlns:a14="http://schemas.microsoft.com/office/drawing/2010/main" w="9525">
+                <a:solidFill>
+                  <a:srgbClr val="000000"/>
+                </a:solidFill>
+                <a:miter lim="800000"/>
+                <a:headEnd/>
+                <a:tailEnd/>
+              </a14:hiddenLine>
+            </a:ext>
+          </a:extLst>
+        </p:spPr>
+        <p:txBody>
+          <a:bodyPr wrap="square">
+            <a:spAutoFit/>
+          </a:bodyPr>
+          <a:lstStyle>
+            <a:lvl1pPr eaLnBrk="0" hangingPunct="0">
+              <a:defRPr>
+                <a:solidFill>
+                  <a:schemeClr val="tx1"/>
+                </a:solidFill>
+                <a:latin typeface="Arial" panose="020B0604020202020204" pitchFamily="34" charset="0"/>
+              </a:defRPr>
+            </a:lvl1pPr>
+            <a:lvl2pPr marL="742950" indent="-285750" eaLnBrk="0" hangingPunct="0">
+              <a:defRPr>
+                <a:solidFill>
+                  <a:schemeClr val="tx1"/>
+                </a:solidFill>
+                <a:latin typeface="Arial" panose="020B0604020202020204" pitchFamily="34" charset="0"/>
+              </a:defRPr>
+            </a:lvl2pPr>
+            <a:lvl3pPr marL="1143000" indent="-228600" eaLnBrk="0" hangingPunct="0">
+              <a:defRPr>
+                <a:solidFill>
+                  <a:schemeClr val="tx1"/>
+                </a:solidFill>
+                <a:latin typeface="Arial" panose="020B0604020202020204" pitchFamily="34" charset="0"/>
+              </a:defRPr>
+            </a:lvl3pPr>
+            <a:lvl4pPr marL="1600200" indent="-228600" eaLnBrk="0" hangingPunct="0">
+              <a:defRPr>
+                <a:solidFill>
+                  <a:schemeClr val="tx1"/>
+                </a:solidFill>
+                <a:latin typeface="Arial" panose="020B0604020202020204" pitchFamily="34" charset="0"/>
+              </a:defRPr>
+            </a:lvl4pPr>
+            <a:lvl5pPr marL="2057400" indent="-228600" eaLnBrk="0" hangingPunct="0">
+              <a:defRPr>
+                <a:solidFill>
+                  <a:schemeClr val="tx1"/>
+                </a:solidFill>
+                <a:latin typeface="Arial" panose="020B0604020202020204" pitchFamily="34" charset="0"/>
+              </a:defRPr>
+            </a:lvl5pPr>
+            <a:lvl6pPr marL="2514600" indent="-228600" eaLnBrk="0" fontAlgn="base" hangingPunct="0">
+              <a:spcBef>
+                <a:spcPct val="0"/>
+              </a:spcBef>
+              <a:spcAft>
+                <a:spcPct val="0"/>
+              </a:spcAft>
+              <a:defRPr>
+                <a:solidFill>
+                  <a:schemeClr val="tx1"/>
+                </a:solidFill>
+                <a:latin typeface="Arial" panose="020B0604020202020204" pitchFamily="34" charset="0"/>
+              </a:defRPr>
+            </a:lvl6pPr>
+            <a:lvl7pPr marL="2971800" indent="-228600" eaLnBrk="0" fontAlgn="base" hangingPunct="0">
+              <a:spcBef>
+                <a:spcPct val="0"/>
+              </a:spcBef>
+              <a:spcAft>
+                <a:spcPct val="0"/>
+              </a:spcAft>
+              <a:defRPr>
+                <a:solidFill>
+                  <a:schemeClr val="tx1"/>
+                </a:solidFill>
+                <a:latin typeface="Arial" panose="020B0604020202020204" pitchFamily="34" charset="0"/>
+              </a:defRPr>
+            </a:lvl7pPr>
+            <a:lvl8pPr marL="3429000" indent="-228600" eaLnBrk="0" fontAlgn="base" hangingPunct="0">
+              <a:spcBef>
+                <a:spcPct val="0"/>
+              </a:spcBef>
+              <a:spcAft>
+                <a:spcPct val="0"/>
+              </a:spcAft>
+              <a:defRPr>
+                <a:solidFill>
+                  <a:schemeClr val="tx1"/>
+                </a:solidFill>
+                <a:latin typeface="Arial" panose="020B0604020202020204" pitchFamily="34" charset="0"/>
+              </a:defRPr>
+            </a:lvl8pPr>
+            <a:lvl9pPr marL="3886200" indent="-228600" eaLnBrk="0" fontAlgn="base" hangingPunct="0">
+              <a:spcBef>
+                <a:spcPct val="0"/>
+              </a:spcBef>
+              <a:spcAft>
+                <a:spcPct val="0"/>
+              </a:spcAft>
+              <a:defRPr>
+                <a:solidFill>
+                  <a:schemeClr val="tx1"/>
+                </a:solidFill>
+                <a:latin typeface="Arial" panose="020B0604020202020204" pitchFamily="34" charset="0"/>
+              </a:defRPr>
+            </a:lvl9pPr>
+          </a:lstStyle>
+          <a:p>
+            <a:pPr eaLnBrk="1" hangingPunct="1">
+              <a:spcBef>
+                <a:spcPct val="50000"/>
+              </a:spcBef>
+            </a:pPr>
+            <a:r>
+              <a:rPr lang="pt-BR" altLang="pt-BR" sz="2700" b="1" i="1" dirty="0">
+                <a:solidFill>
+                  <a:srgbClr val="0033CC"/>
+                </a:solidFill>
+                <a:latin typeface="Verdana" panose="020B0604030504040204" pitchFamily="34" charset="0"/>
+              </a:rPr>
+              <a:t>Lista de exercícios de POO</a:t>
+            </a:r>
+          </a:p>
+        </p:txBody>
+      </p:sp>
+      <p:sp>
+        <p:nvSpPr>
+          <p:cNvPr id="2" name="Retângulo 1">
+            <a:extLst>
+              <a:ext uri="{FF2B5EF4-FFF2-40B4-BE49-F238E27FC236}">
+                <a16:creationId xmlns:a16="http://schemas.microsoft.com/office/drawing/2014/main" id="{0C5A62B1-F847-400E-83E9-420837D9CF35}"/>
+              </a:ext>
+            </a:extLst>
+          </p:cNvPr>
+          <p:cNvSpPr/>
+          <p:nvPr/>
+        </p:nvSpPr>
+        <p:spPr>
+          <a:xfrm>
+            <a:off x="4317101" y="2229736"/>
+            <a:ext cx="4572000" cy="307777"/>
+          </a:xfrm>
+          <a:prstGeom prst="rect">
+            <a:avLst/>
+          </a:prstGeom>
+        </p:spPr>
+        <p:txBody>
+          <a:bodyPr>
+            <a:spAutoFit/>
+          </a:bodyPr>
+          <a:lstStyle/>
+          <a:p>
+            <a:endParaRPr lang="pt-BR" dirty="0"/>
+          </a:p>
+        </p:txBody>
+      </p:sp>
+    </p:spTree>
+  </p:cSld>
+  <p:clrMapOvr>
+    <a:masterClrMapping/>
+  </p:clrMapOvr>
+  <p:transition spd="slow"/>
+  <p:timing>
+    <p:tnLst>
+      <p:par>
+        <p:cTn id="1" dur="indefinite" restart="never" nodeType="tmRoot">
+          <p:childTnLst>
+            <p:seq concurrent="1" nextAc="seek">
+              <p:cTn id="2" dur="indefinite" nodeType="mainSeq">
+                <p:childTnLst>
+                  <p:par>
+                    <p:cTn id="3" fill="hold">
+                      <p:stCondLst>
+                        <p:cond delay="indefinite"/>
+                      </p:stCondLst>
+                      <p:childTnLst>
+                        <p:par>
+                          <p:cTn id="4" fill="hold">
+                            <p:stCondLst>
+                              <p:cond delay="0"/>
+                            </p:stCondLst>
+                            <p:childTnLst>
+                              <p:par>
+                                <p:cTn id="5" presetID="1" presetClass="entr" presetSubtype="0" fill="hold" grpId="0" nodeType="clickEffect">
+                                  <p:stCondLst>
+                                    <p:cond delay="0"/>
+                                  </p:stCondLst>
+                                  <p:childTnLst>
+                                    <p:set>
+                                      <p:cBhvr>
+                                        <p:cTn id="6" dur="1" fill="hold">
+                                          <p:stCondLst>
+                                            <p:cond delay="0"/>
+                                          </p:stCondLst>
+                                        </p:cTn>
+                                        <p:tgtEl>
+                                          <p:spTgt spid="182275"/>
+                                        </p:tgtEl>
+                                        <p:attrNameLst>
+                                          <p:attrName>style.visibility</p:attrName>
+                                        </p:attrNameLst>
+                                      </p:cBhvr>
+                                      <p:to>
+                                        <p:strVal val="visible"/>
+                                      </p:to>
+                                    </p:set>
+                                  </p:childTnLst>
+                                </p:cTn>
+                              </p:par>
+                            </p:childTnLst>
+                          </p:cTn>
+                        </p:par>
+                      </p:childTnLst>
+                    </p:cTn>
+                  </p:par>
+                </p:childTnLst>
+              </p:cTn>
+              <p:prevCondLst>
+                <p:cond evt="onPrev" delay="0">
+                  <p:tgtEl>
+                    <p:sldTgt/>
+                  </p:tgtEl>
+                </p:cond>
+              </p:prevCondLst>
+              <p:nextCondLst>
+                <p:cond evt="onNext" delay="0">
+                  <p:tgtEl>
+                    <p:sldTgt/>
+                  </p:tgtEl>
+                </p:cond>
+              </p:nextCondLst>
+            </p:seq>
+          </p:childTnLst>
+        </p:cTn>
+      </p:par>
+    </p:tnLst>
+    <p:bldLst>
+      <p:bldP spid="182275" grpId="0"/>
+    </p:bldLst>
+  </p:timing>
+</p:sld>
+</file>
+
+<file path=ppt/slides/slide17.xml><?xml version="1.0" encoding="utf-8"?>
+<p:sld xmlns:a="http://schemas.openxmlformats.org/drawingml/2006/main" xmlns:r="http://schemas.openxmlformats.org/officeDocument/2006/relationships" xmlns:p="http://schemas.openxmlformats.org/presentationml/2006/main">
+  <p:cSld>
+    <p:spTree>
+      <p:nvGrpSpPr>
+        <p:cNvPr id="1" name=""/>
+        <p:cNvGrpSpPr/>
+        <p:nvPr/>
+      </p:nvGrpSpPr>
+      <p:grpSpPr>
+        <a:xfrm>
+          <a:off x="0" y="0"/>
+          <a:ext cx="0" cy="0"/>
+          <a:chOff x="0" y="0"/>
+          <a:chExt cx="0" cy="0"/>
+        </a:xfrm>
+      </p:grpSpPr>
+      <p:sp>
+        <p:nvSpPr>
+          <p:cNvPr id="182275" name="Rectangle 3">
+            <a:extLst>
+              <a:ext uri="{FF2B5EF4-FFF2-40B4-BE49-F238E27FC236}">
+                <a16:creationId xmlns:a16="http://schemas.microsoft.com/office/drawing/2014/main" id="{87960088-159D-49AB-842B-E8127F92C9B8}"/>
+              </a:ext>
+            </a:extLst>
+          </p:cNvPr>
+          <p:cNvSpPr>
+            <a:spLocks noChangeArrowheads="1"/>
+          </p:cNvSpPr>
+          <p:nvPr/>
+        </p:nvSpPr>
+        <p:spPr bwMode="auto">
+          <a:xfrm>
+            <a:off x="323528" y="771550"/>
+            <a:ext cx="8352928" cy="3816424"/>
+          </a:xfrm>
+          <a:prstGeom prst="rect">
+            <a:avLst/>
+          </a:prstGeom>
+          <a:noFill/>
+          <a:ln>
+            <a:noFill/>
+          </a:ln>
+          <a:extLst>
+            <a:ext uri="{909E8E84-426E-40DD-AFC4-6F175D3DCCD1}">
+              <a14:hiddenFill xmlns:a14="http://schemas.microsoft.com/office/drawing/2010/main">
+                <a:solidFill>
+                  <a:srgbClr val="FFFFFF"/>
+                </a:solidFill>
+              </a14:hiddenFill>
+            </a:ext>
+            <a:ext uri="{91240B29-F687-4F45-9708-019B960494DF}">
+              <a14:hiddenLine xmlns:a14="http://schemas.microsoft.com/office/drawing/2010/main" w="9525">
+                <a:solidFill>
+                  <a:srgbClr val="000000"/>
+                </a:solidFill>
+                <a:miter lim="800000"/>
+                <a:headEnd/>
+                <a:tailEnd/>
+              </a14:hiddenLine>
+            </a:ext>
+          </a:extLst>
+        </p:spPr>
+        <p:txBody>
+          <a:bodyPr/>
+          <a:lstStyle>
+            <a:lvl1pPr eaLnBrk="0" hangingPunct="0">
+              <a:defRPr>
+                <a:solidFill>
+                  <a:schemeClr val="tx1"/>
+                </a:solidFill>
+                <a:latin typeface="Arial" panose="020B0604020202020204" pitchFamily="34" charset="0"/>
+              </a:defRPr>
+            </a:lvl1pPr>
+            <a:lvl2pPr marL="742950" indent="-285750" eaLnBrk="0" hangingPunct="0">
+              <a:defRPr>
+                <a:solidFill>
+                  <a:schemeClr val="tx1"/>
+                </a:solidFill>
+                <a:latin typeface="Arial" panose="020B0604020202020204" pitchFamily="34" charset="0"/>
+              </a:defRPr>
+            </a:lvl2pPr>
+            <a:lvl3pPr marL="1143000" indent="-228600" eaLnBrk="0" hangingPunct="0">
+              <a:defRPr>
+                <a:solidFill>
+                  <a:schemeClr val="tx1"/>
+                </a:solidFill>
+                <a:latin typeface="Arial" panose="020B0604020202020204" pitchFamily="34" charset="0"/>
+              </a:defRPr>
+            </a:lvl3pPr>
+            <a:lvl4pPr marL="1600200" indent="-228600" eaLnBrk="0" hangingPunct="0">
+              <a:defRPr>
+                <a:solidFill>
+                  <a:schemeClr val="tx1"/>
+                </a:solidFill>
+                <a:latin typeface="Arial" panose="020B0604020202020204" pitchFamily="34" charset="0"/>
+              </a:defRPr>
+            </a:lvl4pPr>
+            <a:lvl5pPr marL="2057400" indent="-228600" eaLnBrk="0" hangingPunct="0">
+              <a:defRPr>
+                <a:solidFill>
+                  <a:schemeClr val="tx1"/>
+                </a:solidFill>
+                <a:latin typeface="Arial" panose="020B0604020202020204" pitchFamily="34" charset="0"/>
+              </a:defRPr>
+            </a:lvl5pPr>
+            <a:lvl6pPr marL="2514600" indent="-228600" eaLnBrk="0" fontAlgn="base" hangingPunct="0">
+              <a:spcBef>
+                <a:spcPct val="0"/>
+              </a:spcBef>
+              <a:spcAft>
+                <a:spcPct val="0"/>
+              </a:spcAft>
+              <a:defRPr>
+                <a:solidFill>
+                  <a:schemeClr val="tx1"/>
+                </a:solidFill>
+                <a:latin typeface="Arial" panose="020B0604020202020204" pitchFamily="34" charset="0"/>
+              </a:defRPr>
+            </a:lvl6pPr>
+            <a:lvl7pPr marL="2971800" indent="-228600" eaLnBrk="0" fontAlgn="base" hangingPunct="0">
+              <a:spcBef>
+                <a:spcPct val="0"/>
+              </a:spcBef>
+              <a:spcAft>
+                <a:spcPct val="0"/>
+              </a:spcAft>
+              <a:defRPr>
+                <a:solidFill>
+                  <a:schemeClr val="tx1"/>
+                </a:solidFill>
+                <a:latin typeface="Arial" panose="020B0604020202020204" pitchFamily="34" charset="0"/>
+              </a:defRPr>
+            </a:lvl7pPr>
+            <a:lvl8pPr marL="3429000" indent="-228600" eaLnBrk="0" fontAlgn="base" hangingPunct="0">
+              <a:spcBef>
+                <a:spcPct val="0"/>
+              </a:spcBef>
+              <a:spcAft>
+                <a:spcPct val="0"/>
+              </a:spcAft>
+              <a:defRPr>
+                <a:solidFill>
+                  <a:schemeClr val="tx1"/>
+                </a:solidFill>
+                <a:latin typeface="Arial" panose="020B0604020202020204" pitchFamily="34" charset="0"/>
+              </a:defRPr>
+            </a:lvl8pPr>
+            <a:lvl9pPr marL="3886200" indent="-228600" eaLnBrk="0" fontAlgn="base" hangingPunct="0">
+              <a:spcBef>
+                <a:spcPct val="0"/>
+              </a:spcBef>
+              <a:spcAft>
+                <a:spcPct val="0"/>
+              </a:spcAft>
+              <a:defRPr>
+                <a:solidFill>
+                  <a:schemeClr val="tx1"/>
+                </a:solidFill>
+                <a:latin typeface="Arial" panose="020B0604020202020204" pitchFamily="34" charset="0"/>
+              </a:defRPr>
+            </a:lvl9pPr>
+          </a:lstStyle>
+          <a:p>
+            <a:r>
+              <a:rPr lang="pt-BR" sz="2800" b="1" dirty="0"/>
+              <a:t>Classe Quadrado:</a:t>
+            </a:r>
+            <a:r>
+              <a:rPr lang="pt-BR" sz="2800" dirty="0"/>
+              <a:t> Crie uma classe que modele um quadrado:</a:t>
+            </a:r>
+          </a:p>
+          <a:p>
+            <a:pPr lvl="1"/>
+            <a:r>
+              <a:rPr lang="pt-BR" sz="2800" dirty="0"/>
+              <a:t>Atributos: Tamanho do lado</a:t>
+            </a:r>
+          </a:p>
+          <a:p>
+            <a:pPr lvl="1"/>
+            <a:r>
+              <a:rPr lang="pt-BR" sz="2800" dirty="0"/>
+              <a:t>Métodos: calcular Área</a:t>
+            </a:r>
+          </a:p>
+          <a:p>
+            <a:pPr lvl="1"/>
+            <a:r>
+              <a:rPr lang="pt-BR" sz="2800" dirty="0"/>
+              <a:t>                calcular Perímetro</a:t>
+            </a:r>
+          </a:p>
+        </p:txBody>
+      </p:sp>
+      <p:sp>
+        <p:nvSpPr>
+          <p:cNvPr id="18435" name="Text Box 4">
+            <a:extLst>
+              <a:ext uri="{FF2B5EF4-FFF2-40B4-BE49-F238E27FC236}">
+                <a16:creationId xmlns:a16="http://schemas.microsoft.com/office/drawing/2014/main" id="{5CACB99D-6C7E-4FA6-B207-19058B85811B}"/>
+              </a:ext>
+            </a:extLst>
+          </p:cNvPr>
+          <p:cNvSpPr txBox="1">
+            <a:spLocks noChangeArrowheads="1"/>
+          </p:cNvSpPr>
+          <p:nvPr/>
+        </p:nvSpPr>
+        <p:spPr bwMode="auto">
+          <a:xfrm>
+            <a:off x="971600" y="123478"/>
+            <a:ext cx="7632848" cy="507831"/>
+          </a:xfrm>
+          <a:prstGeom prst="rect">
+            <a:avLst/>
+          </a:prstGeom>
+          <a:noFill/>
+          <a:ln>
+            <a:noFill/>
+          </a:ln>
+          <a:extLst>
+            <a:ext uri="{909E8E84-426E-40DD-AFC4-6F175D3DCCD1}">
+              <a14:hiddenFill xmlns:a14="http://schemas.microsoft.com/office/drawing/2010/main">
+                <a:solidFill>
+                  <a:srgbClr val="FFFFFF"/>
+                </a:solidFill>
+              </a14:hiddenFill>
+            </a:ext>
+            <a:ext uri="{91240B29-F687-4F45-9708-019B960494DF}">
+              <a14:hiddenLine xmlns:a14="http://schemas.microsoft.com/office/drawing/2010/main" w="9525">
+                <a:solidFill>
+                  <a:srgbClr val="000000"/>
+                </a:solidFill>
+                <a:miter lim="800000"/>
+                <a:headEnd/>
+                <a:tailEnd/>
+              </a14:hiddenLine>
+            </a:ext>
+          </a:extLst>
+        </p:spPr>
+        <p:txBody>
+          <a:bodyPr wrap="square">
+            <a:spAutoFit/>
+          </a:bodyPr>
+          <a:lstStyle>
+            <a:lvl1pPr eaLnBrk="0" hangingPunct="0">
+              <a:defRPr>
+                <a:solidFill>
+                  <a:schemeClr val="tx1"/>
+                </a:solidFill>
+                <a:latin typeface="Arial" panose="020B0604020202020204" pitchFamily="34" charset="0"/>
+              </a:defRPr>
+            </a:lvl1pPr>
+            <a:lvl2pPr marL="742950" indent="-285750" eaLnBrk="0" hangingPunct="0">
+              <a:defRPr>
+                <a:solidFill>
+                  <a:schemeClr val="tx1"/>
+                </a:solidFill>
+                <a:latin typeface="Arial" panose="020B0604020202020204" pitchFamily="34" charset="0"/>
+              </a:defRPr>
+            </a:lvl2pPr>
+            <a:lvl3pPr marL="1143000" indent="-228600" eaLnBrk="0" hangingPunct="0">
+              <a:defRPr>
+                <a:solidFill>
+                  <a:schemeClr val="tx1"/>
+                </a:solidFill>
+                <a:latin typeface="Arial" panose="020B0604020202020204" pitchFamily="34" charset="0"/>
+              </a:defRPr>
+            </a:lvl3pPr>
+            <a:lvl4pPr marL="1600200" indent="-228600" eaLnBrk="0" hangingPunct="0">
+              <a:defRPr>
+                <a:solidFill>
+                  <a:schemeClr val="tx1"/>
+                </a:solidFill>
+                <a:latin typeface="Arial" panose="020B0604020202020204" pitchFamily="34" charset="0"/>
+              </a:defRPr>
+            </a:lvl4pPr>
+            <a:lvl5pPr marL="2057400" indent="-228600" eaLnBrk="0" hangingPunct="0">
+              <a:defRPr>
+                <a:solidFill>
+                  <a:schemeClr val="tx1"/>
+                </a:solidFill>
+                <a:latin typeface="Arial" panose="020B0604020202020204" pitchFamily="34" charset="0"/>
+              </a:defRPr>
+            </a:lvl5pPr>
+            <a:lvl6pPr marL="2514600" indent="-228600" eaLnBrk="0" fontAlgn="base" hangingPunct="0">
+              <a:spcBef>
+                <a:spcPct val="0"/>
+              </a:spcBef>
+              <a:spcAft>
+                <a:spcPct val="0"/>
+              </a:spcAft>
+              <a:defRPr>
+                <a:solidFill>
+                  <a:schemeClr val="tx1"/>
+                </a:solidFill>
+                <a:latin typeface="Arial" panose="020B0604020202020204" pitchFamily="34" charset="0"/>
+              </a:defRPr>
+            </a:lvl6pPr>
+            <a:lvl7pPr marL="2971800" indent="-228600" eaLnBrk="0" fontAlgn="base" hangingPunct="0">
+              <a:spcBef>
+                <a:spcPct val="0"/>
+              </a:spcBef>
+              <a:spcAft>
+                <a:spcPct val="0"/>
+              </a:spcAft>
+              <a:defRPr>
+                <a:solidFill>
+                  <a:schemeClr val="tx1"/>
+                </a:solidFill>
+                <a:latin typeface="Arial" panose="020B0604020202020204" pitchFamily="34" charset="0"/>
+              </a:defRPr>
+            </a:lvl7pPr>
+            <a:lvl8pPr marL="3429000" indent="-228600" eaLnBrk="0" fontAlgn="base" hangingPunct="0">
+              <a:spcBef>
+                <a:spcPct val="0"/>
+              </a:spcBef>
+              <a:spcAft>
+                <a:spcPct val="0"/>
+              </a:spcAft>
+              <a:defRPr>
+                <a:solidFill>
+                  <a:schemeClr val="tx1"/>
+                </a:solidFill>
+                <a:latin typeface="Arial" panose="020B0604020202020204" pitchFamily="34" charset="0"/>
+              </a:defRPr>
+            </a:lvl8pPr>
+            <a:lvl9pPr marL="3886200" indent="-228600" eaLnBrk="0" fontAlgn="base" hangingPunct="0">
+              <a:spcBef>
+                <a:spcPct val="0"/>
+              </a:spcBef>
+              <a:spcAft>
+                <a:spcPct val="0"/>
+              </a:spcAft>
+              <a:defRPr>
+                <a:solidFill>
+                  <a:schemeClr val="tx1"/>
+                </a:solidFill>
+                <a:latin typeface="Arial" panose="020B0604020202020204" pitchFamily="34" charset="0"/>
+              </a:defRPr>
+            </a:lvl9pPr>
+          </a:lstStyle>
+          <a:p>
+            <a:pPr algn="ctr" eaLnBrk="1" hangingPunct="1">
+              <a:spcBef>
+                <a:spcPct val="50000"/>
+              </a:spcBef>
+            </a:pPr>
+            <a:r>
+              <a:rPr lang="pt-BR" altLang="pt-BR" sz="2700" b="1" i="1" dirty="0">
+                <a:solidFill>
+                  <a:srgbClr val="0033CC"/>
+                </a:solidFill>
+                <a:latin typeface="Verdana" panose="020B0604030504040204" pitchFamily="34" charset="0"/>
+              </a:rPr>
+              <a:t>EX42</a:t>
+            </a:r>
+          </a:p>
+        </p:txBody>
+      </p:sp>
+    </p:spTree>
+  </p:cSld>
+  <p:clrMapOvr>
+    <a:masterClrMapping/>
+  </p:clrMapOvr>
+  <p:transition spd="slow">
+    <p:wipe/>
+  </p:transition>
+  <p:timing>
+    <p:tnLst>
+      <p:par>
+        <p:cTn id="1" dur="indefinite" restart="never" nodeType="tmRoot">
+          <p:childTnLst>
+            <p:seq concurrent="1" nextAc="seek">
+              <p:cTn id="2" dur="indefinite" nodeType="mainSeq">
+                <p:childTnLst>
+                  <p:par>
+                    <p:cTn id="3" fill="hold">
+                      <p:stCondLst>
+                        <p:cond delay="indefinite"/>
+                      </p:stCondLst>
+                      <p:childTnLst>
+                        <p:par>
+                          <p:cTn id="4" fill="hold">
+                            <p:stCondLst>
+                              <p:cond delay="0"/>
+                            </p:stCondLst>
+                            <p:childTnLst>
+                              <p:par>
+                                <p:cTn id="5" presetID="16" presetClass="entr" presetSubtype="21" fill="hold" grpId="0" nodeType="clickEffect">
+                                  <p:stCondLst>
+                                    <p:cond delay="0"/>
+                                  </p:stCondLst>
+                                  <p:childTnLst>
+                                    <p:set>
+                                      <p:cBhvr>
+                                        <p:cTn id="6" dur="1" fill="hold">
+                                          <p:stCondLst>
+                                            <p:cond delay="0"/>
+                                          </p:stCondLst>
+                                        </p:cTn>
+                                        <p:tgtEl>
+                                          <p:spTgt spid="182275">
+                                            <p:txEl>
+                                              <p:pRg st="0" end="0"/>
+                                            </p:txEl>
+                                          </p:spTgt>
+                                        </p:tgtEl>
+                                        <p:attrNameLst>
+                                          <p:attrName>style.visibility</p:attrName>
+                                        </p:attrNameLst>
+                                      </p:cBhvr>
+                                      <p:to>
+                                        <p:strVal val="visible"/>
+                                      </p:to>
+                                    </p:set>
+                                    <p:animEffect transition="in" filter="barn(inVertical)">
+                                      <p:cBhvr>
+                                        <p:cTn id="7" dur="500"/>
+                                        <p:tgtEl>
+                                          <p:spTgt spid="182275">
+                                            <p:txEl>
+                                              <p:pRg st="0" end="0"/>
+                                            </p:txEl>
+                                          </p:spTgt>
+                                        </p:tgtEl>
+                                      </p:cBhvr>
+                                    </p:animEffect>
+                                  </p:childTnLst>
+                                </p:cTn>
+                              </p:par>
+                              <p:par>
+                                <p:cTn id="8" presetID="16" presetClass="entr" presetSubtype="21" fill="hold" grpId="0" nodeType="withEffect">
+                                  <p:stCondLst>
+                                    <p:cond delay="0"/>
+                                  </p:stCondLst>
+                                  <p:childTnLst>
+                                    <p:set>
+                                      <p:cBhvr>
+                                        <p:cTn id="9" dur="1" fill="hold">
+                                          <p:stCondLst>
+                                            <p:cond delay="0"/>
+                                          </p:stCondLst>
+                                        </p:cTn>
+                                        <p:tgtEl>
+                                          <p:spTgt spid="182275">
+                                            <p:txEl>
+                                              <p:pRg st="1" end="1"/>
+                                            </p:txEl>
+                                          </p:spTgt>
+                                        </p:tgtEl>
+                                        <p:attrNameLst>
+                                          <p:attrName>style.visibility</p:attrName>
+                                        </p:attrNameLst>
+                                      </p:cBhvr>
+                                      <p:to>
+                                        <p:strVal val="visible"/>
+                                      </p:to>
+                                    </p:set>
+                                    <p:animEffect transition="in" filter="barn(inVertical)">
+                                      <p:cBhvr>
+                                        <p:cTn id="10" dur="500"/>
+                                        <p:tgtEl>
+                                          <p:spTgt spid="182275">
+                                            <p:txEl>
+                                              <p:pRg st="1" end="1"/>
+                                            </p:txEl>
+                                          </p:spTgt>
+                                        </p:tgtEl>
+                                      </p:cBhvr>
+                                    </p:animEffect>
+                                  </p:childTnLst>
+                                </p:cTn>
+                              </p:par>
+                              <p:par>
+                                <p:cTn id="11" presetID="16" presetClass="entr" presetSubtype="21" fill="hold" grpId="0" nodeType="withEffect">
+                                  <p:stCondLst>
+                                    <p:cond delay="0"/>
+                                  </p:stCondLst>
+                                  <p:childTnLst>
+                                    <p:set>
+                                      <p:cBhvr>
+                                        <p:cTn id="12" dur="1" fill="hold">
+                                          <p:stCondLst>
+                                            <p:cond delay="0"/>
+                                          </p:stCondLst>
+                                        </p:cTn>
+                                        <p:tgtEl>
+                                          <p:spTgt spid="182275">
+                                            <p:txEl>
+                                              <p:pRg st="2" end="2"/>
+                                            </p:txEl>
+                                          </p:spTgt>
+                                        </p:tgtEl>
+                                        <p:attrNameLst>
+                                          <p:attrName>style.visibility</p:attrName>
+                                        </p:attrNameLst>
+                                      </p:cBhvr>
+                                      <p:to>
+                                        <p:strVal val="visible"/>
+                                      </p:to>
+                                    </p:set>
+                                    <p:animEffect transition="in" filter="barn(inVertical)">
+                                      <p:cBhvr>
+                                        <p:cTn id="13" dur="500"/>
+                                        <p:tgtEl>
+                                          <p:spTgt spid="182275">
+                                            <p:txEl>
+                                              <p:pRg st="2" end="2"/>
+                                            </p:txEl>
+                                          </p:spTgt>
+                                        </p:tgtEl>
+                                      </p:cBhvr>
+                                    </p:animEffect>
+                                  </p:childTnLst>
+                                </p:cTn>
+                              </p:par>
+                              <p:par>
+                                <p:cTn id="14" presetID="16" presetClass="entr" presetSubtype="21" fill="hold" grpId="0" nodeType="withEffect">
+                                  <p:stCondLst>
+                                    <p:cond delay="0"/>
+                                  </p:stCondLst>
+                                  <p:childTnLst>
+                                    <p:set>
+                                      <p:cBhvr>
+                                        <p:cTn id="15" dur="1" fill="hold">
+                                          <p:stCondLst>
+                                            <p:cond delay="0"/>
+                                          </p:stCondLst>
+                                        </p:cTn>
+                                        <p:tgtEl>
+                                          <p:spTgt spid="182275">
+                                            <p:txEl>
+                                              <p:pRg st="3" end="3"/>
+                                            </p:txEl>
+                                          </p:spTgt>
+                                        </p:tgtEl>
+                                        <p:attrNameLst>
+                                          <p:attrName>style.visibility</p:attrName>
+                                        </p:attrNameLst>
+                                      </p:cBhvr>
+                                      <p:to>
+                                        <p:strVal val="visible"/>
+                                      </p:to>
+                                    </p:set>
+                                    <p:animEffect transition="in" filter="barn(inVertical)">
+                                      <p:cBhvr>
+                                        <p:cTn id="16" dur="500"/>
+                                        <p:tgtEl>
+                                          <p:spTgt spid="182275">
+                                            <p:txEl>
+                                              <p:pRg st="3" end="3"/>
+                                            </p:txEl>
+                                          </p:spTgt>
+                                        </p:tgtEl>
+                                      </p:cBhvr>
+                                    </p:animEffect>
+                                  </p:childTnLst>
+                                </p:cTn>
+                              </p:par>
+                            </p:childTnLst>
+                          </p:cTn>
+                        </p:par>
+                      </p:childTnLst>
+                    </p:cTn>
+                  </p:par>
+                </p:childTnLst>
+              </p:cTn>
+              <p:prevCondLst>
+                <p:cond evt="onPrev" delay="0">
+                  <p:tgtEl>
+                    <p:sldTgt/>
+                  </p:tgtEl>
+                </p:cond>
+              </p:prevCondLst>
+              <p:nextCondLst>
+                <p:cond evt="onNext" delay="0">
+                  <p:tgtEl>
+                    <p:sldTgt/>
+                  </p:tgtEl>
+                </p:cond>
+              </p:nextCondLst>
+            </p:seq>
+          </p:childTnLst>
+        </p:cTn>
+      </p:par>
+    </p:tnLst>
+    <p:bldLst>
+      <p:bldP spid="182275" grpId="0" build="p"/>
+    </p:bldLst>
+  </p:timing>
+</p:sld>
+</file>
+
+<file path=ppt/slides/slide18.xml><?xml version="1.0" encoding="utf-8"?>
+<p:sld xmlns:a="http://schemas.openxmlformats.org/drawingml/2006/main" xmlns:r="http://schemas.openxmlformats.org/officeDocument/2006/relationships" xmlns:p="http://schemas.openxmlformats.org/presentationml/2006/main">
+  <p:cSld>
+    <p:spTree>
+      <p:nvGrpSpPr>
+        <p:cNvPr id="1" name=""/>
+        <p:cNvGrpSpPr/>
+        <p:nvPr/>
+      </p:nvGrpSpPr>
+      <p:grpSpPr>
+        <a:xfrm>
+          <a:off x="0" y="0"/>
+          <a:ext cx="0" cy="0"/>
+          <a:chOff x="0" y="0"/>
+          <a:chExt cx="0" cy="0"/>
+        </a:xfrm>
+      </p:grpSpPr>
+      <p:sp>
+        <p:nvSpPr>
+          <p:cNvPr id="182275" name="Rectangle 3">
+            <a:extLst>
+              <a:ext uri="{FF2B5EF4-FFF2-40B4-BE49-F238E27FC236}">
+                <a16:creationId xmlns:a16="http://schemas.microsoft.com/office/drawing/2014/main" id="{87960088-159D-49AB-842B-E8127F92C9B8}"/>
+              </a:ext>
+            </a:extLst>
+          </p:cNvPr>
+          <p:cNvSpPr>
+            <a:spLocks noChangeArrowheads="1"/>
+          </p:cNvSpPr>
+          <p:nvPr/>
+        </p:nvSpPr>
+        <p:spPr bwMode="auto">
+          <a:xfrm>
+            <a:off x="971600" y="771550"/>
+            <a:ext cx="7704856" cy="3888432"/>
+          </a:xfrm>
+          <a:prstGeom prst="rect">
+            <a:avLst/>
+          </a:prstGeom>
+          <a:noFill/>
+          <a:ln>
+            <a:noFill/>
+          </a:ln>
+          <a:extLst>
+            <a:ext uri="{909E8E84-426E-40DD-AFC4-6F175D3DCCD1}">
+              <a14:hiddenFill xmlns:a14="http://schemas.microsoft.com/office/drawing/2010/main">
+                <a:solidFill>
+                  <a:srgbClr val="FFFFFF"/>
+                </a:solidFill>
+              </a14:hiddenFill>
+            </a:ext>
+            <a:ext uri="{91240B29-F687-4F45-9708-019B960494DF}">
+              <a14:hiddenLine xmlns:a14="http://schemas.microsoft.com/office/drawing/2010/main" w="9525">
+                <a:solidFill>
+                  <a:srgbClr val="000000"/>
+                </a:solidFill>
+                <a:miter lim="800000"/>
+                <a:headEnd/>
+                <a:tailEnd/>
+              </a14:hiddenLine>
+            </a:ext>
+          </a:extLst>
+        </p:spPr>
+        <p:txBody>
+          <a:bodyPr/>
+          <a:lstStyle>
+            <a:lvl1pPr eaLnBrk="0" hangingPunct="0">
+              <a:defRPr>
+                <a:solidFill>
+                  <a:schemeClr val="tx1"/>
+                </a:solidFill>
+                <a:latin typeface="Arial" panose="020B0604020202020204" pitchFamily="34" charset="0"/>
+              </a:defRPr>
+            </a:lvl1pPr>
+            <a:lvl2pPr marL="742950" indent="-285750" eaLnBrk="0" hangingPunct="0">
+              <a:defRPr>
+                <a:solidFill>
+                  <a:schemeClr val="tx1"/>
+                </a:solidFill>
+                <a:latin typeface="Arial" panose="020B0604020202020204" pitchFamily="34" charset="0"/>
+              </a:defRPr>
+            </a:lvl2pPr>
+            <a:lvl3pPr marL="1143000" indent="-228600" eaLnBrk="0" hangingPunct="0">
+              <a:defRPr>
+                <a:solidFill>
+                  <a:schemeClr val="tx1"/>
+                </a:solidFill>
+                <a:latin typeface="Arial" panose="020B0604020202020204" pitchFamily="34" charset="0"/>
+              </a:defRPr>
+            </a:lvl3pPr>
+            <a:lvl4pPr marL="1600200" indent="-228600" eaLnBrk="0" hangingPunct="0">
+              <a:defRPr>
+                <a:solidFill>
+                  <a:schemeClr val="tx1"/>
+                </a:solidFill>
+                <a:latin typeface="Arial" panose="020B0604020202020204" pitchFamily="34" charset="0"/>
+              </a:defRPr>
+            </a:lvl4pPr>
+            <a:lvl5pPr marL="2057400" indent="-228600" eaLnBrk="0" hangingPunct="0">
+              <a:defRPr>
+                <a:solidFill>
+                  <a:schemeClr val="tx1"/>
+                </a:solidFill>
+                <a:latin typeface="Arial" panose="020B0604020202020204" pitchFamily="34" charset="0"/>
+              </a:defRPr>
+            </a:lvl5pPr>
+            <a:lvl6pPr marL="2514600" indent="-228600" eaLnBrk="0" fontAlgn="base" hangingPunct="0">
+              <a:spcBef>
+                <a:spcPct val="0"/>
+              </a:spcBef>
+              <a:spcAft>
+                <a:spcPct val="0"/>
+              </a:spcAft>
+              <a:defRPr>
+                <a:solidFill>
+                  <a:schemeClr val="tx1"/>
+                </a:solidFill>
+                <a:latin typeface="Arial" panose="020B0604020202020204" pitchFamily="34" charset="0"/>
+              </a:defRPr>
+            </a:lvl6pPr>
+            <a:lvl7pPr marL="2971800" indent="-228600" eaLnBrk="0" fontAlgn="base" hangingPunct="0">
+              <a:spcBef>
+                <a:spcPct val="0"/>
+              </a:spcBef>
+              <a:spcAft>
+                <a:spcPct val="0"/>
+              </a:spcAft>
+              <a:defRPr>
+                <a:solidFill>
+                  <a:schemeClr val="tx1"/>
+                </a:solidFill>
+                <a:latin typeface="Arial" panose="020B0604020202020204" pitchFamily="34" charset="0"/>
+              </a:defRPr>
+            </a:lvl7pPr>
+            <a:lvl8pPr marL="3429000" indent="-228600" eaLnBrk="0" fontAlgn="base" hangingPunct="0">
+              <a:spcBef>
+                <a:spcPct val="0"/>
+              </a:spcBef>
+              <a:spcAft>
+                <a:spcPct val="0"/>
+              </a:spcAft>
+              <a:defRPr>
+                <a:solidFill>
+                  <a:schemeClr val="tx1"/>
+                </a:solidFill>
+                <a:latin typeface="Arial" panose="020B0604020202020204" pitchFamily="34" charset="0"/>
+              </a:defRPr>
+            </a:lvl8pPr>
+            <a:lvl9pPr marL="3886200" indent="-228600" eaLnBrk="0" fontAlgn="base" hangingPunct="0">
+              <a:spcBef>
+                <a:spcPct val="0"/>
+              </a:spcBef>
+              <a:spcAft>
+                <a:spcPct val="0"/>
+              </a:spcAft>
+              <a:defRPr>
+                <a:solidFill>
+                  <a:schemeClr val="tx1"/>
+                </a:solidFill>
+                <a:latin typeface="Arial" panose="020B0604020202020204" pitchFamily="34" charset="0"/>
+              </a:defRPr>
+            </a:lvl9pPr>
+          </a:lstStyle>
+          <a:p>
+            <a:r>
+              <a:rPr lang="pt-BR" sz="2400" b="1" dirty="0"/>
+              <a:t>Classe Pessoa:</a:t>
+            </a:r>
+            <a:r>
+              <a:rPr lang="pt-BR" sz="2400" dirty="0"/>
+              <a:t> Crie uma classe que modele uma pessoa:</a:t>
+            </a:r>
+          </a:p>
+          <a:p>
+            <a:pPr lvl="1"/>
+            <a:r>
+              <a:rPr lang="pt-BR" sz="2400" dirty="0"/>
+              <a:t>Atributos: nome, idade, peso e altura</a:t>
+            </a:r>
+          </a:p>
+          <a:p>
+            <a:pPr lvl="1"/>
+            <a:r>
+              <a:rPr lang="pt-BR" sz="2400" dirty="0"/>
+              <a:t>Métodos: </a:t>
+            </a:r>
+            <a:r>
+              <a:rPr lang="pt-BR" sz="2400" dirty="0" err="1"/>
+              <a:t>Envelhercer</a:t>
+            </a:r>
+            <a:r>
+              <a:rPr lang="pt-BR" sz="2400" dirty="0"/>
+              <a:t>, </a:t>
+            </a:r>
+          </a:p>
+          <a:p>
+            <a:pPr lvl="1"/>
+            <a:r>
+              <a:rPr lang="pt-BR" sz="2400" dirty="0"/>
+              <a:t>                Engordar, </a:t>
+            </a:r>
+          </a:p>
+          <a:p>
+            <a:pPr lvl="1"/>
+            <a:r>
+              <a:rPr lang="pt-BR" sz="2400" dirty="0"/>
+              <a:t>               Emagrecer, </a:t>
+            </a:r>
+          </a:p>
+          <a:p>
+            <a:pPr lvl="1"/>
+            <a:r>
+              <a:rPr lang="pt-BR" sz="2400" dirty="0"/>
+              <a:t>               Crescer.</a:t>
+            </a:r>
+          </a:p>
+          <a:p>
+            <a:pPr lvl="1"/>
+            <a:r>
+              <a:rPr lang="pt-BR" sz="2400" dirty="0"/>
+              <a:t> </a:t>
+            </a:r>
+            <a:r>
+              <a:rPr lang="pt-BR" sz="2400" dirty="0" err="1"/>
+              <a:t>Obs</a:t>
+            </a:r>
+            <a:r>
+              <a:rPr lang="pt-BR" sz="2400" dirty="0"/>
+              <a:t>: Por padrão, a cada ano que nossa pessoa envelhece, sendo a idade dela menor que 21 anos, ela deve crescer 0,05 cm.</a:t>
+            </a:r>
+          </a:p>
+        </p:txBody>
+      </p:sp>
+      <p:sp>
+        <p:nvSpPr>
+          <p:cNvPr id="18435" name="Text Box 4">
+            <a:extLst>
+              <a:ext uri="{FF2B5EF4-FFF2-40B4-BE49-F238E27FC236}">
+                <a16:creationId xmlns:a16="http://schemas.microsoft.com/office/drawing/2014/main" id="{5CACB99D-6C7E-4FA6-B207-19058B85811B}"/>
+              </a:ext>
+            </a:extLst>
+          </p:cNvPr>
+          <p:cNvSpPr txBox="1">
+            <a:spLocks noChangeArrowheads="1"/>
+          </p:cNvSpPr>
+          <p:nvPr/>
+        </p:nvSpPr>
+        <p:spPr bwMode="auto">
+          <a:xfrm>
+            <a:off x="971600" y="123478"/>
+            <a:ext cx="7632848" cy="507831"/>
+          </a:xfrm>
+          <a:prstGeom prst="rect">
+            <a:avLst/>
+          </a:prstGeom>
+          <a:noFill/>
+          <a:ln>
+            <a:noFill/>
+          </a:ln>
+          <a:extLst>
+            <a:ext uri="{909E8E84-426E-40DD-AFC4-6F175D3DCCD1}">
+              <a14:hiddenFill xmlns:a14="http://schemas.microsoft.com/office/drawing/2010/main">
+                <a:solidFill>
+                  <a:srgbClr val="FFFFFF"/>
+                </a:solidFill>
+              </a14:hiddenFill>
+            </a:ext>
+            <a:ext uri="{91240B29-F687-4F45-9708-019B960494DF}">
+              <a14:hiddenLine xmlns:a14="http://schemas.microsoft.com/office/drawing/2010/main" w="9525">
+                <a:solidFill>
+                  <a:srgbClr val="000000"/>
+                </a:solidFill>
+                <a:miter lim="800000"/>
+                <a:headEnd/>
+                <a:tailEnd/>
+              </a14:hiddenLine>
+            </a:ext>
+          </a:extLst>
+        </p:spPr>
+        <p:txBody>
+          <a:bodyPr wrap="square">
+            <a:spAutoFit/>
+          </a:bodyPr>
+          <a:lstStyle>
+            <a:lvl1pPr eaLnBrk="0" hangingPunct="0">
+              <a:defRPr>
+                <a:solidFill>
+                  <a:schemeClr val="tx1"/>
+                </a:solidFill>
+                <a:latin typeface="Arial" panose="020B0604020202020204" pitchFamily="34" charset="0"/>
+              </a:defRPr>
+            </a:lvl1pPr>
+            <a:lvl2pPr marL="742950" indent="-285750" eaLnBrk="0" hangingPunct="0">
+              <a:defRPr>
+                <a:solidFill>
+                  <a:schemeClr val="tx1"/>
+                </a:solidFill>
+                <a:latin typeface="Arial" panose="020B0604020202020204" pitchFamily="34" charset="0"/>
+              </a:defRPr>
+            </a:lvl2pPr>
+            <a:lvl3pPr marL="1143000" indent="-228600" eaLnBrk="0" hangingPunct="0">
+              <a:defRPr>
+                <a:solidFill>
+                  <a:schemeClr val="tx1"/>
+                </a:solidFill>
+                <a:latin typeface="Arial" panose="020B0604020202020204" pitchFamily="34" charset="0"/>
+              </a:defRPr>
+            </a:lvl3pPr>
+            <a:lvl4pPr marL="1600200" indent="-228600" eaLnBrk="0" hangingPunct="0">
+              <a:defRPr>
+                <a:solidFill>
+                  <a:schemeClr val="tx1"/>
+                </a:solidFill>
+                <a:latin typeface="Arial" panose="020B0604020202020204" pitchFamily="34" charset="0"/>
+              </a:defRPr>
+            </a:lvl4pPr>
+            <a:lvl5pPr marL="2057400" indent="-228600" eaLnBrk="0" hangingPunct="0">
+              <a:defRPr>
+                <a:solidFill>
+                  <a:schemeClr val="tx1"/>
+                </a:solidFill>
+                <a:latin typeface="Arial" panose="020B0604020202020204" pitchFamily="34" charset="0"/>
+              </a:defRPr>
+            </a:lvl5pPr>
+            <a:lvl6pPr marL="2514600" indent="-228600" eaLnBrk="0" fontAlgn="base" hangingPunct="0">
+              <a:spcBef>
+                <a:spcPct val="0"/>
+              </a:spcBef>
+              <a:spcAft>
+                <a:spcPct val="0"/>
+              </a:spcAft>
+              <a:defRPr>
+                <a:solidFill>
+                  <a:schemeClr val="tx1"/>
+                </a:solidFill>
+                <a:latin typeface="Arial" panose="020B0604020202020204" pitchFamily="34" charset="0"/>
+              </a:defRPr>
+            </a:lvl6pPr>
+            <a:lvl7pPr marL="2971800" indent="-228600" eaLnBrk="0" fontAlgn="base" hangingPunct="0">
+              <a:spcBef>
+                <a:spcPct val="0"/>
+              </a:spcBef>
+              <a:spcAft>
+                <a:spcPct val="0"/>
+              </a:spcAft>
+              <a:defRPr>
+                <a:solidFill>
+                  <a:schemeClr val="tx1"/>
+                </a:solidFill>
+                <a:latin typeface="Arial" panose="020B0604020202020204" pitchFamily="34" charset="0"/>
+              </a:defRPr>
+            </a:lvl7pPr>
+            <a:lvl8pPr marL="3429000" indent="-228600" eaLnBrk="0" fontAlgn="base" hangingPunct="0">
+              <a:spcBef>
+                <a:spcPct val="0"/>
+              </a:spcBef>
+              <a:spcAft>
+                <a:spcPct val="0"/>
+              </a:spcAft>
+              <a:defRPr>
+                <a:solidFill>
+                  <a:schemeClr val="tx1"/>
+                </a:solidFill>
+                <a:latin typeface="Arial" panose="020B0604020202020204" pitchFamily="34" charset="0"/>
+              </a:defRPr>
+            </a:lvl8pPr>
+            <a:lvl9pPr marL="3886200" indent="-228600" eaLnBrk="0" fontAlgn="base" hangingPunct="0">
+              <a:spcBef>
+                <a:spcPct val="0"/>
+              </a:spcBef>
+              <a:spcAft>
+                <a:spcPct val="0"/>
+              </a:spcAft>
+              <a:defRPr>
+                <a:solidFill>
+                  <a:schemeClr val="tx1"/>
+                </a:solidFill>
+                <a:latin typeface="Arial" panose="020B0604020202020204" pitchFamily="34" charset="0"/>
+              </a:defRPr>
+            </a:lvl9pPr>
+          </a:lstStyle>
+          <a:p>
+            <a:pPr algn="ctr" eaLnBrk="1" hangingPunct="1">
+              <a:spcBef>
+                <a:spcPct val="50000"/>
+              </a:spcBef>
+            </a:pPr>
+            <a:r>
+              <a:rPr lang="pt-BR" altLang="pt-BR" sz="2700" b="1" i="1" dirty="0">
+                <a:solidFill>
+                  <a:srgbClr val="0033CC"/>
+                </a:solidFill>
+                <a:latin typeface="Verdana" panose="020B0604030504040204" pitchFamily="34" charset="0"/>
+              </a:rPr>
+              <a:t>EX43</a:t>
+            </a:r>
+          </a:p>
+        </p:txBody>
+      </p:sp>
+    </p:spTree>
+    <p:extLst>
+      <p:ext uri="{BB962C8B-B14F-4D97-AF65-F5344CB8AC3E}">
+        <p14:creationId xmlns:p14="http://schemas.microsoft.com/office/powerpoint/2010/main" val="2423844571"/>
+      </p:ext>
+    </p:extLst>
+  </p:cSld>
+  <p:clrMapOvr>
+    <a:masterClrMapping/>
+  </p:clrMapOvr>
+  <p:transition spd="slow">
+    <p:wipe/>
+  </p:transition>
+  <p:timing>
+    <p:tnLst>
+      <p:par>
+        <p:cTn id="1" dur="indefinite" restart="never" nodeType="tmRoot">
+          <p:childTnLst>
+            <p:seq concurrent="1" nextAc="seek">
+              <p:cTn id="2" dur="indefinite" nodeType="mainSeq">
+                <p:childTnLst>
+                  <p:par>
+                    <p:cTn id="3" fill="hold">
+                      <p:stCondLst>
+                        <p:cond delay="indefinite"/>
+                      </p:stCondLst>
+                      <p:childTnLst>
+                        <p:par>
+                          <p:cTn id="4" fill="hold">
+                            <p:stCondLst>
+                              <p:cond delay="0"/>
+                            </p:stCondLst>
+                            <p:childTnLst>
+                              <p:par>
+                                <p:cTn id="5" presetID="16" presetClass="entr" presetSubtype="21" fill="hold" grpId="0" nodeType="clickEffect">
+                                  <p:stCondLst>
+                                    <p:cond delay="0"/>
+                                  </p:stCondLst>
+                                  <p:childTnLst>
+                                    <p:set>
+                                      <p:cBhvr>
+                                        <p:cTn id="6" dur="1" fill="hold">
+                                          <p:stCondLst>
+                                            <p:cond delay="0"/>
+                                          </p:stCondLst>
+                                        </p:cTn>
+                                        <p:tgtEl>
+                                          <p:spTgt spid="182275">
+                                            <p:txEl>
+                                              <p:pRg st="0" end="0"/>
+                                            </p:txEl>
+                                          </p:spTgt>
+                                        </p:tgtEl>
+                                        <p:attrNameLst>
+                                          <p:attrName>style.visibility</p:attrName>
+                                        </p:attrNameLst>
+                                      </p:cBhvr>
+                                      <p:to>
+                                        <p:strVal val="visible"/>
+                                      </p:to>
+                                    </p:set>
+                                    <p:animEffect transition="in" filter="barn(inVertical)">
+                                      <p:cBhvr>
+                                        <p:cTn id="7" dur="500"/>
+                                        <p:tgtEl>
+                                          <p:spTgt spid="182275">
+                                            <p:txEl>
+                                              <p:pRg st="0" end="0"/>
+                                            </p:txEl>
+                                          </p:spTgt>
+                                        </p:tgtEl>
+                                      </p:cBhvr>
+                                    </p:animEffect>
+                                  </p:childTnLst>
+                                </p:cTn>
+                              </p:par>
+                              <p:par>
+                                <p:cTn id="8" presetID="16" presetClass="entr" presetSubtype="21" fill="hold" grpId="0" nodeType="withEffect">
+                                  <p:stCondLst>
+                                    <p:cond delay="0"/>
+                                  </p:stCondLst>
+                                  <p:childTnLst>
+                                    <p:set>
+                                      <p:cBhvr>
+                                        <p:cTn id="9" dur="1" fill="hold">
+                                          <p:stCondLst>
+                                            <p:cond delay="0"/>
+                                          </p:stCondLst>
+                                        </p:cTn>
+                                        <p:tgtEl>
+                                          <p:spTgt spid="182275">
+                                            <p:txEl>
+                                              <p:pRg st="1" end="1"/>
+                                            </p:txEl>
+                                          </p:spTgt>
+                                        </p:tgtEl>
+                                        <p:attrNameLst>
+                                          <p:attrName>style.visibility</p:attrName>
+                                        </p:attrNameLst>
+                                      </p:cBhvr>
+                                      <p:to>
+                                        <p:strVal val="visible"/>
+                                      </p:to>
+                                    </p:set>
+                                    <p:animEffect transition="in" filter="barn(inVertical)">
+                                      <p:cBhvr>
+                                        <p:cTn id="10" dur="500"/>
+                                        <p:tgtEl>
+                                          <p:spTgt spid="182275">
+                                            <p:txEl>
+                                              <p:pRg st="1" end="1"/>
+                                            </p:txEl>
+                                          </p:spTgt>
+                                        </p:tgtEl>
+                                      </p:cBhvr>
+                                    </p:animEffect>
+                                  </p:childTnLst>
+                                </p:cTn>
+                              </p:par>
+                              <p:par>
+                                <p:cTn id="11" presetID="16" presetClass="entr" presetSubtype="21" fill="hold" grpId="0" nodeType="withEffect">
+                                  <p:stCondLst>
+                                    <p:cond delay="0"/>
+                                  </p:stCondLst>
+                                  <p:childTnLst>
+                                    <p:set>
+                                      <p:cBhvr>
+                                        <p:cTn id="12" dur="1" fill="hold">
+                                          <p:stCondLst>
+                                            <p:cond delay="0"/>
+                                          </p:stCondLst>
+                                        </p:cTn>
+                                        <p:tgtEl>
+                                          <p:spTgt spid="182275">
+                                            <p:txEl>
+                                              <p:pRg st="2" end="2"/>
+                                            </p:txEl>
+                                          </p:spTgt>
+                                        </p:tgtEl>
+                                        <p:attrNameLst>
+                                          <p:attrName>style.visibility</p:attrName>
+                                        </p:attrNameLst>
+                                      </p:cBhvr>
+                                      <p:to>
+                                        <p:strVal val="visible"/>
+                                      </p:to>
+                                    </p:set>
+                                    <p:animEffect transition="in" filter="barn(inVertical)">
+                                      <p:cBhvr>
+                                        <p:cTn id="13" dur="500"/>
+                                        <p:tgtEl>
+                                          <p:spTgt spid="182275">
+                                            <p:txEl>
+                                              <p:pRg st="2" end="2"/>
+                                            </p:txEl>
+                                          </p:spTgt>
+                                        </p:tgtEl>
+                                      </p:cBhvr>
+                                    </p:animEffect>
+                                  </p:childTnLst>
+                                </p:cTn>
+                              </p:par>
+                              <p:par>
+                                <p:cTn id="14" presetID="16" presetClass="entr" presetSubtype="21" fill="hold" grpId="0" nodeType="withEffect">
+                                  <p:stCondLst>
+                                    <p:cond delay="0"/>
+                                  </p:stCondLst>
+                                  <p:childTnLst>
+                                    <p:set>
+                                      <p:cBhvr>
+                                        <p:cTn id="15" dur="1" fill="hold">
+                                          <p:stCondLst>
+                                            <p:cond delay="0"/>
+                                          </p:stCondLst>
+                                        </p:cTn>
+                                        <p:tgtEl>
+                                          <p:spTgt spid="182275">
+                                            <p:txEl>
+                                              <p:pRg st="3" end="3"/>
+                                            </p:txEl>
+                                          </p:spTgt>
+                                        </p:tgtEl>
+                                        <p:attrNameLst>
+                                          <p:attrName>style.visibility</p:attrName>
+                                        </p:attrNameLst>
+                                      </p:cBhvr>
+                                      <p:to>
+                                        <p:strVal val="visible"/>
+                                      </p:to>
+                                    </p:set>
+                                    <p:animEffect transition="in" filter="barn(inVertical)">
+                                      <p:cBhvr>
+                                        <p:cTn id="16" dur="500"/>
+                                        <p:tgtEl>
+                                          <p:spTgt spid="182275">
+                                            <p:txEl>
+                                              <p:pRg st="3" end="3"/>
+                                            </p:txEl>
+                                          </p:spTgt>
+                                        </p:tgtEl>
+                                      </p:cBhvr>
+                                    </p:animEffect>
+                                  </p:childTnLst>
+                                </p:cTn>
+                              </p:par>
+                              <p:par>
+                                <p:cTn id="17" presetID="16" presetClass="entr" presetSubtype="21" fill="hold" grpId="0" nodeType="withEffect">
+                                  <p:stCondLst>
+                                    <p:cond delay="0"/>
+                                  </p:stCondLst>
+                                  <p:childTnLst>
+                                    <p:set>
+                                      <p:cBhvr>
+                                        <p:cTn id="18" dur="1" fill="hold">
+                                          <p:stCondLst>
+                                            <p:cond delay="0"/>
+                                          </p:stCondLst>
+                                        </p:cTn>
+                                        <p:tgtEl>
+                                          <p:spTgt spid="182275">
+                                            <p:txEl>
+                                              <p:pRg st="4" end="4"/>
+                                            </p:txEl>
+                                          </p:spTgt>
+                                        </p:tgtEl>
+                                        <p:attrNameLst>
+                                          <p:attrName>style.visibility</p:attrName>
+                                        </p:attrNameLst>
+                                      </p:cBhvr>
+                                      <p:to>
+                                        <p:strVal val="visible"/>
+                                      </p:to>
+                                    </p:set>
+                                    <p:animEffect transition="in" filter="barn(inVertical)">
+                                      <p:cBhvr>
+                                        <p:cTn id="19" dur="500"/>
+                                        <p:tgtEl>
+                                          <p:spTgt spid="182275">
+                                            <p:txEl>
+                                              <p:pRg st="4" end="4"/>
+                                            </p:txEl>
+                                          </p:spTgt>
+                                        </p:tgtEl>
+                                      </p:cBhvr>
+                                    </p:animEffect>
+                                  </p:childTnLst>
+                                </p:cTn>
+                              </p:par>
+                              <p:par>
+                                <p:cTn id="20" presetID="16" presetClass="entr" presetSubtype="21" fill="hold" grpId="0" nodeType="withEffect">
+                                  <p:stCondLst>
+                                    <p:cond delay="0"/>
+                                  </p:stCondLst>
+                                  <p:childTnLst>
+                                    <p:set>
+                                      <p:cBhvr>
+                                        <p:cTn id="21" dur="1" fill="hold">
+                                          <p:stCondLst>
+                                            <p:cond delay="0"/>
+                                          </p:stCondLst>
+                                        </p:cTn>
+                                        <p:tgtEl>
+                                          <p:spTgt spid="182275">
+                                            <p:txEl>
+                                              <p:pRg st="5" end="5"/>
+                                            </p:txEl>
+                                          </p:spTgt>
+                                        </p:tgtEl>
+                                        <p:attrNameLst>
+                                          <p:attrName>style.visibility</p:attrName>
+                                        </p:attrNameLst>
+                                      </p:cBhvr>
+                                      <p:to>
+                                        <p:strVal val="visible"/>
+                                      </p:to>
+                                    </p:set>
+                                    <p:animEffect transition="in" filter="barn(inVertical)">
+                                      <p:cBhvr>
+                                        <p:cTn id="22" dur="500"/>
+                                        <p:tgtEl>
+                                          <p:spTgt spid="182275">
+                                            <p:txEl>
+                                              <p:pRg st="5" end="5"/>
+                                            </p:txEl>
+                                          </p:spTgt>
+                                        </p:tgtEl>
+                                      </p:cBhvr>
+                                    </p:animEffect>
+                                  </p:childTnLst>
+                                </p:cTn>
+                              </p:par>
+                              <p:par>
+                                <p:cTn id="23" presetID="16" presetClass="entr" presetSubtype="21" fill="hold" grpId="0" nodeType="withEffect">
+                                  <p:stCondLst>
+                                    <p:cond delay="0"/>
+                                  </p:stCondLst>
+                                  <p:childTnLst>
+                                    <p:set>
+                                      <p:cBhvr>
+                                        <p:cTn id="24" dur="1" fill="hold">
+                                          <p:stCondLst>
+                                            <p:cond delay="0"/>
+                                          </p:stCondLst>
+                                        </p:cTn>
+                                        <p:tgtEl>
+                                          <p:spTgt spid="182275">
+                                            <p:txEl>
+                                              <p:pRg st="6" end="6"/>
+                                            </p:txEl>
+                                          </p:spTgt>
+                                        </p:tgtEl>
+                                        <p:attrNameLst>
+                                          <p:attrName>style.visibility</p:attrName>
+                                        </p:attrNameLst>
+                                      </p:cBhvr>
+                                      <p:to>
+                                        <p:strVal val="visible"/>
+                                      </p:to>
+                                    </p:set>
+                                    <p:animEffect transition="in" filter="barn(inVertical)">
+                                      <p:cBhvr>
+                                        <p:cTn id="25" dur="500"/>
+                                        <p:tgtEl>
+                                          <p:spTgt spid="182275">
+                                            <p:txEl>
+                                              <p:pRg st="6" end="6"/>
+                                            </p:txEl>
+                                          </p:spTgt>
+                                        </p:tgtEl>
+                                      </p:cBhvr>
+                                    </p:animEffect>
+                                  </p:childTnLst>
+                                </p:cTn>
+                              </p:par>
+                            </p:childTnLst>
+                          </p:cTn>
+                        </p:par>
+                      </p:childTnLst>
+                    </p:cTn>
+                  </p:par>
+                </p:childTnLst>
+              </p:cTn>
+              <p:prevCondLst>
+                <p:cond evt="onPrev" delay="0">
+                  <p:tgtEl>
+                    <p:sldTgt/>
+                  </p:tgtEl>
+                </p:cond>
+              </p:prevCondLst>
+              <p:nextCondLst>
+                <p:cond evt="onNext" delay="0">
+                  <p:tgtEl>
+                    <p:sldTgt/>
+                  </p:tgtEl>
+                </p:cond>
+              </p:nextCondLst>
+            </p:seq>
+          </p:childTnLst>
+        </p:cTn>
+      </p:par>
+    </p:tnLst>
+    <p:bldLst>
+      <p:bldP spid="182275" grpId="0" build="p"/>
+    </p:bldLst>
+  </p:timing>
+</p:sld>
+</file>
+
+<file path=ppt/slides/slide19.xml><?xml version="1.0" encoding="utf-8"?>
+<p:sld xmlns:a="http://schemas.openxmlformats.org/drawingml/2006/main" xmlns:r="http://schemas.openxmlformats.org/officeDocument/2006/relationships" xmlns:p="http://schemas.openxmlformats.org/presentationml/2006/main">
+  <p:cSld>
+    <p:spTree>
+      <p:nvGrpSpPr>
+        <p:cNvPr id="1" name=""/>
+        <p:cNvGrpSpPr/>
+        <p:nvPr/>
+      </p:nvGrpSpPr>
+      <p:grpSpPr>
+        <a:xfrm>
+          <a:off x="0" y="0"/>
+          <a:ext cx="0" cy="0"/>
+          <a:chOff x="0" y="0"/>
+          <a:chExt cx="0" cy="0"/>
+        </a:xfrm>
+      </p:grpSpPr>
+      <p:sp>
+        <p:nvSpPr>
+          <p:cNvPr id="182275" name="Rectangle 3">
+            <a:extLst>
+              <a:ext uri="{FF2B5EF4-FFF2-40B4-BE49-F238E27FC236}">
+                <a16:creationId xmlns:a16="http://schemas.microsoft.com/office/drawing/2014/main" id="{87960088-159D-49AB-842B-E8127F92C9B8}"/>
+              </a:ext>
+            </a:extLst>
+          </p:cNvPr>
+          <p:cNvSpPr>
+            <a:spLocks noChangeArrowheads="1"/>
+          </p:cNvSpPr>
+          <p:nvPr/>
+        </p:nvSpPr>
+        <p:spPr bwMode="auto">
+          <a:xfrm>
+            <a:off x="971600" y="771550"/>
+            <a:ext cx="7704856" cy="3960440"/>
+          </a:xfrm>
+          <a:prstGeom prst="rect">
+            <a:avLst/>
+          </a:prstGeom>
+          <a:noFill/>
+          <a:ln>
+            <a:noFill/>
+          </a:ln>
+          <a:extLst>
+            <a:ext uri="{909E8E84-426E-40DD-AFC4-6F175D3DCCD1}">
+              <a14:hiddenFill xmlns:a14="http://schemas.microsoft.com/office/drawing/2010/main">
+                <a:solidFill>
+                  <a:srgbClr val="FFFFFF"/>
+                </a:solidFill>
+              </a14:hiddenFill>
+            </a:ext>
+            <a:ext uri="{91240B29-F687-4F45-9708-019B960494DF}">
+              <a14:hiddenLine xmlns:a14="http://schemas.microsoft.com/office/drawing/2010/main" w="9525">
+                <a:solidFill>
+                  <a:srgbClr val="000000"/>
+                </a:solidFill>
+                <a:miter lim="800000"/>
+                <a:headEnd/>
+                <a:tailEnd/>
+              </a14:hiddenLine>
+            </a:ext>
+          </a:extLst>
+        </p:spPr>
+        <p:txBody>
+          <a:bodyPr/>
+          <a:lstStyle>
+            <a:lvl1pPr eaLnBrk="0" hangingPunct="0">
+              <a:defRPr>
+                <a:solidFill>
+                  <a:schemeClr val="tx1"/>
+                </a:solidFill>
+                <a:latin typeface="Arial" panose="020B0604020202020204" pitchFamily="34" charset="0"/>
+              </a:defRPr>
+            </a:lvl1pPr>
+            <a:lvl2pPr marL="742950" indent="-285750" eaLnBrk="0" hangingPunct="0">
+              <a:defRPr>
+                <a:solidFill>
+                  <a:schemeClr val="tx1"/>
+                </a:solidFill>
+                <a:latin typeface="Arial" panose="020B0604020202020204" pitchFamily="34" charset="0"/>
+              </a:defRPr>
+            </a:lvl2pPr>
+            <a:lvl3pPr marL="1143000" indent="-228600" eaLnBrk="0" hangingPunct="0">
+              <a:defRPr>
+                <a:solidFill>
+                  <a:schemeClr val="tx1"/>
+                </a:solidFill>
+                <a:latin typeface="Arial" panose="020B0604020202020204" pitchFamily="34" charset="0"/>
+              </a:defRPr>
+            </a:lvl3pPr>
+            <a:lvl4pPr marL="1600200" indent="-228600" eaLnBrk="0" hangingPunct="0">
+              <a:defRPr>
+                <a:solidFill>
+                  <a:schemeClr val="tx1"/>
+                </a:solidFill>
+                <a:latin typeface="Arial" panose="020B0604020202020204" pitchFamily="34" charset="0"/>
+              </a:defRPr>
+            </a:lvl4pPr>
+            <a:lvl5pPr marL="2057400" indent="-228600" eaLnBrk="0" hangingPunct="0">
+              <a:defRPr>
+                <a:solidFill>
+                  <a:schemeClr val="tx1"/>
+                </a:solidFill>
+                <a:latin typeface="Arial" panose="020B0604020202020204" pitchFamily="34" charset="0"/>
+              </a:defRPr>
+            </a:lvl5pPr>
+            <a:lvl6pPr marL="2514600" indent="-228600" eaLnBrk="0" fontAlgn="base" hangingPunct="0">
+              <a:spcBef>
+                <a:spcPct val="0"/>
+              </a:spcBef>
+              <a:spcAft>
+                <a:spcPct val="0"/>
+              </a:spcAft>
+              <a:defRPr>
+                <a:solidFill>
+                  <a:schemeClr val="tx1"/>
+                </a:solidFill>
+                <a:latin typeface="Arial" panose="020B0604020202020204" pitchFamily="34" charset="0"/>
+              </a:defRPr>
+            </a:lvl6pPr>
+            <a:lvl7pPr marL="2971800" indent="-228600" eaLnBrk="0" fontAlgn="base" hangingPunct="0">
+              <a:spcBef>
+                <a:spcPct val="0"/>
+              </a:spcBef>
+              <a:spcAft>
+                <a:spcPct val="0"/>
+              </a:spcAft>
+              <a:defRPr>
+                <a:solidFill>
+                  <a:schemeClr val="tx1"/>
+                </a:solidFill>
+                <a:latin typeface="Arial" panose="020B0604020202020204" pitchFamily="34" charset="0"/>
+              </a:defRPr>
+            </a:lvl7pPr>
+            <a:lvl8pPr marL="3429000" indent="-228600" eaLnBrk="0" fontAlgn="base" hangingPunct="0">
+              <a:spcBef>
+                <a:spcPct val="0"/>
+              </a:spcBef>
+              <a:spcAft>
+                <a:spcPct val="0"/>
+              </a:spcAft>
+              <a:defRPr>
+                <a:solidFill>
+                  <a:schemeClr val="tx1"/>
+                </a:solidFill>
+                <a:latin typeface="Arial" panose="020B0604020202020204" pitchFamily="34" charset="0"/>
+              </a:defRPr>
+            </a:lvl8pPr>
+            <a:lvl9pPr marL="3886200" indent="-228600" eaLnBrk="0" fontAlgn="base" hangingPunct="0">
+              <a:spcBef>
+                <a:spcPct val="0"/>
+              </a:spcBef>
+              <a:spcAft>
+                <a:spcPct val="0"/>
+              </a:spcAft>
+              <a:defRPr>
+                <a:solidFill>
+                  <a:schemeClr val="tx1"/>
+                </a:solidFill>
+                <a:latin typeface="Arial" panose="020B0604020202020204" pitchFamily="34" charset="0"/>
+              </a:defRPr>
+            </a:lvl9pPr>
+          </a:lstStyle>
+          <a:p>
+            <a:r>
+              <a:rPr lang="pt-BR" sz="2000" b="1" dirty="0"/>
+              <a:t>Classe Bomba de Combustível:</a:t>
+            </a:r>
+            <a:r>
+              <a:rPr lang="pt-BR" sz="2000" dirty="0"/>
+              <a:t> </a:t>
+            </a:r>
+          </a:p>
+          <a:p>
+            <a:r>
+              <a:rPr lang="pt-BR" sz="2000" dirty="0"/>
+              <a:t>Atributos: </a:t>
+            </a:r>
+            <a:r>
+              <a:rPr lang="pt-BR" sz="2000" dirty="0" err="1"/>
+              <a:t>tipocombustivel</a:t>
+            </a:r>
+            <a:r>
+              <a:rPr lang="pt-BR" sz="2000" dirty="0"/>
+              <a:t>. </a:t>
+            </a:r>
+            <a:r>
+              <a:rPr lang="pt-BR" sz="2000" dirty="0" err="1"/>
+              <a:t>Valorlitro,quantidadecombustivel</a:t>
+            </a:r>
+            <a:endParaRPr lang="pt-BR" sz="2000" dirty="0"/>
+          </a:p>
+          <a:p>
+            <a:r>
+              <a:rPr lang="pt-BR" sz="2000" dirty="0"/>
+              <a:t>métodos:</a:t>
+            </a:r>
+          </a:p>
+          <a:p>
+            <a:pPr lvl="1"/>
+            <a:r>
+              <a:rPr lang="pt-BR" sz="2000" dirty="0" err="1"/>
+              <a:t>abastecerPorValor</a:t>
+            </a:r>
+            <a:r>
+              <a:rPr lang="pt-BR" sz="2000" dirty="0"/>
+              <a:t> – método onde é informado o valor a ser abastecido e retorna a quantidade de litros que foi colocada no veículo</a:t>
+            </a:r>
+          </a:p>
+          <a:p>
+            <a:pPr lvl="1"/>
+            <a:r>
+              <a:rPr lang="pt-BR" sz="2000" dirty="0" err="1"/>
+              <a:t>abastecerPorLitro</a:t>
+            </a:r>
+            <a:r>
+              <a:rPr lang="pt-BR" sz="2000" dirty="0"/>
+              <a:t> – método onde é informado a quantidade em litros de combustível e retorna o valor a ser pago pelo cliente.</a:t>
+            </a:r>
+          </a:p>
+          <a:p>
+            <a:r>
+              <a:rPr lang="pt-BR" sz="2000" dirty="0"/>
+              <a:t>OBS: Sempre que acontecer um abastecimento é necessário atualizar a quantidade de combustível total na bomba, não permitir um abastecimento se não houver quantidade suficiente de combustível</a:t>
+            </a:r>
+          </a:p>
+          <a:p>
+            <a:pPr algn="just"/>
+            <a:endParaRPr lang="pt-BR" altLang="pt-BR" sz="2400" b="1" dirty="0">
+              <a:latin typeface="Verdana" panose="020B0604030504040204" pitchFamily="34" charset="0"/>
+              <a:ea typeface="Verdana" panose="020B0604030504040204" pitchFamily="34" charset="0"/>
+            </a:endParaRPr>
+          </a:p>
+          <a:p>
+            <a:pPr marL="342900" indent="-342900" algn="just">
+              <a:buFont typeface="Arial" panose="020B0604020202020204" pitchFamily="34" charset="0"/>
+              <a:buChar char="•"/>
+            </a:pPr>
+            <a:endParaRPr lang="pt-BR" altLang="pt-BR" sz="2400" b="1" dirty="0">
+              <a:latin typeface="Verdana" panose="020B0604030504040204" pitchFamily="34" charset="0"/>
+              <a:ea typeface="Verdana" panose="020B0604030504040204" pitchFamily="34" charset="0"/>
+            </a:endParaRPr>
+          </a:p>
+          <a:p>
+            <a:pPr marL="342900" indent="-342900" algn="just">
+              <a:buFont typeface="Arial" panose="020B0604020202020204" pitchFamily="34" charset="0"/>
+              <a:buChar char="•"/>
+            </a:pPr>
+            <a:endParaRPr lang="pt-BR" altLang="pt-BR" sz="2400" b="1" dirty="0">
+              <a:latin typeface="Verdana" panose="020B0604030504040204" pitchFamily="34" charset="0"/>
+              <a:ea typeface="Verdana" panose="020B0604030504040204" pitchFamily="34" charset="0"/>
+            </a:endParaRPr>
+          </a:p>
+        </p:txBody>
+      </p:sp>
+      <p:sp>
+        <p:nvSpPr>
+          <p:cNvPr id="18435" name="Text Box 4">
+            <a:extLst>
+              <a:ext uri="{FF2B5EF4-FFF2-40B4-BE49-F238E27FC236}">
+                <a16:creationId xmlns:a16="http://schemas.microsoft.com/office/drawing/2014/main" id="{5CACB99D-6C7E-4FA6-B207-19058B85811B}"/>
+              </a:ext>
+            </a:extLst>
+          </p:cNvPr>
+          <p:cNvSpPr txBox="1">
+            <a:spLocks noChangeArrowheads="1"/>
+          </p:cNvSpPr>
+          <p:nvPr/>
+        </p:nvSpPr>
+        <p:spPr bwMode="auto">
+          <a:xfrm>
+            <a:off x="971600" y="123478"/>
+            <a:ext cx="7704856" cy="507831"/>
+          </a:xfrm>
+          <a:prstGeom prst="rect">
+            <a:avLst/>
+          </a:prstGeom>
+          <a:noFill/>
+          <a:ln>
+            <a:noFill/>
+          </a:ln>
+          <a:extLst>
+            <a:ext uri="{909E8E84-426E-40DD-AFC4-6F175D3DCCD1}">
+              <a14:hiddenFill xmlns:a14="http://schemas.microsoft.com/office/drawing/2010/main">
+                <a:solidFill>
+                  <a:srgbClr val="FFFFFF"/>
+                </a:solidFill>
+              </a14:hiddenFill>
+            </a:ext>
+            <a:ext uri="{91240B29-F687-4F45-9708-019B960494DF}">
+              <a14:hiddenLine xmlns:a14="http://schemas.microsoft.com/office/drawing/2010/main" w="9525">
+                <a:solidFill>
+                  <a:srgbClr val="000000"/>
+                </a:solidFill>
+                <a:miter lim="800000"/>
+                <a:headEnd/>
+                <a:tailEnd/>
+              </a14:hiddenLine>
+            </a:ext>
+          </a:extLst>
+        </p:spPr>
+        <p:txBody>
+          <a:bodyPr wrap="square">
+            <a:spAutoFit/>
+          </a:bodyPr>
+          <a:lstStyle>
+            <a:lvl1pPr eaLnBrk="0" hangingPunct="0">
+              <a:defRPr>
+                <a:solidFill>
+                  <a:schemeClr val="tx1"/>
+                </a:solidFill>
+                <a:latin typeface="Arial" panose="020B0604020202020204" pitchFamily="34" charset="0"/>
+              </a:defRPr>
+            </a:lvl1pPr>
+            <a:lvl2pPr marL="742950" indent="-285750" eaLnBrk="0" hangingPunct="0">
+              <a:defRPr>
+                <a:solidFill>
+                  <a:schemeClr val="tx1"/>
+                </a:solidFill>
+                <a:latin typeface="Arial" panose="020B0604020202020204" pitchFamily="34" charset="0"/>
+              </a:defRPr>
+            </a:lvl2pPr>
+            <a:lvl3pPr marL="1143000" indent="-228600" eaLnBrk="0" hangingPunct="0">
+              <a:defRPr>
+                <a:solidFill>
+                  <a:schemeClr val="tx1"/>
+                </a:solidFill>
+                <a:latin typeface="Arial" panose="020B0604020202020204" pitchFamily="34" charset="0"/>
+              </a:defRPr>
+            </a:lvl3pPr>
+            <a:lvl4pPr marL="1600200" indent="-228600" eaLnBrk="0" hangingPunct="0">
+              <a:defRPr>
+                <a:solidFill>
+                  <a:schemeClr val="tx1"/>
+                </a:solidFill>
+                <a:latin typeface="Arial" panose="020B0604020202020204" pitchFamily="34" charset="0"/>
+              </a:defRPr>
+            </a:lvl4pPr>
+            <a:lvl5pPr marL="2057400" indent="-228600" eaLnBrk="0" hangingPunct="0">
+              <a:defRPr>
+                <a:solidFill>
+                  <a:schemeClr val="tx1"/>
+                </a:solidFill>
+                <a:latin typeface="Arial" panose="020B0604020202020204" pitchFamily="34" charset="0"/>
+              </a:defRPr>
+            </a:lvl5pPr>
+            <a:lvl6pPr marL="2514600" indent="-228600" eaLnBrk="0" fontAlgn="base" hangingPunct="0">
+              <a:spcBef>
+                <a:spcPct val="0"/>
+              </a:spcBef>
+              <a:spcAft>
+                <a:spcPct val="0"/>
+              </a:spcAft>
+              <a:defRPr>
+                <a:solidFill>
+                  <a:schemeClr val="tx1"/>
+                </a:solidFill>
+                <a:latin typeface="Arial" panose="020B0604020202020204" pitchFamily="34" charset="0"/>
+              </a:defRPr>
+            </a:lvl6pPr>
+            <a:lvl7pPr marL="2971800" indent="-228600" eaLnBrk="0" fontAlgn="base" hangingPunct="0">
+              <a:spcBef>
+                <a:spcPct val="0"/>
+              </a:spcBef>
+              <a:spcAft>
+                <a:spcPct val="0"/>
+              </a:spcAft>
+              <a:defRPr>
+                <a:solidFill>
+                  <a:schemeClr val="tx1"/>
+                </a:solidFill>
+                <a:latin typeface="Arial" panose="020B0604020202020204" pitchFamily="34" charset="0"/>
+              </a:defRPr>
+            </a:lvl7pPr>
+            <a:lvl8pPr marL="3429000" indent="-228600" eaLnBrk="0" fontAlgn="base" hangingPunct="0">
+              <a:spcBef>
+                <a:spcPct val="0"/>
+              </a:spcBef>
+              <a:spcAft>
+                <a:spcPct val="0"/>
+              </a:spcAft>
+              <a:defRPr>
+                <a:solidFill>
+                  <a:schemeClr val="tx1"/>
+                </a:solidFill>
+                <a:latin typeface="Arial" panose="020B0604020202020204" pitchFamily="34" charset="0"/>
+              </a:defRPr>
+            </a:lvl8pPr>
+            <a:lvl9pPr marL="3886200" indent="-228600" eaLnBrk="0" fontAlgn="base" hangingPunct="0">
+              <a:spcBef>
+                <a:spcPct val="0"/>
+              </a:spcBef>
+              <a:spcAft>
+                <a:spcPct val="0"/>
+              </a:spcAft>
+              <a:defRPr>
+                <a:solidFill>
+                  <a:schemeClr val="tx1"/>
+                </a:solidFill>
+                <a:latin typeface="Arial" panose="020B0604020202020204" pitchFamily="34" charset="0"/>
+              </a:defRPr>
+            </a:lvl9pPr>
+          </a:lstStyle>
+          <a:p>
+            <a:pPr algn="ctr" eaLnBrk="1" hangingPunct="1">
+              <a:spcBef>
+                <a:spcPct val="50000"/>
+              </a:spcBef>
+            </a:pPr>
+            <a:r>
+              <a:rPr lang="pt-BR" altLang="pt-BR" sz="2700" b="1" i="1" dirty="0">
+                <a:solidFill>
+                  <a:srgbClr val="0033CC"/>
+                </a:solidFill>
+                <a:latin typeface="Verdana" panose="020B0604030504040204" pitchFamily="34" charset="0"/>
+              </a:rPr>
+              <a:t>EX44</a:t>
+            </a:r>
+          </a:p>
+        </p:txBody>
+      </p:sp>
+    </p:spTree>
+    <p:extLst>
+      <p:ext uri="{BB962C8B-B14F-4D97-AF65-F5344CB8AC3E}">
+        <p14:creationId xmlns:p14="http://schemas.microsoft.com/office/powerpoint/2010/main" val="874311893"/>
+      </p:ext>
+    </p:extLst>
+  </p:cSld>
+  <p:clrMapOvr>
+    <a:masterClrMapping/>
+  </p:clrMapOvr>
+  <p:transition spd="slow">
+    <p:wipe/>
+  </p:transition>
+</p:sld>
+</file>
+
+<file path=ppt/slides/slide2.xml><?xml version="1.0" encoding="utf-8"?>
+<p:sld xmlns:a="http://schemas.openxmlformats.org/drawingml/2006/main" xmlns:r="http://schemas.openxmlformats.org/officeDocument/2006/relationships" xmlns:p="http://schemas.openxmlformats.org/presentationml/2006/main">
+  <p:cSld>
+    <p:spTree>
+      <p:nvGrpSpPr>
+        <p:cNvPr id="1" name=""/>
+        <p:cNvGrpSpPr/>
+        <p:nvPr/>
+      </p:nvGrpSpPr>
+      <p:grpSpPr>
+        <a:xfrm>
+          <a:off x="0" y="0"/>
+          <a:ext cx="0" cy="0"/>
+          <a:chOff x="0" y="0"/>
+          <a:chExt cx="0" cy="0"/>
+        </a:xfrm>
+      </p:grpSpPr>
+      <p:sp>
+        <p:nvSpPr>
+          <p:cNvPr id="182275" name="Rectangle 3">
+            <a:extLst>
+              <a:ext uri="{FF2B5EF4-FFF2-40B4-BE49-F238E27FC236}">
+                <a16:creationId xmlns:a16="http://schemas.microsoft.com/office/drawing/2014/main" id="{87960088-159D-49AB-842B-E8127F92C9B8}"/>
+              </a:ext>
+            </a:extLst>
+          </p:cNvPr>
+          <p:cNvSpPr>
+            <a:spLocks noChangeArrowheads="1"/>
+          </p:cNvSpPr>
+          <p:nvPr/>
+        </p:nvSpPr>
+        <p:spPr bwMode="auto">
+          <a:xfrm>
+            <a:off x="312238" y="1059582"/>
+            <a:ext cx="8657706" cy="3490670"/>
+          </a:xfrm>
+          <a:prstGeom prst="rect">
+            <a:avLst/>
+          </a:prstGeom>
+          <a:noFill/>
+          <a:ln>
+            <a:noFill/>
+          </a:ln>
+          <a:extLst>
+            <a:ext uri="{909E8E84-426E-40DD-AFC4-6F175D3DCCD1}">
+              <a14:hiddenFill xmlns:a14="http://schemas.microsoft.com/office/drawing/2010/main">
+                <a:solidFill>
+                  <a:srgbClr val="FFFFFF"/>
+                </a:solidFill>
+              </a14:hiddenFill>
+            </a:ext>
+            <a:ext uri="{91240B29-F687-4F45-9708-019B960494DF}">
+              <a14:hiddenLine xmlns:a14="http://schemas.microsoft.com/office/drawing/2010/main" w="9525">
+                <a:solidFill>
+                  <a:srgbClr val="000000"/>
+                </a:solidFill>
+                <a:miter lim="800000"/>
+                <a:headEnd/>
+                <a:tailEnd/>
+              </a14:hiddenLine>
+            </a:ext>
+          </a:extLst>
+        </p:spPr>
+        <p:txBody>
+          <a:bodyPr/>
+          <a:lstStyle>
+            <a:lvl1pPr eaLnBrk="0" hangingPunct="0">
+              <a:defRPr>
+                <a:solidFill>
+                  <a:schemeClr val="tx1"/>
+                </a:solidFill>
+                <a:latin typeface="Arial" panose="020B0604020202020204" pitchFamily="34" charset="0"/>
+              </a:defRPr>
+            </a:lvl1pPr>
+            <a:lvl2pPr marL="742950" indent="-285750" eaLnBrk="0" hangingPunct="0">
+              <a:defRPr>
+                <a:solidFill>
+                  <a:schemeClr val="tx1"/>
+                </a:solidFill>
+                <a:latin typeface="Arial" panose="020B0604020202020204" pitchFamily="34" charset="0"/>
+              </a:defRPr>
+            </a:lvl2pPr>
+            <a:lvl3pPr marL="1143000" indent="-228600" eaLnBrk="0" hangingPunct="0">
+              <a:defRPr>
+                <a:solidFill>
+                  <a:schemeClr val="tx1"/>
+                </a:solidFill>
+                <a:latin typeface="Arial" panose="020B0604020202020204" pitchFamily="34" charset="0"/>
+              </a:defRPr>
+            </a:lvl3pPr>
+            <a:lvl4pPr marL="1600200" indent="-228600" eaLnBrk="0" hangingPunct="0">
+              <a:defRPr>
+                <a:solidFill>
+                  <a:schemeClr val="tx1"/>
+                </a:solidFill>
+                <a:latin typeface="Arial" panose="020B0604020202020204" pitchFamily="34" charset="0"/>
+              </a:defRPr>
+            </a:lvl4pPr>
+            <a:lvl5pPr marL="2057400" indent="-228600" eaLnBrk="0" hangingPunct="0">
+              <a:defRPr>
+                <a:solidFill>
+                  <a:schemeClr val="tx1"/>
+                </a:solidFill>
+                <a:latin typeface="Arial" panose="020B0604020202020204" pitchFamily="34" charset="0"/>
+              </a:defRPr>
+            </a:lvl5pPr>
+            <a:lvl6pPr marL="2514600" indent="-228600" eaLnBrk="0" fontAlgn="base" hangingPunct="0">
+              <a:spcBef>
+                <a:spcPct val="0"/>
+              </a:spcBef>
+              <a:spcAft>
+                <a:spcPct val="0"/>
+              </a:spcAft>
+              <a:defRPr>
+                <a:solidFill>
+                  <a:schemeClr val="tx1"/>
+                </a:solidFill>
+                <a:latin typeface="Arial" panose="020B0604020202020204" pitchFamily="34" charset="0"/>
+              </a:defRPr>
+            </a:lvl6pPr>
+            <a:lvl7pPr marL="2971800" indent="-228600" eaLnBrk="0" fontAlgn="base" hangingPunct="0">
+              <a:spcBef>
+                <a:spcPct val="0"/>
+              </a:spcBef>
+              <a:spcAft>
+                <a:spcPct val="0"/>
+              </a:spcAft>
+              <a:defRPr>
+                <a:solidFill>
+                  <a:schemeClr val="tx1"/>
+                </a:solidFill>
+                <a:latin typeface="Arial" panose="020B0604020202020204" pitchFamily="34" charset="0"/>
+              </a:defRPr>
+            </a:lvl7pPr>
+            <a:lvl8pPr marL="3429000" indent="-228600" eaLnBrk="0" fontAlgn="base" hangingPunct="0">
+              <a:spcBef>
+                <a:spcPct val="0"/>
+              </a:spcBef>
+              <a:spcAft>
+                <a:spcPct val="0"/>
+              </a:spcAft>
+              <a:defRPr>
+                <a:solidFill>
+                  <a:schemeClr val="tx1"/>
+                </a:solidFill>
+                <a:latin typeface="Arial" panose="020B0604020202020204" pitchFamily="34" charset="0"/>
+              </a:defRPr>
+            </a:lvl8pPr>
+            <a:lvl9pPr marL="3886200" indent="-228600" eaLnBrk="0" fontAlgn="base" hangingPunct="0">
+              <a:spcBef>
+                <a:spcPct val="0"/>
+              </a:spcBef>
+              <a:spcAft>
+                <a:spcPct val="0"/>
+              </a:spcAft>
+              <a:defRPr>
+                <a:solidFill>
+                  <a:schemeClr val="tx1"/>
+                </a:solidFill>
+                <a:latin typeface="Arial" panose="020B0604020202020204" pitchFamily="34" charset="0"/>
+              </a:defRPr>
+            </a:lvl9pPr>
+          </a:lstStyle>
+          <a:p>
+            <a:pPr algn="just"/>
+            <a:r>
+              <a:rPr lang="pt-BR" sz="2000" b="1" dirty="0"/>
+              <a:t>Programação orientada a objetos</a:t>
+            </a:r>
+            <a:r>
+              <a:rPr lang="pt-BR" sz="2000" dirty="0"/>
+              <a:t> (</a:t>
+            </a:r>
+            <a:r>
+              <a:rPr lang="pt-BR" sz="2000" b="1" dirty="0"/>
+              <a:t>POO</a:t>
+            </a:r>
+            <a:r>
+              <a:rPr lang="pt-BR" sz="2000" dirty="0"/>
+              <a:t>, ou </a:t>
+            </a:r>
+            <a:r>
+              <a:rPr lang="pt-BR" sz="2000" b="1" dirty="0"/>
+              <a:t>OOP</a:t>
+            </a:r>
+            <a:r>
+              <a:rPr lang="pt-BR" sz="2000" dirty="0"/>
+              <a:t> segundo as suas siglas em inglês) é um </a:t>
+            </a:r>
+            <a:r>
+              <a:rPr lang="pt-BR" sz="2000" dirty="0">
+                <a:hlinkClick r:id="rId3" tooltip="Paradigma de programação"/>
+              </a:rPr>
+              <a:t>paradigma de programação</a:t>
+            </a:r>
+            <a:r>
+              <a:rPr lang="pt-BR" sz="2000" dirty="0"/>
+              <a:t> baseado no conceito de "</a:t>
+            </a:r>
+            <a:r>
+              <a:rPr lang="pt-BR" sz="2000" dirty="0">
+                <a:hlinkClick r:id="rId4" tooltip="Objeto (ciência da computação)"/>
+              </a:rPr>
+              <a:t>objetos</a:t>
+            </a:r>
+            <a:r>
+              <a:rPr lang="pt-BR" sz="2000" dirty="0"/>
+              <a:t>", que podem conter </a:t>
+            </a:r>
+            <a:r>
+              <a:rPr lang="pt-BR" sz="2000" dirty="0">
+                <a:hlinkClick r:id="rId5" tooltip="Dados"/>
+              </a:rPr>
+              <a:t>dados</a:t>
+            </a:r>
+            <a:r>
+              <a:rPr lang="pt-BR" sz="2000" dirty="0"/>
+              <a:t> na forma de </a:t>
+            </a:r>
+            <a:r>
+              <a:rPr lang="pt-BR" sz="2000" dirty="0">
+                <a:hlinkClick r:id="rId6" tooltip="Campo (ciência da computação)"/>
+              </a:rPr>
+              <a:t>campos</a:t>
+            </a:r>
+            <a:r>
+              <a:rPr lang="pt-BR" sz="2000" dirty="0"/>
+              <a:t>, também conhecidos como </a:t>
+            </a:r>
+            <a:r>
+              <a:rPr lang="pt-BR" sz="2000" i="1" dirty="0"/>
+              <a:t>atributos</a:t>
+            </a:r>
+            <a:r>
+              <a:rPr lang="pt-BR" sz="2000" dirty="0"/>
+              <a:t>, e códigos, na forma de </a:t>
+            </a:r>
+            <a:r>
+              <a:rPr lang="pt-BR" sz="2000" dirty="0">
+                <a:hlinkClick r:id="rId7" tooltip="Procedimento"/>
+              </a:rPr>
+              <a:t>procedimentos</a:t>
+            </a:r>
+            <a:r>
+              <a:rPr lang="pt-BR" sz="2000" dirty="0"/>
+              <a:t>, também conhecidos como </a:t>
+            </a:r>
+            <a:r>
+              <a:rPr lang="pt-BR" sz="2000" dirty="0">
+                <a:hlinkClick r:id="rId8" tooltip="Método (programação)"/>
+              </a:rPr>
+              <a:t>métodos</a:t>
+            </a:r>
+            <a:r>
+              <a:rPr lang="pt-BR" sz="2000" dirty="0"/>
+              <a:t>. Uma característica de objetos é que um procedimento de objeto pode acessar, e geralmente modificar, os campos de dados do objeto com o qual eles estão associados (objetos possuem uma noção de "</a:t>
+            </a:r>
+            <a:r>
+              <a:rPr lang="pt-BR" sz="2000" dirty="0" err="1">
+                <a:hlinkClick r:id="rId9" tooltip="This (programação de computadores)"/>
+              </a:rPr>
+              <a:t>this</a:t>
+            </a:r>
+            <a:r>
+              <a:rPr lang="pt-BR" sz="2000" dirty="0"/>
+              <a:t>" (este) ou "self" (próprio)).</a:t>
+            </a:r>
+          </a:p>
+          <a:p>
+            <a:pPr algn="just"/>
+            <a:endParaRPr lang="pt-BR" sz="2000" dirty="0">
+              <a:solidFill>
+                <a:srgbClr val="0070C0"/>
+              </a:solidFill>
+            </a:endParaRPr>
+          </a:p>
+          <a:p>
+            <a:pPr algn="just"/>
+            <a:endParaRPr lang="pt-BR" sz="2000" dirty="0">
+              <a:solidFill>
+                <a:srgbClr val="0070C0"/>
+              </a:solidFill>
+            </a:endParaRPr>
+          </a:p>
+          <a:p>
+            <a:pPr algn="just"/>
+            <a:r>
+              <a:rPr lang="pt-BR" dirty="0">
+                <a:solidFill>
+                  <a:srgbClr val="0070C0"/>
+                </a:solidFill>
+              </a:rPr>
+              <a:t>Fonte: </a:t>
+            </a:r>
+            <a:r>
+              <a:rPr lang="pt-BR" u="sng" dirty="0">
+                <a:hlinkClick r:id="rId10"/>
+              </a:rPr>
+              <a:t>Wikipédia</a:t>
+            </a:r>
+            <a:endParaRPr lang="pt-BR" dirty="0">
+              <a:solidFill>
+                <a:srgbClr val="0070C0"/>
+              </a:solidFill>
+            </a:endParaRPr>
+          </a:p>
+        </p:txBody>
+      </p:sp>
+      <p:sp>
+        <p:nvSpPr>
+          <p:cNvPr id="18435" name="Text Box 4">
+            <a:extLst>
+              <a:ext uri="{FF2B5EF4-FFF2-40B4-BE49-F238E27FC236}">
+                <a16:creationId xmlns:a16="http://schemas.microsoft.com/office/drawing/2014/main" id="{5CACB99D-6C7E-4FA6-B207-19058B85811B}"/>
+              </a:ext>
+            </a:extLst>
+          </p:cNvPr>
+          <p:cNvSpPr txBox="1">
+            <a:spLocks noChangeArrowheads="1"/>
+          </p:cNvSpPr>
+          <p:nvPr/>
+        </p:nvSpPr>
+        <p:spPr bwMode="auto">
+          <a:xfrm>
+            <a:off x="839159" y="158447"/>
+            <a:ext cx="9020932" cy="507831"/>
+          </a:xfrm>
+          <a:prstGeom prst="rect">
+            <a:avLst/>
+          </a:prstGeom>
+          <a:noFill/>
+          <a:ln>
+            <a:noFill/>
+          </a:ln>
+          <a:extLst>
+            <a:ext uri="{909E8E84-426E-40DD-AFC4-6F175D3DCCD1}">
+              <a14:hiddenFill xmlns:a14="http://schemas.microsoft.com/office/drawing/2010/main">
+                <a:solidFill>
+                  <a:srgbClr val="FFFFFF"/>
+                </a:solidFill>
+              </a14:hiddenFill>
+            </a:ext>
+            <a:ext uri="{91240B29-F687-4F45-9708-019B960494DF}">
+              <a14:hiddenLine xmlns:a14="http://schemas.microsoft.com/office/drawing/2010/main" w="9525">
+                <a:solidFill>
+                  <a:srgbClr val="000000"/>
+                </a:solidFill>
+                <a:miter lim="800000"/>
+                <a:headEnd/>
+                <a:tailEnd/>
+              </a14:hiddenLine>
+            </a:ext>
+          </a:extLst>
+        </p:spPr>
+        <p:txBody>
+          <a:bodyPr wrap="square">
+            <a:spAutoFit/>
+          </a:bodyPr>
+          <a:lstStyle>
+            <a:lvl1pPr eaLnBrk="0" hangingPunct="0">
+              <a:defRPr>
+                <a:solidFill>
+                  <a:schemeClr val="tx1"/>
+                </a:solidFill>
+                <a:latin typeface="Arial" panose="020B0604020202020204" pitchFamily="34" charset="0"/>
+              </a:defRPr>
+            </a:lvl1pPr>
+            <a:lvl2pPr marL="742950" indent="-285750" eaLnBrk="0" hangingPunct="0">
+              <a:defRPr>
+                <a:solidFill>
+                  <a:schemeClr val="tx1"/>
+                </a:solidFill>
+                <a:latin typeface="Arial" panose="020B0604020202020204" pitchFamily="34" charset="0"/>
+              </a:defRPr>
+            </a:lvl2pPr>
+            <a:lvl3pPr marL="1143000" indent="-228600" eaLnBrk="0" hangingPunct="0">
+              <a:defRPr>
+                <a:solidFill>
+                  <a:schemeClr val="tx1"/>
+                </a:solidFill>
+                <a:latin typeface="Arial" panose="020B0604020202020204" pitchFamily="34" charset="0"/>
+              </a:defRPr>
+            </a:lvl3pPr>
+            <a:lvl4pPr marL="1600200" indent="-228600" eaLnBrk="0" hangingPunct="0">
+              <a:defRPr>
+                <a:solidFill>
+                  <a:schemeClr val="tx1"/>
+                </a:solidFill>
+                <a:latin typeface="Arial" panose="020B0604020202020204" pitchFamily="34" charset="0"/>
+              </a:defRPr>
+            </a:lvl4pPr>
+            <a:lvl5pPr marL="2057400" indent="-228600" eaLnBrk="0" hangingPunct="0">
+              <a:defRPr>
+                <a:solidFill>
+                  <a:schemeClr val="tx1"/>
+                </a:solidFill>
+                <a:latin typeface="Arial" panose="020B0604020202020204" pitchFamily="34" charset="0"/>
+              </a:defRPr>
+            </a:lvl5pPr>
+            <a:lvl6pPr marL="2514600" indent="-228600" eaLnBrk="0" fontAlgn="base" hangingPunct="0">
+              <a:spcBef>
+                <a:spcPct val="0"/>
+              </a:spcBef>
+              <a:spcAft>
+                <a:spcPct val="0"/>
+              </a:spcAft>
+              <a:defRPr>
+                <a:solidFill>
+                  <a:schemeClr val="tx1"/>
+                </a:solidFill>
+                <a:latin typeface="Arial" panose="020B0604020202020204" pitchFamily="34" charset="0"/>
+              </a:defRPr>
+            </a:lvl6pPr>
+            <a:lvl7pPr marL="2971800" indent="-228600" eaLnBrk="0" fontAlgn="base" hangingPunct="0">
+              <a:spcBef>
+                <a:spcPct val="0"/>
+              </a:spcBef>
+              <a:spcAft>
+                <a:spcPct val="0"/>
+              </a:spcAft>
+              <a:defRPr>
+                <a:solidFill>
+                  <a:schemeClr val="tx1"/>
+                </a:solidFill>
+                <a:latin typeface="Arial" panose="020B0604020202020204" pitchFamily="34" charset="0"/>
+              </a:defRPr>
+            </a:lvl7pPr>
+            <a:lvl8pPr marL="3429000" indent="-228600" eaLnBrk="0" fontAlgn="base" hangingPunct="0">
+              <a:spcBef>
+                <a:spcPct val="0"/>
+              </a:spcBef>
+              <a:spcAft>
+                <a:spcPct val="0"/>
+              </a:spcAft>
+              <a:defRPr>
+                <a:solidFill>
+                  <a:schemeClr val="tx1"/>
+                </a:solidFill>
+                <a:latin typeface="Arial" panose="020B0604020202020204" pitchFamily="34" charset="0"/>
+              </a:defRPr>
+            </a:lvl8pPr>
+            <a:lvl9pPr marL="3886200" indent="-228600" eaLnBrk="0" fontAlgn="base" hangingPunct="0">
+              <a:spcBef>
+                <a:spcPct val="0"/>
+              </a:spcBef>
+              <a:spcAft>
+                <a:spcPct val="0"/>
+              </a:spcAft>
+              <a:defRPr>
+                <a:solidFill>
+                  <a:schemeClr val="tx1"/>
+                </a:solidFill>
+                <a:latin typeface="Arial" panose="020B0604020202020204" pitchFamily="34" charset="0"/>
+              </a:defRPr>
+            </a:lvl9pPr>
+          </a:lstStyle>
+          <a:p>
+            <a:pPr eaLnBrk="1" hangingPunct="1">
+              <a:spcBef>
+                <a:spcPct val="50000"/>
+              </a:spcBef>
+            </a:pPr>
+            <a:r>
+              <a:rPr lang="pt-BR" altLang="pt-BR" sz="2700" b="1" i="1" dirty="0">
+                <a:solidFill>
+                  <a:srgbClr val="0033CC"/>
+                </a:solidFill>
+                <a:latin typeface="Verdana" panose="020B0604030504040204" pitchFamily="34" charset="0"/>
+              </a:rPr>
+              <a:t>O que é POO?</a:t>
+            </a:r>
+          </a:p>
+        </p:txBody>
+      </p:sp>
+      <p:sp>
+        <p:nvSpPr>
+          <p:cNvPr id="2" name="Retângulo 1">
+            <a:extLst>
+              <a:ext uri="{FF2B5EF4-FFF2-40B4-BE49-F238E27FC236}">
+                <a16:creationId xmlns:a16="http://schemas.microsoft.com/office/drawing/2014/main" id="{0C5A62B1-F847-400E-83E9-420837D9CF35}"/>
+              </a:ext>
+            </a:extLst>
+          </p:cNvPr>
+          <p:cNvSpPr/>
+          <p:nvPr/>
+        </p:nvSpPr>
+        <p:spPr>
+          <a:xfrm>
+            <a:off x="4317101" y="2229736"/>
+            <a:ext cx="4572000" cy="307777"/>
+          </a:xfrm>
+          <a:prstGeom prst="rect">
+            <a:avLst/>
+          </a:prstGeom>
+        </p:spPr>
+        <p:txBody>
+          <a:bodyPr>
+            <a:spAutoFit/>
+          </a:bodyPr>
+          <a:lstStyle/>
+          <a:p>
+            <a:endParaRPr lang="pt-BR" dirty="0"/>
+          </a:p>
+        </p:txBody>
+      </p:sp>
+    </p:spTree>
+  </p:cSld>
+  <p:clrMapOvr>
+    <a:masterClrMapping/>
+  </p:clrMapOvr>
+  <p:transition spd="slow"/>
+  <p:timing>
+    <p:tnLst>
+      <p:par>
+        <p:cTn id="1" dur="indefinite" restart="never" nodeType="tmRoot">
+          <p:childTnLst>
+            <p:seq concurrent="1" nextAc="seek">
+              <p:cTn id="2" dur="indefinite" nodeType="mainSeq">
+                <p:childTnLst>
+                  <p:par>
+                    <p:cTn id="3" fill="hold">
+                      <p:stCondLst>
+                        <p:cond delay="indefinite"/>
+                      </p:stCondLst>
+                      <p:childTnLst>
+                        <p:par>
+                          <p:cTn id="4" fill="hold">
+                            <p:stCondLst>
+                              <p:cond delay="0"/>
+                            </p:stCondLst>
+                            <p:childTnLst>
+                              <p:par>
+                                <p:cTn id="5" presetID="1" presetClass="entr" presetSubtype="0" fill="hold" grpId="0" nodeType="clickEffect">
+                                  <p:stCondLst>
+                                    <p:cond delay="0"/>
+                                  </p:stCondLst>
+                                  <p:childTnLst>
+                                    <p:set>
+                                      <p:cBhvr>
+                                        <p:cTn id="6" dur="1" fill="hold">
+                                          <p:stCondLst>
+                                            <p:cond delay="0"/>
+                                          </p:stCondLst>
+                                        </p:cTn>
+                                        <p:tgtEl>
+                                          <p:spTgt spid="182275"/>
+                                        </p:tgtEl>
+                                        <p:attrNameLst>
+                                          <p:attrName>style.visibility</p:attrName>
+                                        </p:attrNameLst>
+                                      </p:cBhvr>
+                                      <p:to>
+                                        <p:strVal val="visible"/>
+                                      </p:to>
+                                    </p:set>
+                                  </p:childTnLst>
+                                </p:cTn>
+                              </p:par>
+                            </p:childTnLst>
+                          </p:cTn>
+                        </p:par>
+                      </p:childTnLst>
+                    </p:cTn>
+                  </p:par>
+                </p:childTnLst>
+              </p:cTn>
+              <p:prevCondLst>
+                <p:cond evt="onPrev" delay="0">
+                  <p:tgtEl>
+                    <p:sldTgt/>
+                  </p:tgtEl>
+                </p:cond>
+              </p:prevCondLst>
+              <p:nextCondLst>
+                <p:cond evt="onNext" delay="0">
+                  <p:tgtEl>
+                    <p:sldTgt/>
+                  </p:tgtEl>
+                </p:cond>
+              </p:nextCondLst>
+            </p:seq>
+          </p:childTnLst>
+        </p:cTn>
+      </p:par>
+    </p:tnLst>
+    <p:bldLst>
+      <p:bldP spid="182275" grpId="0"/>
+    </p:bldLst>
+  </p:timing>
+</p:sld>
+</file>
+
+<file path=ppt/slides/slide20.xml><?xml version="1.0" encoding="utf-8"?>
+<p:sld xmlns:a="http://schemas.openxmlformats.org/drawingml/2006/main" xmlns:r="http://schemas.openxmlformats.org/officeDocument/2006/relationships" xmlns:p="http://schemas.openxmlformats.org/presentationml/2006/main">
+  <p:cSld>
+    <p:spTree>
+      <p:nvGrpSpPr>
+        <p:cNvPr id="1" name=""/>
+        <p:cNvGrpSpPr/>
+        <p:nvPr/>
+      </p:nvGrpSpPr>
+      <p:grpSpPr>
+        <a:xfrm>
+          <a:off x="0" y="0"/>
+          <a:ext cx="0" cy="0"/>
+          <a:chOff x="0" y="0"/>
+          <a:chExt cx="0" cy="0"/>
+        </a:xfrm>
+      </p:grpSpPr>
+      <p:sp>
+        <p:nvSpPr>
+          <p:cNvPr id="16" name="Text Box 4">
+            <a:extLst>
+              <a:ext uri="{FF2B5EF4-FFF2-40B4-BE49-F238E27FC236}">
+                <a16:creationId xmlns:a16="http://schemas.microsoft.com/office/drawing/2014/main" id="{9DC41E76-F132-49E0-A732-450BC2947B4E}"/>
+              </a:ext>
+            </a:extLst>
+          </p:cNvPr>
+          <p:cNvSpPr txBox="1">
+            <a:spLocks noChangeArrowheads="1"/>
+          </p:cNvSpPr>
+          <p:nvPr/>
+        </p:nvSpPr>
+        <p:spPr bwMode="auto">
+          <a:xfrm>
+            <a:off x="1043608" y="47695"/>
+            <a:ext cx="7557364" cy="507831"/>
+          </a:xfrm>
+          <a:prstGeom prst="rect">
+            <a:avLst/>
+          </a:prstGeom>
+          <a:noFill/>
+          <a:ln>
+            <a:noFill/>
+          </a:ln>
+          <a:extLst>
+            <a:ext uri="{909E8E84-426E-40DD-AFC4-6F175D3DCCD1}">
+              <a14:hiddenFill xmlns:a14="http://schemas.microsoft.com/office/drawing/2010/main">
+                <a:solidFill>
+                  <a:srgbClr val="FFFFFF"/>
+                </a:solidFill>
+              </a14:hiddenFill>
+            </a:ext>
+            <a:ext uri="{91240B29-F687-4F45-9708-019B960494DF}">
+              <a14:hiddenLine xmlns:a14="http://schemas.microsoft.com/office/drawing/2010/main" w="9525">
+                <a:solidFill>
+                  <a:srgbClr val="000000"/>
+                </a:solidFill>
+                <a:miter lim="800000"/>
+                <a:headEnd/>
+                <a:tailEnd/>
+              </a14:hiddenLine>
+            </a:ext>
+          </a:extLst>
+        </p:spPr>
+        <p:txBody>
+          <a:bodyPr wrap="square">
+            <a:spAutoFit/>
+          </a:bodyPr>
+          <a:lstStyle>
+            <a:lvl1pPr eaLnBrk="0" hangingPunct="0">
+              <a:defRPr>
+                <a:solidFill>
+                  <a:schemeClr val="tx1"/>
+                </a:solidFill>
+                <a:latin typeface="Arial" panose="020B0604020202020204" pitchFamily="34" charset="0"/>
+              </a:defRPr>
+            </a:lvl1pPr>
+            <a:lvl2pPr marL="742950" indent="-285750" eaLnBrk="0" hangingPunct="0">
+              <a:defRPr>
+                <a:solidFill>
+                  <a:schemeClr val="tx1"/>
+                </a:solidFill>
+                <a:latin typeface="Arial" panose="020B0604020202020204" pitchFamily="34" charset="0"/>
+              </a:defRPr>
+            </a:lvl2pPr>
+            <a:lvl3pPr marL="1143000" indent="-228600" eaLnBrk="0" hangingPunct="0">
+              <a:defRPr>
+                <a:solidFill>
+                  <a:schemeClr val="tx1"/>
+                </a:solidFill>
+                <a:latin typeface="Arial" panose="020B0604020202020204" pitchFamily="34" charset="0"/>
+              </a:defRPr>
+            </a:lvl3pPr>
+            <a:lvl4pPr marL="1600200" indent="-228600" eaLnBrk="0" hangingPunct="0">
+              <a:defRPr>
+                <a:solidFill>
+                  <a:schemeClr val="tx1"/>
+                </a:solidFill>
+                <a:latin typeface="Arial" panose="020B0604020202020204" pitchFamily="34" charset="0"/>
+              </a:defRPr>
+            </a:lvl4pPr>
+            <a:lvl5pPr marL="2057400" indent="-228600" eaLnBrk="0" hangingPunct="0">
+              <a:defRPr>
+                <a:solidFill>
+                  <a:schemeClr val="tx1"/>
+                </a:solidFill>
+                <a:latin typeface="Arial" panose="020B0604020202020204" pitchFamily="34" charset="0"/>
+              </a:defRPr>
+            </a:lvl5pPr>
+            <a:lvl6pPr marL="2514600" indent="-228600" eaLnBrk="0" fontAlgn="base" hangingPunct="0">
+              <a:spcBef>
+                <a:spcPct val="0"/>
+              </a:spcBef>
+              <a:spcAft>
+                <a:spcPct val="0"/>
+              </a:spcAft>
+              <a:defRPr>
+                <a:solidFill>
+                  <a:schemeClr val="tx1"/>
+                </a:solidFill>
+                <a:latin typeface="Arial" panose="020B0604020202020204" pitchFamily="34" charset="0"/>
+              </a:defRPr>
+            </a:lvl6pPr>
+            <a:lvl7pPr marL="2971800" indent="-228600" eaLnBrk="0" fontAlgn="base" hangingPunct="0">
+              <a:spcBef>
+                <a:spcPct val="0"/>
+              </a:spcBef>
+              <a:spcAft>
+                <a:spcPct val="0"/>
+              </a:spcAft>
+              <a:defRPr>
+                <a:solidFill>
+                  <a:schemeClr val="tx1"/>
+                </a:solidFill>
+                <a:latin typeface="Arial" panose="020B0604020202020204" pitchFamily="34" charset="0"/>
+              </a:defRPr>
+            </a:lvl7pPr>
+            <a:lvl8pPr marL="3429000" indent="-228600" eaLnBrk="0" fontAlgn="base" hangingPunct="0">
+              <a:spcBef>
+                <a:spcPct val="0"/>
+              </a:spcBef>
+              <a:spcAft>
+                <a:spcPct val="0"/>
+              </a:spcAft>
+              <a:defRPr>
+                <a:solidFill>
+                  <a:schemeClr val="tx1"/>
+                </a:solidFill>
+                <a:latin typeface="Arial" panose="020B0604020202020204" pitchFamily="34" charset="0"/>
+              </a:defRPr>
+            </a:lvl8pPr>
+            <a:lvl9pPr marL="3886200" indent="-228600" eaLnBrk="0" fontAlgn="base" hangingPunct="0">
+              <a:spcBef>
+                <a:spcPct val="0"/>
+              </a:spcBef>
+              <a:spcAft>
+                <a:spcPct val="0"/>
+              </a:spcAft>
+              <a:defRPr>
+                <a:solidFill>
+                  <a:schemeClr val="tx1"/>
+                </a:solidFill>
+                <a:latin typeface="Arial" panose="020B0604020202020204" pitchFamily="34" charset="0"/>
+              </a:defRPr>
+            </a:lvl9pPr>
+          </a:lstStyle>
+          <a:p>
+            <a:pPr algn="ctr" eaLnBrk="1" hangingPunct="1">
+              <a:spcBef>
+                <a:spcPct val="50000"/>
+              </a:spcBef>
+            </a:pPr>
+            <a:r>
+              <a:rPr lang="pt-BR" altLang="pt-BR" sz="2700" b="1" i="1" dirty="0">
+                <a:solidFill>
+                  <a:srgbClr val="0033CC"/>
+                </a:solidFill>
+                <a:latin typeface="Verdana" panose="020B0604030504040204" pitchFamily="34" charset="0"/>
+              </a:rPr>
+              <a:t>Ex45</a:t>
+            </a:r>
+          </a:p>
+        </p:txBody>
+      </p:sp>
+      <p:sp>
+        <p:nvSpPr>
+          <p:cNvPr id="24" name="Rectangle 3">
+            <a:extLst>
+              <a:ext uri="{FF2B5EF4-FFF2-40B4-BE49-F238E27FC236}">
+                <a16:creationId xmlns:a16="http://schemas.microsoft.com/office/drawing/2014/main" id="{C2ADF1EC-C089-4787-A14A-DE7BF34E61AE}"/>
+              </a:ext>
+            </a:extLst>
+          </p:cNvPr>
+          <p:cNvSpPr>
+            <a:spLocks noChangeArrowheads="1"/>
+          </p:cNvSpPr>
+          <p:nvPr/>
+        </p:nvSpPr>
+        <p:spPr bwMode="auto">
+          <a:xfrm>
+            <a:off x="971600" y="843558"/>
+            <a:ext cx="7557364" cy="3410755"/>
+          </a:xfrm>
+          <a:prstGeom prst="rect">
+            <a:avLst/>
+          </a:prstGeom>
+          <a:noFill/>
+          <a:ln>
+            <a:noFill/>
+          </a:ln>
+          <a:extLst>
+            <a:ext uri="{909E8E84-426E-40DD-AFC4-6F175D3DCCD1}">
+              <a14:hiddenFill xmlns:a14="http://schemas.microsoft.com/office/drawing/2010/main">
+                <a:solidFill>
+                  <a:srgbClr val="FFFFFF"/>
+                </a:solidFill>
+              </a14:hiddenFill>
+            </a:ext>
+            <a:ext uri="{91240B29-F687-4F45-9708-019B960494DF}">
+              <a14:hiddenLine xmlns:a14="http://schemas.microsoft.com/office/drawing/2010/main" w="9525">
+                <a:solidFill>
+                  <a:srgbClr val="000000"/>
+                </a:solidFill>
+                <a:miter lim="800000"/>
+                <a:headEnd/>
+                <a:tailEnd/>
+              </a14:hiddenLine>
+            </a:ext>
+          </a:extLst>
+        </p:spPr>
+        <p:txBody>
+          <a:bodyPr/>
+          <a:lstStyle>
+            <a:lvl1pPr eaLnBrk="0" hangingPunct="0">
+              <a:defRPr>
+                <a:solidFill>
+                  <a:schemeClr val="tx1"/>
+                </a:solidFill>
+                <a:latin typeface="Arial" panose="020B0604020202020204" pitchFamily="34" charset="0"/>
+              </a:defRPr>
+            </a:lvl1pPr>
+            <a:lvl2pPr marL="742950" indent="-285750" eaLnBrk="0" hangingPunct="0">
+              <a:defRPr>
+                <a:solidFill>
+                  <a:schemeClr val="tx1"/>
+                </a:solidFill>
+                <a:latin typeface="Arial" panose="020B0604020202020204" pitchFamily="34" charset="0"/>
+              </a:defRPr>
+            </a:lvl2pPr>
+            <a:lvl3pPr marL="1143000" indent="-228600" eaLnBrk="0" hangingPunct="0">
+              <a:defRPr>
+                <a:solidFill>
+                  <a:schemeClr val="tx1"/>
+                </a:solidFill>
+                <a:latin typeface="Arial" panose="020B0604020202020204" pitchFamily="34" charset="0"/>
+              </a:defRPr>
+            </a:lvl3pPr>
+            <a:lvl4pPr marL="1600200" indent="-228600" eaLnBrk="0" hangingPunct="0">
+              <a:defRPr>
+                <a:solidFill>
+                  <a:schemeClr val="tx1"/>
+                </a:solidFill>
+                <a:latin typeface="Arial" panose="020B0604020202020204" pitchFamily="34" charset="0"/>
+              </a:defRPr>
+            </a:lvl4pPr>
+            <a:lvl5pPr marL="2057400" indent="-228600" eaLnBrk="0" hangingPunct="0">
+              <a:defRPr>
+                <a:solidFill>
+                  <a:schemeClr val="tx1"/>
+                </a:solidFill>
+                <a:latin typeface="Arial" panose="020B0604020202020204" pitchFamily="34" charset="0"/>
+              </a:defRPr>
+            </a:lvl5pPr>
+            <a:lvl6pPr marL="2514600" indent="-228600" eaLnBrk="0" fontAlgn="base" hangingPunct="0">
+              <a:spcBef>
+                <a:spcPct val="0"/>
+              </a:spcBef>
+              <a:spcAft>
+                <a:spcPct val="0"/>
+              </a:spcAft>
+              <a:defRPr>
+                <a:solidFill>
+                  <a:schemeClr val="tx1"/>
+                </a:solidFill>
+                <a:latin typeface="Arial" panose="020B0604020202020204" pitchFamily="34" charset="0"/>
+              </a:defRPr>
+            </a:lvl6pPr>
+            <a:lvl7pPr marL="2971800" indent="-228600" eaLnBrk="0" fontAlgn="base" hangingPunct="0">
+              <a:spcBef>
+                <a:spcPct val="0"/>
+              </a:spcBef>
+              <a:spcAft>
+                <a:spcPct val="0"/>
+              </a:spcAft>
+              <a:defRPr>
+                <a:solidFill>
+                  <a:schemeClr val="tx1"/>
+                </a:solidFill>
+                <a:latin typeface="Arial" panose="020B0604020202020204" pitchFamily="34" charset="0"/>
+              </a:defRPr>
+            </a:lvl7pPr>
+            <a:lvl8pPr marL="3429000" indent="-228600" eaLnBrk="0" fontAlgn="base" hangingPunct="0">
+              <a:spcBef>
+                <a:spcPct val="0"/>
+              </a:spcBef>
+              <a:spcAft>
+                <a:spcPct val="0"/>
+              </a:spcAft>
+              <a:defRPr>
+                <a:solidFill>
+                  <a:schemeClr val="tx1"/>
+                </a:solidFill>
+                <a:latin typeface="Arial" panose="020B0604020202020204" pitchFamily="34" charset="0"/>
+              </a:defRPr>
+            </a:lvl8pPr>
+            <a:lvl9pPr marL="3886200" indent="-228600" eaLnBrk="0" fontAlgn="base" hangingPunct="0">
+              <a:spcBef>
+                <a:spcPct val="0"/>
+              </a:spcBef>
+              <a:spcAft>
+                <a:spcPct val="0"/>
+              </a:spcAft>
+              <a:defRPr>
+                <a:solidFill>
+                  <a:schemeClr val="tx1"/>
+                </a:solidFill>
+                <a:latin typeface="Arial" panose="020B0604020202020204" pitchFamily="34" charset="0"/>
+              </a:defRPr>
+            </a:lvl9pPr>
+          </a:lstStyle>
+          <a:p>
+            <a:r>
+              <a:rPr lang="pt-BR" altLang="pt-BR" sz="1800" dirty="0">
+                <a:latin typeface="Verdana" panose="020B0604030504040204" pitchFamily="34" charset="0"/>
+                <a:ea typeface="Arial Unicode MS" pitchFamily="34" charset="-128"/>
+              </a:rPr>
+              <a:t>Classe Nome Completo</a:t>
+            </a:r>
+          </a:p>
+          <a:p>
+            <a:r>
+              <a:rPr lang="pt-BR" altLang="pt-BR" sz="1800" dirty="0">
+                <a:latin typeface="Verdana" panose="020B0604030504040204" pitchFamily="34" charset="0"/>
+                <a:ea typeface="Arial Unicode MS" pitchFamily="34" charset="-128"/>
+              </a:rPr>
+              <a:t>Atributo: </a:t>
+            </a:r>
+            <a:r>
+              <a:rPr lang="pt-BR" altLang="pt-BR" sz="1800" dirty="0" err="1">
+                <a:latin typeface="Verdana" panose="020B0604030504040204" pitchFamily="34" charset="0"/>
+                <a:ea typeface="Arial Unicode MS" pitchFamily="34" charset="-128"/>
+              </a:rPr>
+              <a:t>nomecompleto</a:t>
+            </a:r>
+            <a:endParaRPr lang="pt-BR" altLang="pt-BR" sz="1800" dirty="0">
+              <a:latin typeface="Verdana" panose="020B0604030504040204" pitchFamily="34" charset="0"/>
+              <a:ea typeface="Arial Unicode MS" pitchFamily="34" charset="-128"/>
+            </a:endParaRPr>
+          </a:p>
+          <a:p>
+            <a:r>
+              <a:rPr lang="pt-BR" altLang="pt-BR" sz="1800" dirty="0" err="1">
+                <a:latin typeface="Verdana" panose="020B0604030504040204" pitchFamily="34" charset="0"/>
+                <a:ea typeface="Arial Unicode MS" pitchFamily="34" charset="-128"/>
+              </a:rPr>
+              <a:t>Metodos:primeiroNome</a:t>
+            </a:r>
+            <a:endParaRPr lang="pt-BR" altLang="pt-BR" sz="1800" dirty="0">
+              <a:latin typeface="Verdana" panose="020B0604030504040204" pitchFamily="34" charset="0"/>
+              <a:ea typeface="Arial Unicode MS" pitchFamily="34" charset="-128"/>
+            </a:endParaRPr>
+          </a:p>
+          <a:p>
+            <a:r>
+              <a:rPr lang="pt-BR" altLang="pt-BR" sz="1800" dirty="0">
+                <a:latin typeface="Verdana" panose="020B0604030504040204" pitchFamily="34" charset="0"/>
+                <a:ea typeface="Arial Unicode MS" pitchFamily="34" charset="-128"/>
+              </a:rPr>
+              <a:t>            </a:t>
+            </a:r>
+            <a:r>
+              <a:rPr lang="pt-BR" altLang="pt-BR" sz="1800" dirty="0" err="1">
+                <a:latin typeface="Verdana" panose="020B0604030504040204" pitchFamily="34" charset="0"/>
+                <a:ea typeface="Arial Unicode MS" pitchFamily="34" charset="-128"/>
+              </a:rPr>
+              <a:t>ultimoNome</a:t>
+            </a:r>
+            <a:endParaRPr lang="pt-BR" altLang="pt-BR" sz="1800" dirty="0">
+              <a:latin typeface="Verdana" panose="020B0604030504040204" pitchFamily="34" charset="0"/>
+              <a:ea typeface="Arial Unicode MS" pitchFamily="34" charset="-128"/>
+            </a:endParaRPr>
+          </a:p>
+          <a:p>
+            <a:r>
+              <a:rPr lang="pt-BR" altLang="pt-BR" sz="1800" dirty="0">
+                <a:latin typeface="Verdana" panose="020B0604030504040204" pitchFamily="34" charset="0"/>
+                <a:ea typeface="Arial Unicode MS" pitchFamily="34" charset="-128"/>
+              </a:rPr>
+              <a:t>	</a:t>
+            </a:r>
+            <a:r>
+              <a:rPr lang="pt-BR" altLang="pt-BR" sz="1800" dirty="0" err="1">
+                <a:latin typeface="Verdana" panose="020B0604030504040204" pitchFamily="34" charset="0"/>
+                <a:ea typeface="Arial Unicode MS" pitchFamily="34" charset="-128"/>
+              </a:rPr>
+              <a:t>nomeAbreviado</a:t>
+            </a:r>
+            <a:r>
+              <a:rPr lang="pt-BR" altLang="pt-BR" sz="1800" dirty="0">
+                <a:latin typeface="Verdana" panose="020B0604030504040204" pitchFamily="34" charset="0"/>
+                <a:ea typeface="Arial Unicode MS" pitchFamily="34" charset="-128"/>
+              </a:rPr>
+              <a:t> – primeiro nome, iniciais, ultimo nome</a:t>
+            </a:r>
+          </a:p>
+          <a:p>
+            <a:endParaRPr lang="pt-BR" altLang="pt-BR" sz="1800" dirty="0">
+              <a:latin typeface="Verdana" panose="020B0604030504040204" pitchFamily="34" charset="0"/>
+              <a:ea typeface="Arial Unicode MS" pitchFamily="34" charset="-128"/>
+            </a:endParaRPr>
+          </a:p>
+          <a:p>
+            <a:r>
+              <a:rPr lang="pt-BR" altLang="pt-BR" sz="1800" dirty="0">
+                <a:latin typeface="Verdana" panose="020B0604030504040204" pitchFamily="34" charset="0"/>
+                <a:ea typeface="Arial Unicode MS" pitchFamily="34" charset="-128"/>
+              </a:rPr>
+              <a:t>Obs. Não abrevias as preposições de, do, dos, da, das, e</a:t>
+            </a:r>
+          </a:p>
+          <a:p>
+            <a:r>
+              <a:rPr lang="pt-BR" altLang="pt-BR" sz="1800" dirty="0">
+                <a:latin typeface="Verdana" panose="020B0604030504040204" pitchFamily="34" charset="0"/>
+                <a:ea typeface="Arial Unicode MS" pitchFamily="34" charset="-128"/>
+              </a:rPr>
+              <a:t>Exemplo: Luiz Fernando de Menezes Calabria Luiz F de M Calabria</a:t>
+            </a:r>
+          </a:p>
+        </p:txBody>
+      </p:sp>
+      <p:sp>
+        <p:nvSpPr>
+          <p:cNvPr id="5" name="Retângulo 4">
+            <a:extLst>
+              <a:ext uri="{FF2B5EF4-FFF2-40B4-BE49-F238E27FC236}">
+                <a16:creationId xmlns:a16="http://schemas.microsoft.com/office/drawing/2014/main" id="{6BD7669B-95D5-4BE6-979A-70C13999C8CE}"/>
+              </a:ext>
+            </a:extLst>
+          </p:cNvPr>
+          <p:cNvSpPr/>
+          <p:nvPr/>
+        </p:nvSpPr>
+        <p:spPr>
+          <a:xfrm>
+            <a:off x="-108520" y="3651870"/>
+            <a:ext cx="4572000" cy="307777"/>
+          </a:xfrm>
+          <a:prstGeom prst="rect">
+            <a:avLst/>
+          </a:prstGeom>
+        </p:spPr>
+        <p:txBody>
+          <a:bodyPr>
+            <a:spAutoFit/>
+          </a:bodyPr>
+          <a:lstStyle/>
+          <a:p>
+            <a:endParaRPr lang="pt-BR"/>
+          </a:p>
+        </p:txBody>
+      </p:sp>
+      <p:sp>
+        <p:nvSpPr>
+          <p:cNvPr id="7" name="Espaço Reservado para Número de Slide 6">
+            <a:extLst>
+              <a:ext uri="{FF2B5EF4-FFF2-40B4-BE49-F238E27FC236}">
+                <a16:creationId xmlns:a16="http://schemas.microsoft.com/office/drawing/2014/main" id="{8B55FBE1-969E-3731-141E-6772E72C4DC3}"/>
+              </a:ext>
+            </a:extLst>
+          </p:cNvPr>
+          <p:cNvSpPr>
+            <a:spLocks noGrp="1"/>
+          </p:cNvSpPr>
+          <p:nvPr>
+            <p:ph type="sldNum" idx="12"/>
+          </p:nvPr>
+        </p:nvSpPr>
+        <p:spPr/>
+        <p:txBody>
+          <a:bodyPr/>
+          <a:lstStyle/>
+          <a:p>
+            <a:pPr marL="0" lvl="0" indent="0" algn="r" rtl="0">
+              <a:spcBef>
+                <a:spcPts val="0"/>
+              </a:spcBef>
+              <a:spcAft>
+                <a:spcPts val="0"/>
+              </a:spcAft>
+              <a:buNone/>
+            </a:pPr>
+            <a:fld id="{00000000-1234-1234-1234-123412341234}" type="slidenum">
+              <a:rPr lang="pt-BR" smtClean="0"/>
+              <a:t>20</a:t>
+            </a:fld>
+            <a:endParaRPr lang="pt-BR"/>
+          </a:p>
+        </p:txBody>
+      </p:sp>
+    </p:spTree>
+    <p:extLst>
+      <p:ext uri="{BB962C8B-B14F-4D97-AF65-F5344CB8AC3E}">
+        <p14:creationId xmlns:p14="http://schemas.microsoft.com/office/powerpoint/2010/main" val="1505451030"/>
+      </p:ext>
+    </p:extLst>
+  </p:cSld>
+  <p:clrMapOvr>
+    <a:masterClrMapping/>
+  </p:clrMapOvr>
+  <p:transition spd="slow">
+    <p:wipe/>
+  </p:transition>
+</p:sld>
+</file>
+
+<file path=ppt/slides/slide21.xml><?xml version="1.0" encoding="utf-8"?>
+<p:sld xmlns:a="http://schemas.openxmlformats.org/drawingml/2006/main" xmlns:r="http://schemas.openxmlformats.org/officeDocument/2006/relationships" xmlns:p="http://schemas.openxmlformats.org/presentationml/2006/main">
+  <p:cSld>
+    <p:spTree>
+      <p:nvGrpSpPr>
+        <p:cNvPr id="1" name=""/>
+        <p:cNvGrpSpPr/>
+        <p:nvPr/>
+      </p:nvGrpSpPr>
+      <p:grpSpPr>
+        <a:xfrm>
+          <a:off x="0" y="0"/>
+          <a:ext cx="0" cy="0"/>
+          <a:chOff x="0" y="0"/>
+          <a:chExt cx="0" cy="0"/>
+        </a:xfrm>
+      </p:grpSpPr>
+      <p:sp>
+        <p:nvSpPr>
+          <p:cNvPr id="184323" name="Rectangle 3">
+            <a:extLst>
+              <a:ext uri="{FF2B5EF4-FFF2-40B4-BE49-F238E27FC236}">
+                <a16:creationId xmlns:a16="http://schemas.microsoft.com/office/drawing/2014/main" id="{E55AE67F-9B3D-4B5A-AF98-44A5D4E08EE1}"/>
+              </a:ext>
+            </a:extLst>
+          </p:cNvPr>
+          <p:cNvSpPr>
+            <a:spLocks noChangeArrowheads="1"/>
+          </p:cNvSpPr>
+          <p:nvPr/>
+        </p:nvSpPr>
+        <p:spPr bwMode="auto">
+          <a:xfrm>
+            <a:off x="971600" y="987574"/>
+            <a:ext cx="7704856" cy="3672408"/>
+          </a:xfrm>
+          <a:prstGeom prst="rect">
+            <a:avLst/>
+          </a:prstGeom>
+          <a:noFill/>
+          <a:ln>
+            <a:noFill/>
+          </a:ln>
+          <a:extLst>
+            <a:ext uri="{909E8E84-426E-40DD-AFC4-6F175D3DCCD1}">
+              <a14:hiddenFill xmlns:a14="http://schemas.microsoft.com/office/drawing/2010/main">
+                <a:solidFill>
+                  <a:srgbClr val="FFFFFF"/>
+                </a:solidFill>
+              </a14:hiddenFill>
+            </a:ext>
+            <a:ext uri="{91240B29-F687-4F45-9708-019B960494DF}">
+              <a14:hiddenLine xmlns:a14="http://schemas.microsoft.com/office/drawing/2010/main" w="9525">
+                <a:solidFill>
+                  <a:srgbClr val="000000"/>
+                </a:solidFill>
+                <a:miter lim="800000"/>
+                <a:headEnd/>
+                <a:tailEnd/>
+              </a14:hiddenLine>
+            </a:ext>
+          </a:extLst>
+        </p:spPr>
+        <p:txBody>
+          <a:bodyPr/>
+          <a:lstStyle>
+            <a:lvl1pPr eaLnBrk="0" hangingPunct="0">
+              <a:defRPr>
+                <a:solidFill>
+                  <a:schemeClr val="tx1"/>
+                </a:solidFill>
+                <a:latin typeface="Arial" panose="020B0604020202020204" pitchFamily="34" charset="0"/>
+              </a:defRPr>
+            </a:lvl1pPr>
+            <a:lvl2pPr marL="742950" indent="-285750" eaLnBrk="0" hangingPunct="0">
+              <a:defRPr>
+                <a:solidFill>
+                  <a:schemeClr val="tx1"/>
+                </a:solidFill>
+                <a:latin typeface="Arial" panose="020B0604020202020204" pitchFamily="34" charset="0"/>
+              </a:defRPr>
+            </a:lvl2pPr>
+            <a:lvl3pPr marL="1143000" indent="-228600" eaLnBrk="0" hangingPunct="0">
+              <a:defRPr>
+                <a:solidFill>
+                  <a:schemeClr val="tx1"/>
+                </a:solidFill>
+                <a:latin typeface="Arial" panose="020B0604020202020204" pitchFamily="34" charset="0"/>
+              </a:defRPr>
+            </a:lvl3pPr>
+            <a:lvl4pPr marL="1600200" indent="-228600" eaLnBrk="0" hangingPunct="0">
+              <a:defRPr>
+                <a:solidFill>
+                  <a:schemeClr val="tx1"/>
+                </a:solidFill>
+                <a:latin typeface="Arial" panose="020B0604020202020204" pitchFamily="34" charset="0"/>
+              </a:defRPr>
+            </a:lvl4pPr>
+            <a:lvl5pPr marL="2057400" indent="-228600" eaLnBrk="0" hangingPunct="0">
+              <a:defRPr>
+                <a:solidFill>
+                  <a:schemeClr val="tx1"/>
+                </a:solidFill>
+                <a:latin typeface="Arial" panose="020B0604020202020204" pitchFamily="34" charset="0"/>
+              </a:defRPr>
+            </a:lvl5pPr>
+            <a:lvl6pPr marL="2514600" indent="-228600" eaLnBrk="0" fontAlgn="base" hangingPunct="0">
+              <a:spcBef>
+                <a:spcPct val="0"/>
+              </a:spcBef>
+              <a:spcAft>
+                <a:spcPct val="0"/>
+              </a:spcAft>
+              <a:defRPr>
+                <a:solidFill>
+                  <a:schemeClr val="tx1"/>
+                </a:solidFill>
+                <a:latin typeface="Arial" panose="020B0604020202020204" pitchFamily="34" charset="0"/>
+              </a:defRPr>
+            </a:lvl6pPr>
+            <a:lvl7pPr marL="2971800" indent="-228600" eaLnBrk="0" fontAlgn="base" hangingPunct="0">
+              <a:spcBef>
+                <a:spcPct val="0"/>
+              </a:spcBef>
+              <a:spcAft>
+                <a:spcPct val="0"/>
+              </a:spcAft>
+              <a:defRPr>
+                <a:solidFill>
+                  <a:schemeClr val="tx1"/>
+                </a:solidFill>
+                <a:latin typeface="Arial" panose="020B0604020202020204" pitchFamily="34" charset="0"/>
+              </a:defRPr>
+            </a:lvl7pPr>
+            <a:lvl8pPr marL="3429000" indent="-228600" eaLnBrk="0" fontAlgn="base" hangingPunct="0">
+              <a:spcBef>
+                <a:spcPct val="0"/>
+              </a:spcBef>
+              <a:spcAft>
+                <a:spcPct val="0"/>
+              </a:spcAft>
+              <a:defRPr>
+                <a:solidFill>
+                  <a:schemeClr val="tx1"/>
+                </a:solidFill>
+                <a:latin typeface="Arial" panose="020B0604020202020204" pitchFamily="34" charset="0"/>
+              </a:defRPr>
+            </a:lvl8pPr>
+            <a:lvl9pPr marL="3886200" indent="-228600" eaLnBrk="0" fontAlgn="base" hangingPunct="0">
+              <a:spcBef>
+                <a:spcPct val="0"/>
+              </a:spcBef>
+              <a:spcAft>
+                <a:spcPct val="0"/>
+              </a:spcAft>
+              <a:defRPr>
+                <a:solidFill>
+                  <a:schemeClr val="tx1"/>
+                </a:solidFill>
+                <a:latin typeface="Arial" panose="020B0604020202020204" pitchFamily="34" charset="0"/>
+              </a:defRPr>
+            </a:lvl9pPr>
+          </a:lstStyle>
+          <a:p>
+            <a:pPr algn="just"/>
+            <a:r>
+              <a:rPr lang="pt-BR" sz="2800" dirty="0"/>
+              <a:t>Classe </a:t>
+            </a:r>
+            <a:r>
+              <a:rPr lang="pt-BR" sz="2800" dirty="0" err="1"/>
+              <a:t>PoligonoRegular</a:t>
+            </a:r>
+            <a:endParaRPr lang="pt-BR" sz="2800" dirty="0"/>
+          </a:p>
+          <a:p>
+            <a:pPr algn="just"/>
+            <a:r>
+              <a:rPr lang="pt-BR" sz="2800" dirty="0"/>
+              <a:t>Atributos: número de lados, tamanho do lado</a:t>
+            </a:r>
+          </a:p>
+          <a:p>
+            <a:pPr algn="just"/>
+            <a:r>
+              <a:rPr lang="pt-BR" sz="2800" dirty="0"/>
+              <a:t>Métodos: cálculo do perímetro, </a:t>
+            </a:r>
+          </a:p>
+          <a:p>
+            <a:pPr algn="just"/>
+            <a:r>
+              <a:rPr lang="pt-BR" sz="2800" dirty="0"/>
+              <a:t>               Não implementada</a:t>
+            </a:r>
+          </a:p>
+          <a:p>
+            <a:pPr algn="just"/>
+            <a:r>
+              <a:rPr lang="pt-BR" sz="2800" dirty="0"/>
+              <a:t>Classe Triangulo</a:t>
+            </a:r>
+          </a:p>
+          <a:p>
+            <a:pPr algn="just"/>
+            <a:r>
+              <a:rPr lang="pt-BR" sz="2800" dirty="0"/>
+              <a:t>	redefine o método de cálculo de área</a:t>
+            </a:r>
+          </a:p>
+          <a:p>
+            <a:pPr algn="just"/>
+            <a:r>
+              <a:rPr lang="pt-BR" sz="2800" dirty="0"/>
+              <a:t>Classe Quadrado</a:t>
+            </a:r>
+          </a:p>
+          <a:p>
+            <a:pPr algn="just"/>
+            <a:r>
+              <a:rPr lang="pt-BR" sz="2800" dirty="0"/>
+              <a:t>	redefine o método de cálculo de área </a:t>
+            </a:r>
+            <a:endParaRPr lang="pt-BR" altLang="pt-BR" sz="2000" dirty="0">
+              <a:ea typeface="Arial Unicode MS" pitchFamily="34" charset="-128"/>
+            </a:endParaRPr>
+          </a:p>
+        </p:txBody>
+      </p:sp>
+      <p:sp>
+        <p:nvSpPr>
+          <p:cNvPr id="5" name="Text Box 4">
+            <a:extLst>
+              <a:ext uri="{FF2B5EF4-FFF2-40B4-BE49-F238E27FC236}">
+                <a16:creationId xmlns:a16="http://schemas.microsoft.com/office/drawing/2014/main" id="{3B65E6F3-E62C-4A07-867F-EDB0B052CB91}"/>
+              </a:ext>
+            </a:extLst>
+          </p:cNvPr>
+          <p:cNvSpPr txBox="1">
+            <a:spLocks noChangeArrowheads="1"/>
+          </p:cNvSpPr>
+          <p:nvPr/>
+        </p:nvSpPr>
+        <p:spPr bwMode="auto">
+          <a:xfrm>
+            <a:off x="1115616" y="64501"/>
+            <a:ext cx="7416824" cy="507831"/>
+          </a:xfrm>
+          <a:prstGeom prst="rect">
+            <a:avLst/>
+          </a:prstGeom>
+          <a:noFill/>
+          <a:ln>
+            <a:noFill/>
+          </a:ln>
+          <a:extLst>
+            <a:ext uri="{909E8E84-426E-40DD-AFC4-6F175D3DCCD1}">
+              <a14:hiddenFill xmlns:a14="http://schemas.microsoft.com/office/drawing/2010/main">
+                <a:solidFill>
+                  <a:srgbClr val="FFFFFF"/>
+                </a:solidFill>
+              </a14:hiddenFill>
+            </a:ext>
+            <a:ext uri="{91240B29-F687-4F45-9708-019B960494DF}">
+              <a14:hiddenLine xmlns:a14="http://schemas.microsoft.com/office/drawing/2010/main" w="9525">
+                <a:solidFill>
+                  <a:srgbClr val="000000"/>
+                </a:solidFill>
+                <a:miter lim="800000"/>
+                <a:headEnd/>
+                <a:tailEnd/>
+              </a14:hiddenLine>
+            </a:ext>
+          </a:extLst>
+        </p:spPr>
+        <p:txBody>
+          <a:bodyPr wrap="square">
+            <a:spAutoFit/>
+          </a:bodyPr>
+          <a:lstStyle>
+            <a:lvl1pPr eaLnBrk="0" hangingPunct="0">
+              <a:defRPr>
+                <a:solidFill>
+                  <a:schemeClr val="tx1"/>
+                </a:solidFill>
+                <a:latin typeface="Arial" panose="020B0604020202020204" pitchFamily="34" charset="0"/>
+              </a:defRPr>
+            </a:lvl1pPr>
+            <a:lvl2pPr marL="742950" indent="-285750" eaLnBrk="0" hangingPunct="0">
+              <a:defRPr>
+                <a:solidFill>
+                  <a:schemeClr val="tx1"/>
+                </a:solidFill>
+                <a:latin typeface="Arial" panose="020B0604020202020204" pitchFamily="34" charset="0"/>
+              </a:defRPr>
+            </a:lvl2pPr>
+            <a:lvl3pPr marL="1143000" indent="-228600" eaLnBrk="0" hangingPunct="0">
+              <a:defRPr>
+                <a:solidFill>
+                  <a:schemeClr val="tx1"/>
+                </a:solidFill>
+                <a:latin typeface="Arial" panose="020B0604020202020204" pitchFamily="34" charset="0"/>
+              </a:defRPr>
+            </a:lvl3pPr>
+            <a:lvl4pPr marL="1600200" indent="-228600" eaLnBrk="0" hangingPunct="0">
+              <a:defRPr>
+                <a:solidFill>
+                  <a:schemeClr val="tx1"/>
+                </a:solidFill>
+                <a:latin typeface="Arial" panose="020B0604020202020204" pitchFamily="34" charset="0"/>
+              </a:defRPr>
+            </a:lvl4pPr>
+            <a:lvl5pPr marL="2057400" indent="-228600" eaLnBrk="0" hangingPunct="0">
+              <a:defRPr>
+                <a:solidFill>
+                  <a:schemeClr val="tx1"/>
+                </a:solidFill>
+                <a:latin typeface="Arial" panose="020B0604020202020204" pitchFamily="34" charset="0"/>
+              </a:defRPr>
+            </a:lvl5pPr>
+            <a:lvl6pPr marL="2514600" indent="-228600" eaLnBrk="0" fontAlgn="base" hangingPunct="0">
+              <a:spcBef>
+                <a:spcPct val="0"/>
+              </a:spcBef>
+              <a:spcAft>
+                <a:spcPct val="0"/>
+              </a:spcAft>
+              <a:defRPr>
+                <a:solidFill>
+                  <a:schemeClr val="tx1"/>
+                </a:solidFill>
+                <a:latin typeface="Arial" panose="020B0604020202020204" pitchFamily="34" charset="0"/>
+              </a:defRPr>
+            </a:lvl6pPr>
+            <a:lvl7pPr marL="2971800" indent="-228600" eaLnBrk="0" fontAlgn="base" hangingPunct="0">
+              <a:spcBef>
+                <a:spcPct val="0"/>
+              </a:spcBef>
+              <a:spcAft>
+                <a:spcPct val="0"/>
+              </a:spcAft>
+              <a:defRPr>
+                <a:solidFill>
+                  <a:schemeClr val="tx1"/>
+                </a:solidFill>
+                <a:latin typeface="Arial" panose="020B0604020202020204" pitchFamily="34" charset="0"/>
+              </a:defRPr>
+            </a:lvl7pPr>
+            <a:lvl8pPr marL="3429000" indent="-228600" eaLnBrk="0" fontAlgn="base" hangingPunct="0">
+              <a:spcBef>
+                <a:spcPct val="0"/>
+              </a:spcBef>
+              <a:spcAft>
+                <a:spcPct val="0"/>
+              </a:spcAft>
+              <a:defRPr>
+                <a:solidFill>
+                  <a:schemeClr val="tx1"/>
+                </a:solidFill>
+                <a:latin typeface="Arial" panose="020B0604020202020204" pitchFamily="34" charset="0"/>
+              </a:defRPr>
+            </a:lvl8pPr>
+            <a:lvl9pPr marL="3886200" indent="-228600" eaLnBrk="0" fontAlgn="base" hangingPunct="0">
+              <a:spcBef>
+                <a:spcPct val="0"/>
+              </a:spcBef>
+              <a:spcAft>
+                <a:spcPct val="0"/>
+              </a:spcAft>
+              <a:defRPr>
+                <a:solidFill>
+                  <a:schemeClr val="tx1"/>
+                </a:solidFill>
+                <a:latin typeface="Arial" panose="020B0604020202020204" pitchFamily="34" charset="0"/>
+              </a:defRPr>
+            </a:lvl9pPr>
+          </a:lstStyle>
+          <a:p>
+            <a:pPr algn="ctr" eaLnBrk="1" hangingPunct="1">
+              <a:spcBef>
+                <a:spcPct val="50000"/>
+              </a:spcBef>
+            </a:pPr>
+            <a:r>
+              <a:rPr lang="en-US" altLang="pt-BR" sz="2700" b="1" i="1" dirty="0">
+                <a:solidFill>
+                  <a:srgbClr val="0033CC"/>
+                </a:solidFill>
+                <a:latin typeface="Verdana" panose="020B0604030504040204" pitchFamily="34" charset="0"/>
+              </a:rPr>
+              <a:t>EX46</a:t>
+            </a:r>
+            <a:endParaRPr lang="pt-BR" altLang="pt-BR" sz="2700" b="1" i="1" dirty="0">
+              <a:solidFill>
+                <a:srgbClr val="0033CC"/>
+              </a:solidFill>
+              <a:latin typeface="Verdana" panose="020B0604030504040204" pitchFamily="34" charset="0"/>
+            </a:endParaRPr>
+          </a:p>
+        </p:txBody>
+      </p:sp>
+    </p:spTree>
+  </p:cSld>
+  <p:clrMapOvr>
+    <a:masterClrMapping/>
+  </p:clrMapOvr>
+  <p:transition spd="slow">
+    <p:wipe/>
+  </p:transition>
+</p:sld>
+</file>
+
+<file path=ppt/slides/slide22.xml><?xml version="1.0" encoding="utf-8"?>
+<p:sld xmlns:a="http://schemas.openxmlformats.org/drawingml/2006/main" xmlns:r="http://schemas.openxmlformats.org/officeDocument/2006/relationships" xmlns:p="http://schemas.openxmlformats.org/presentationml/2006/main">
+  <p:cSld>
+    <p:spTree>
+      <p:nvGrpSpPr>
+        <p:cNvPr id="1" name="">
+          <a:extLst>
+            <a:ext uri="{FF2B5EF4-FFF2-40B4-BE49-F238E27FC236}">
+              <a16:creationId xmlns:a16="http://schemas.microsoft.com/office/drawing/2014/main" id="{B8F54DE6-2AF5-57E3-E554-266362C68E3B}"/>
+            </a:ext>
+          </a:extLst>
+        </p:cNvPr>
+        <p:cNvGrpSpPr/>
+        <p:nvPr/>
+      </p:nvGrpSpPr>
+      <p:grpSpPr>
+        <a:xfrm>
+          <a:off x="0" y="0"/>
+          <a:ext cx="0" cy="0"/>
+          <a:chOff x="0" y="0"/>
+          <a:chExt cx="0" cy="0"/>
+        </a:xfrm>
+      </p:grpSpPr>
+      <p:sp>
+        <p:nvSpPr>
+          <p:cNvPr id="184323" name="Rectangle 3">
+            <a:extLst>
+              <a:ext uri="{FF2B5EF4-FFF2-40B4-BE49-F238E27FC236}">
+                <a16:creationId xmlns:a16="http://schemas.microsoft.com/office/drawing/2014/main" id="{B4DE42B7-34B0-3C39-0ACA-AD7CA58EB986}"/>
+              </a:ext>
+            </a:extLst>
+          </p:cNvPr>
+          <p:cNvSpPr>
+            <a:spLocks noChangeArrowheads="1"/>
+          </p:cNvSpPr>
+          <p:nvPr/>
+        </p:nvSpPr>
+        <p:spPr bwMode="auto">
+          <a:xfrm>
+            <a:off x="971600" y="987574"/>
+            <a:ext cx="7704856" cy="3672408"/>
+          </a:xfrm>
+          <a:prstGeom prst="rect">
+            <a:avLst/>
+          </a:prstGeom>
+          <a:noFill/>
+          <a:ln>
+            <a:noFill/>
+          </a:ln>
+          <a:extLst>
+            <a:ext uri="{909E8E84-426E-40DD-AFC4-6F175D3DCCD1}">
+              <a14:hiddenFill xmlns:a14="http://schemas.microsoft.com/office/drawing/2010/main">
+                <a:solidFill>
+                  <a:srgbClr val="FFFFFF"/>
+                </a:solidFill>
+              </a14:hiddenFill>
+            </a:ext>
+            <a:ext uri="{91240B29-F687-4F45-9708-019B960494DF}">
+              <a14:hiddenLine xmlns:a14="http://schemas.microsoft.com/office/drawing/2010/main" w="9525">
+                <a:solidFill>
+                  <a:srgbClr val="000000"/>
+                </a:solidFill>
+                <a:miter lim="800000"/>
+                <a:headEnd/>
+                <a:tailEnd/>
+              </a14:hiddenLine>
+            </a:ext>
+          </a:extLst>
+        </p:spPr>
+        <p:txBody>
+          <a:bodyPr/>
+          <a:lstStyle>
+            <a:lvl1pPr eaLnBrk="0" hangingPunct="0">
+              <a:defRPr>
+                <a:solidFill>
+                  <a:schemeClr val="tx1"/>
+                </a:solidFill>
+                <a:latin typeface="Arial" panose="020B0604020202020204" pitchFamily="34" charset="0"/>
+              </a:defRPr>
+            </a:lvl1pPr>
+            <a:lvl2pPr marL="742950" indent="-285750" eaLnBrk="0" hangingPunct="0">
+              <a:defRPr>
+                <a:solidFill>
+                  <a:schemeClr val="tx1"/>
+                </a:solidFill>
+                <a:latin typeface="Arial" panose="020B0604020202020204" pitchFamily="34" charset="0"/>
+              </a:defRPr>
+            </a:lvl2pPr>
+            <a:lvl3pPr marL="1143000" indent="-228600" eaLnBrk="0" hangingPunct="0">
+              <a:defRPr>
+                <a:solidFill>
+                  <a:schemeClr val="tx1"/>
+                </a:solidFill>
+                <a:latin typeface="Arial" panose="020B0604020202020204" pitchFamily="34" charset="0"/>
+              </a:defRPr>
+            </a:lvl3pPr>
+            <a:lvl4pPr marL="1600200" indent="-228600" eaLnBrk="0" hangingPunct="0">
+              <a:defRPr>
+                <a:solidFill>
+                  <a:schemeClr val="tx1"/>
+                </a:solidFill>
+                <a:latin typeface="Arial" panose="020B0604020202020204" pitchFamily="34" charset="0"/>
+              </a:defRPr>
+            </a:lvl4pPr>
+            <a:lvl5pPr marL="2057400" indent="-228600" eaLnBrk="0" hangingPunct="0">
+              <a:defRPr>
+                <a:solidFill>
+                  <a:schemeClr val="tx1"/>
+                </a:solidFill>
+                <a:latin typeface="Arial" panose="020B0604020202020204" pitchFamily="34" charset="0"/>
+              </a:defRPr>
+            </a:lvl5pPr>
+            <a:lvl6pPr marL="2514600" indent="-228600" eaLnBrk="0" fontAlgn="base" hangingPunct="0">
+              <a:spcBef>
+                <a:spcPct val="0"/>
+              </a:spcBef>
+              <a:spcAft>
+                <a:spcPct val="0"/>
+              </a:spcAft>
+              <a:defRPr>
+                <a:solidFill>
+                  <a:schemeClr val="tx1"/>
+                </a:solidFill>
+                <a:latin typeface="Arial" panose="020B0604020202020204" pitchFamily="34" charset="0"/>
+              </a:defRPr>
+            </a:lvl6pPr>
+            <a:lvl7pPr marL="2971800" indent="-228600" eaLnBrk="0" fontAlgn="base" hangingPunct="0">
+              <a:spcBef>
+                <a:spcPct val="0"/>
+              </a:spcBef>
+              <a:spcAft>
+                <a:spcPct val="0"/>
+              </a:spcAft>
+              <a:defRPr>
+                <a:solidFill>
+                  <a:schemeClr val="tx1"/>
+                </a:solidFill>
+                <a:latin typeface="Arial" panose="020B0604020202020204" pitchFamily="34" charset="0"/>
+              </a:defRPr>
+            </a:lvl7pPr>
+            <a:lvl8pPr marL="3429000" indent="-228600" eaLnBrk="0" fontAlgn="base" hangingPunct="0">
+              <a:spcBef>
+                <a:spcPct val="0"/>
+              </a:spcBef>
+              <a:spcAft>
+                <a:spcPct val="0"/>
+              </a:spcAft>
+              <a:defRPr>
+                <a:solidFill>
+                  <a:schemeClr val="tx1"/>
+                </a:solidFill>
+                <a:latin typeface="Arial" panose="020B0604020202020204" pitchFamily="34" charset="0"/>
+              </a:defRPr>
+            </a:lvl8pPr>
+            <a:lvl9pPr marL="3886200" indent="-228600" eaLnBrk="0" fontAlgn="base" hangingPunct="0">
+              <a:spcBef>
+                <a:spcPct val="0"/>
+              </a:spcBef>
+              <a:spcAft>
+                <a:spcPct val="0"/>
+              </a:spcAft>
+              <a:defRPr>
+                <a:solidFill>
+                  <a:schemeClr val="tx1"/>
+                </a:solidFill>
+                <a:latin typeface="Arial" panose="020B0604020202020204" pitchFamily="34" charset="0"/>
+              </a:defRPr>
+            </a:lvl9pPr>
+          </a:lstStyle>
+          <a:p>
+            <a:pPr algn="just"/>
+            <a:r>
+              <a:rPr lang="pt-BR" sz="1800" dirty="0"/>
+              <a:t>Classe </a:t>
+            </a:r>
+            <a:r>
+              <a:rPr lang="pt-BR" sz="1800" dirty="0" err="1"/>
+              <a:t>FolhaPagamento</a:t>
+            </a:r>
+            <a:endParaRPr lang="pt-BR" sz="1800" dirty="0"/>
+          </a:p>
+          <a:p>
+            <a:pPr algn="just"/>
+            <a:r>
+              <a:rPr lang="pt-BR" sz="1800" dirty="0"/>
+              <a:t>Atributos: matrícula, salário, </a:t>
+            </a:r>
+            <a:r>
+              <a:rPr lang="pt-BR" sz="1800" dirty="0" err="1"/>
+              <a:t>vlor</a:t>
+            </a:r>
+            <a:r>
+              <a:rPr lang="pt-BR" sz="1800" dirty="0"/>
+              <a:t> de horas extras, valor de gratificações, valor de outras vantagens e valor de descontos</a:t>
+            </a:r>
+          </a:p>
+          <a:p>
+            <a:pPr algn="just"/>
+            <a:endParaRPr lang="pt-BR" sz="1800" dirty="0"/>
+          </a:p>
+          <a:p>
+            <a:pPr algn="just"/>
+            <a:r>
+              <a:rPr lang="pt-BR" sz="1800" dirty="0" err="1"/>
+              <a:t>Mestodo</a:t>
+            </a:r>
+            <a:r>
+              <a:rPr lang="pt-BR" sz="1800" dirty="0"/>
+              <a:t> publico:</a:t>
+            </a:r>
+          </a:p>
+          <a:p>
+            <a:pPr algn="just"/>
+            <a:r>
+              <a:rPr lang="pt-BR" sz="1800" dirty="0" err="1"/>
+              <a:t>mostrarLiquido</a:t>
+            </a:r>
+            <a:r>
+              <a:rPr lang="pt-BR" sz="1800" dirty="0"/>
+              <a:t>: Bruto – Total de descontos</a:t>
+            </a:r>
+          </a:p>
+          <a:p>
+            <a:pPr algn="just"/>
+            <a:endParaRPr lang="pt-BR" sz="1800" dirty="0"/>
+          </a:p>
+          <a:p>
+            <a:pPr algn="just"/>
+            <a:r>
+              <a:rPr lang="pt-BR" sz="1800" dirty="0" err="1">
+                <a:cs typeface="Arial" panose="020B0604020202020204" pitchFamily="34" charset="0"/>
+              </a:rPr>
+              <a:t>Metódos</a:t>
+            </a:r>
+            <a:r>
+              <a:rPr lang="pt-BR" sz="1800" dirty="0">
+                <a:cs typeface="Arial" panose="020B0604020202020204" pitchFamily="34" charset="0"/>
+              </a:rPr>
+              <a:t> internos:</a:t>
+            </a:r>
+          </a:p>
+          <a:p>
+            <a:pPr algn="just"/>
+            <a:r>
+              <a:rPr lang="pt-BR" sz="1800" dirty="0" err="1">
+                <a:cs typeface="Arial" panose="020B0604020202020204" pitchFamily="34" charset="0"/>
+              </a:rPr>
+              <a:t>CalcularINSS</a:t>
+            </a:r>
+            <a:r>
+              <a:rPr lang="pt-BR" sz="1800" dirty="0">
+                <a:cs typeface="Arial" panose="020B0604020202020204" pitchFamily="34" charset="0"/>
+              </a:rPr>
+              <a:t>: 11% do bruto</a:t>
+            </a:r>
+          </a:p>
+          <a:p>
+            <a:pPr algn="just"/>
+            <a:r>
+              <a:rPr lang="pt-BR" sz="1800" dirty="0" err="1">
+                <a:cs typeface="Arial" panose="020B0604020202020204" pitchFamily="34" charset="0"/>
+              </a:rPr>
+              <a:t>CalcularDesconto</a:t>
+            </a:r>
+            <a:r>
+              <a:rPr lang="pt-BR" sz="1800" dirty="0">
+                <a:cs typeface="Arial" panose="020B0604020202020204" pitchFamily="34" charset="0"/>
+              </a:rPr>
+              <a:t> : Soma de todos os descontos</a:t>
+            </a:r>
+          </a:p>
+          <a:p>
+            <a:pPr algn="just"/>
+            <a:r>
+              <a:rPr lang="pt-BR" sz="1800" dirty="0" err="1">
+                <a:cs typeface="Arial" panose="020B0604020202020204" pitchFamily="34" charset="0"/>
+              </a:rPr>
+              <a:t>CalcularIR</a:t>
+            </a:r>
+            <a:r>
+              <a:rPr lang="pt-BR" sz="1800" dirty="0">
+                <a:cs typeface="Arial" panose="020B0604020202020204" pitchFamily="34" charset="0"/>
+              </a:rPr>
+              <a:t>: Desconto progressivo conforme tabela</a:t>
+            </a:r>
+          </a:p>
+          <a:p>
+            <a:pPr algn="just"/>
+            <a:r>
+              <a:rPr lang="pt-BR" sz="1800" dirty="0">
+                <a:cs typeface="Arial" panose="020B0604020202020204" pitchFamily="34" charset="0"/>
+              </a:rPr>
+              <a:t>  </a:t>
+            </a:r>
+            <a:r>
+              <a:rPr lang="pt-BR" sz="1800" b="0" i="1" dirty="0">
+                <a:effectLst/>
+                <a:cs typeface="Arial" panose="020B0604020202020204" pitchFamily="34" charset="0"/>
+              </a:rPr>
+              <a:t>Limite mensal de desconto simplificado: R$ 564,80</a:t>
+            </a:r>
+            <a:endParaRPr lang="pt-BR" sz="1800" dirty="0">
+              <a:cs typeface="Arial" panose="020B0604020202020204" pitchFamily="34" charset="0"/>
+            </a:endParaRPr>
+          </a:p>
+          <a:p>
+            <a:pPr algn="just"/>
+            <a:endParaRPr lang="pt-BR" sz="1800" dirty="0"/>
+          </a:p>
+        </p:txBody>
+      </p:sp>
+      <p:sp>
+        <p:nvSpPr>
+          <p:cNvPr id="5" name="Text Box 4">
+            <a:extLst>
+              <a:ext uri="{FF2B5EF4-FFF2-40B4-BE49-F238E27FC236}">
+                <a16:creationId xmlns:a16="http://schemas.microsoft.com/office/drawing/2014/main" id="{8FDC920B-A21B-E8A7-2998-C6D299312969}"/>
+              </a:ext>
+            </a:extLst>
+          </p:cNvPr>
+          <p:cNvSpPr txBox="1">
+            <a:spLocks noChangeArrowheads="1"/>
+          </p:cNvSpPr>
+          <p:nvPr/>
+        </p:nvSpPr>
+        <p:spPr bwMode="auto">
+          <a:xfrm>
+            <a:off x="1115616" y="64501"/>
+            <a:ext cx="7416824" cy="507831"/>
+          </a:xfrm>
+          <a:prstGeom prst="rect">
+            <a:avLst/>
+          </a:prstGeom>
+          <a:noFill/>
+          <a:ln>
+            <a:noFill/>
+          </a:ln>
+          <a:extLst>
+            <a:ext uri="{909E8E84-426E-40DD-AFC4-6F175D3DCCD1}">
+              <a14:hiddenFill xmlns:a14="http://schemas.microsoft.com/office/drawing/2010/main">
+                <a:solidFill>
+                  <a:srgbClr val="FFFFFF"/>
+                </a:solidFill>
+              </a14:hiddenFill>
+            </a:ext>
+            <a:ext uri="{91240B29-F687-4F45-9708-019B960494DF}">
+              <a14:hiddenLine xmlns:a14="http://schemas.microsoft.com/office/drawing/2010/main" w="9525">
+                <a:solidFill>
+                  <a:srgbClr val="000000"/>
+                </a:solidFill>
+                <a:miter lim="800000"/>
+                <a:headEnd/>
+                <a:tailEnd/>
+              </a14:hiddenLine>
+            </a:ext>
+          </a:extLst>
+        </p:spPr>
+        <p:txBody>
+          <a:bodyPr wrap="square">
+            <a:spAutoFit/>
+          </a:bodyPr>
+          <a:lstStyle>
+            <a:lvl1pPr eaLnBrk="0" hangingPunct="0">
+              <a:defRPr>
+                <a:solidFill>
+                  <a:schemeClr val="tx1"/>
+                </a:solidFill>
+                <a:latin typeface="Arial" panose="020B0604020202020204" pitchFamily="34" charset="0"/>
+              </a:defRPr>
+            </a:lvl1pPr>
+            <a:lvl2pPr marL="742950" indent="-285750" eaLnBrk="0" hangingPunct="0">
+              <a:defRPr>
+                <a:solidFill>
+                  <a:schemeClr val="tx1"/>
+                </a:solidFill>
+                <a:latin typeface="Arial" panose="020B0604020202020204" pitchFamily="34" charset="0"/>
+              </a:defRPr>
+            </a:lvl2pPr>
+            <a:lvl3pPr marL="1143000" indent="-228600" eaLnBrk="0" hangingPunct="0">
+              <a:defRPr>
+                <a:solidFill>
+                  <a:schemeClr val="tx1"/>
+                </a:solidFill>
+                <a:latin typeface="Arial" panose="020B0604020202020204" pitchFamily="34" charset="0"/>
+              </a:defRPr>
+            </a:lvl3pPr>
+            <a:lvl4pPr marL="1600200" indent="-228600" eaLnBrk="0" hangingPunct="0">
+              <a:defRPr>
+                <a:solidFill>
+                  <a:schemeClr val="tx1"/>
+                </a:solidFill>
+                <a:latin typeface="Arial" panose="020B0604020202020204" pitchFamily="34" charset="0"/>
+              </a:defRPr>
+            </a:lvl4pPr>
+            <a:lvl5pPr marL="2057400" indent="-228600" eaLnBrk="0" hangingPunct="0">
+              <a:defRPr>
+                <a:solidFill>
+                  <a:schemeClr val="tx1"/>
+                </a:solidFill>
+                <a:latin typeface="Arial" panose="020B0604020202020204" pitchFamily="34" charset="0"/>
+              </a:defRPr>
+            </a:lvl5pPr>
+            <a:lvl6pPr marL="2514600" indent="-228600" eaLnBrk="0" fontAlgn="base" hangingPunct="0">
+              <a:spcBef>
+                <a:spcPct val="0"/>
+              </a:spcBef>
+              <a:spcAft>
+                <a:spcPct val="0"/>
+              </a:spcAft>
+              <a:defRPr>
+                <a:solidFill>
+                  <a:schemeClr val="tx1"/>
+                </a:solidFill>
+                <a:latin typeface="Arial" panose="020B0604020202020204" pitchFamily="34" charset="0"/>
+              </a:defRPr>
+            </a:lvl6pPr>
+            <a:lvl7pPr marL="2971800" indent="-228600" eaLnBrk="0" fontAlgn="base" hangingPunct="0">
+              <a:spcBef>
+                <a:spcPct val="0"/>
+              </a:spcBef>
+              <a:spcAft>
+                <a:spcPct val="0"/>
+              </a:spcAft>
+              <a:defRPr>
+                <a:solidFill>
+                  <a:schemeClr val="tx1"/>
+                </a:solidFill>
+                <a:latin typeface="Arial" panose="020B0604020202020204" pitchFamily="34" charset="0"/>
+              </a:defRPr>
+            </a:lvl7pPr>
+            <a:lvl8pPr marL="3429000" indent="-228600" eaLnBrk="0" fontAlgn="base" hangingPunct="0">
+              <a:spcBef>
+                <a:spcPct val="0"/>
+              </a:spcBef>
+              <a:spcAft>
+                <a:spcPct val="0"/>
+              </a:spcAft>
+              <a:defRPr>
+                <a:solidFill>
+                  <a:schemeClr val="tx1"/>
+                </a:solidFill>
+                <a:latin typeface="Arial" panose="020B0604020202020204" pitchFamily="34" charset="0"/>
+              </a:defRPr>
+            </a:lvl8pPr>
+            <a:lvl9pPr marL="3886200" indent="-228600" eaLnBrk="0" fontAlgn="base" hangingPunct="0">
+              <a:spcBef>
+                <a:spcPct val="0"/>
+              </a:spcBef>
+              <a:spcAft>
+                <a:spcPct val="0"/>
+              </a:spcAft>
+              <a:defRPr>
+                <a:solidFill>
+                  <a:schemeClr val="tx1"/>
+                </a:solidFill>
+                <a:latin typeface="Arial" panose="020B0604020202020204" pitchFamily="34" charset="0"/>
+              </a:defRPr>
+            </a:lvl9pPr>
+          </a:lstStyle>
+          <a:p>
+            <a:pPr algn="ctr" eaLnBrk="1" hangingPunct="1">
+              <a:spcBef>
+                <a:spcPct val="50000"/>
+              </a:spcBef>
+            </a:pPr>
+            <a:r>
+              <a:rPr lang="en-US" altLang="pt-BR" sz="2700" b="1" i="1" dirty="0">
+                <a:solidFill>
+                  <a:srgbClr val="0033CC"/>
+                </a:solidFill>
+                <a:latin typeface="Verdana" panose="020B0604030504040204" pitchFamily="34" charset="0"/>
+              </a:rPr>
+              <a:t>EX47</a:t>
+            </a:r>
+            <a:endParaRPr lang="pt-BR" altLang="pt-BR" sz="2700" b="1" i="1" dirty="0">
+              <a:solidFill>
+                <a:srgbClr val="0033CC"/>
+              </a:solidFill>
+              <a:latin typeface="Verdana" panose="020B0604030504040204" pitchFamily="34" charset="0"/>
+            </a:endParaRPr>
+          </a:p>
+        </p:txBody>
+      </p:sp>
+    </p:spTree>
+    <p:extLst>
+      <p:ext uri="{BB962C8B-B14F-4D97-AF65-F5344CB8AC3E}">
+        <p14:creationId xmlns:p14="http://schemas.microsoft.com/office/powerpoint/2010/main" val="101433802"/>
+      </p:ext>
+    </p:extLst>
+  </p:cSld>
+  <p:clrMapOvr>
+    <a:masterClrMapping/>
+  </p:clrMapOvr>
+  <p:transition spd="slow">
+    <p:wipe/>
+  </p:transition>
+</p:sld>
+</file>
+
+<file path=ppt/slides/slide23.xml><?xml version="1.0" encoding="utf-8"?>
+<p:sld xmlns:a="http://schemas.openxmlformats.org/drawingml/2006/main" xmlns:r="http://schemas.openxmlformats.org/officeDocument/2006/relationships" xmlns:p="http://schemas.openxmlformats.org/presentationml/2006/main">
+  <p:cSld>
+    <p:spTree>
+      <p:nvGrpSpPr>
+        <p:cNvPr id="1" name="">
+          <a:extLst>
+            <a:ext uri="{FF2B5EF4-FFF2-40B4-BE49-F238E27FC236}">
+              <a16:creationId xmlns:a16="http://schemas.microsoft.com/office/drawing/2014/main" id="{3CD9A5B1-BB1C-A93A-2A52-7D4A8D81D417}"/>
+            </a:ext>
+          </a:extLst>
+        </p:cNvPr>
+        <p:cNvGrpSpPr/>
+        <p:nvPr/>
+      </p:nvGrpSpPr>
+      <p:grpSpPr>
+        <a:xfrm>
+          <a:off x="0" y="0"/>
+          <a:ext cx="0" cy="0"/>
+          <a:chOff x="0" y="0"/>
+          <a:chExt cx="0" cy="0"/>
+        </a:xfrm>
+      </p:grpSpPr>
+      <p:sp>
+        <p:nvSpPr>
+          <p:cNvPr id="184323" name="Rectangle 3">
+            <a:extLst>
+              <a:ext uri="{FF2B5EF4-FFF2-40B4-BE49-F238E27FC236}">
+                <a16:creationId xmlns:a16="http://schemas.microsoft.com/office/drawing/2014/main" id="{3E5F165C-826B-B652-4B74-15FFF841EB5F}"/>
+              </a:ext>
+            </a:extLst>
+          </p:cNvPr>
+          <p:cNvSpPr>
+            <a:spLocks noChangeArrowheads="1"/>
+          </p:cNvSpPr>
+          <p:nvPr/>
+        </p:nvSpPr>
+        <p:spPr bwMode="auto">
+          <a:xfrm>
+            <a:off x="971600" y="987574"/>
+            <a:ext cx="7704856" cy="3672408"/>
+          </a:xfrm>
+          <a:prstGeom prst="rect">
+            <a:avLst/>
+          </a:prstGeom>
+          <a:noFill/>
+          <a:ln>
+            <a:noFill/>
+          </a:ln>
+          <a:extLst>
+            <a:ext uri="{909E8E84-426E-40DD-AFC4-6F175D3DCCD1}">
+              <a14:hiddenFill xmlns:a14="http://schemas.microsoft.com/office/drawing/2010/main">
+                <a:solidFill>
+                  <a:srgbClr val="FFFFFF"/>
+                </a:solidFill>
+              </a14:hiddenFill>
+            </a:ext>
+            <a:ext uri="{91240B29-F687-4F45-9708-019B960494DF}">
+              <a14:hiddenLine xmlns:a14="http://schemas.microsoft.com/office/drawing/2010/main" w="9525">
+                <a:solidFill>
+                  <a:srgbClr val="000000"/>
+                </a:solidFill>
+                <a:miter lim="800000"/>
+                <a:headEnd/>
+                <a:tailEnd/>
+              </a14:hiddenLine>
+            </a:ext>
+          </a:extLst>
+        </p:spPr>
+        <p:txBody>
+          <a:bodyPr/>
+          <a:lstStyle>
+            <a:lvl1pPr eaLnBrk="0" hangingPunct="0">
+              <a:defRPr>
+                <a:solidFill>
+                  <a:schemeClr val="tx1"/>
+                </a:solidFill>
+                <a:latin typeface="Arial" panose="020B0604020202020204" pitchFamily="34" charset="0"/>
+              </a:defRPr>
+            </a:lvl1pPr>
+            <a:lvl2pPr marL="742950" indent="-285750" eaLnBrk="0" hangingPunct="0">
+              <a:defRPr>
+                <a:solidFill>
+                  <a:schemeClr val="tx1"/>
+                </a:solidFill>
+                <a:latin typeface="Arial" panose="020B0604020202020204" pitchFamily="34" charset="0"/>
+              </a:defRPr>
+            </a:lvl2pPr>
+            <a:lvl3pPr marL="1143000" indent="-228600" eaLnBrk="0" hangingPunct="0">
+              <a:defRPr>
+                <a:solidFill>
+                  <a:schemeClr val="tx1"/>
+                </a:solidFill>
+                <a:latin typeface="Arial" panose="020B0604020202020204" pitchFamily="34" charset="0"/>
+              </a:defRPr>
+            </a:lvl3pPr>
+            <a:lvl4pPr marL="1600200" indent="-228600" eaLnBrk="0" hangingPunct="0">
+              <a:defRPr>
+                <a:solidFill>
+                  <a:schemeClr val="tx1"/>
+                </a:solidFill>
+                <a:latin typeface="Arial" panose="020B0604020202020204" pitchFamily="34" charset="0"/>
+              </a:defRPr>
+            </a:lvl4pPr>
+            <a:lvl5pPr marL="2057400" indent="-228600" eaLnBrk="0" hangingPunct="0">
+              <a:defRPr>
+                <a:solidFill>
+                  <a:schemeClr val="tx1"/>
+                </a:solidFill>
+                <a:latin typeface="Arial" panose="020B0604020202020204" pitchFamily="34" charset="0"/>
+              </a:defRPr>
+            </a:lvl5pPr>
+            <a:lvl6pPr marL="2514600" indent="-228600" eaLnBrk="0" fontAlgn="base" hangingPunct="0">
+              <a:spcBef>
+                <a:spcPct val="0"/>
+              </a:spcBef>
+              <a:spcAft>
+                <a:spcPct val="0"/>
+              </a:spcAft>
+              <a:defRPr>
+                <a:solidFill>
+                  <a:schemeClr val="tx1"/>
+                </a:solidFill>
+                <a:latin typeface="Arial" panose="020B0604020202020204" pitchFamily="34" charset="0"/>
+              </a:defRPr>
+            </a:lvl6pPr>
+            <a:lvl7pPr marL="2971800" indent="-228600" eaLnBrk="0" fontAlgn="base" hangingPunct="0">
+              <a:spcBef>
+                <a:spcPct val="0"/>
+              </a:spcBef>
+              <a:spcAft>
+                <a:spcPct val="0"/>
+              </a:spcAft>
+              <a:defRPr>
+                <a:solidFill>
+                  <a:schemeClr val="tx1"/>
+                </a:solidFill>
+                <a:latin typeface="Arial" panose="020B0604020202020204" pitchFamily="34" charset="0"/>
+              </a:defRPr>
+            </a:lvl7pPr>
+            <a:lvl8pPr marL="3429000" indent="-228600" eaLnBrk="0" fontAlgn="base" hangingPunct="0">
+              <a:spcBef>
+                <a:spcPct val="0"/>
+              </a:spcBef>
+              <a:spcAft>
+                <a:spcPct val="0"/>
+              </a:spcAft>
+              <a:defRPr>
+                <a:solidFill>
+                  <a:schemeClr val="tx1"/>
+                </a:solidFill>
+                <a:latin typeface="Arial" panose="020B0604020202020204" pitchFamily="34" charset="0"/>
+              </a:defRPr>
+            </a:lvl8pPr>
+            <a:lvl9pPr marL="3886200" indent="-228600" eaLnBrk="0" fontAlgn="base" hangingPunct="0">
+              <a:spcBef>
+                <a:spcPct val="0"/>
+              </a:spcBef>
+              <a:spcAft>
+                <a:spcPct val="0"/>
+              </a:spcAft>
+              <a:defRPr>
+                <a:solidFill>
+                  <a:schemeClr val="tx1"/>
+                </a:solidFill>
+                <a:latin typeface="Arial" panose="020B0604020202020204" pitchFamily="34" charset="0"/>
+              </a:defRPr>
+            </a:lvl9pPr>
+          </a:lstStyle>
+          <a:p>
+            <a:pPr algn="just"/>
+            <a:r>
+              <a:rPr lang="pt-BR" sz="1800" dirty="0"/>
+              <a:t>Classe </a:t>
+            </a:r>
+            <a:r>
+              <a:rPr lang="pt-BR" sz="1800" dirty="0" err="1"/>
+              <a:t>FolhaPagamento</a:t>
+            </a:r>
+            <a:endParaRPr lang="pt-BR" sz="1800" dirty="0"/>
+          </a:p>
+          <a:p>
+            <a:pPr algn="just"/>
+            <a:endParaRPr lang="pt-BR" sz="1800" dirty="0"/>
+          </a:p>
+          <a:p>
+            <a:pPr algn="just"/>
+            <a:r>
+              <a:rPr lang="pt-BR" sz="1800" dirty="0"/>
+              <a:t>Tabela do Imposto de Renda</a:t>
+            </a:r>
+          </a:p>
+          <a:p>
+            <a:pPr algn="just"/>
+            <a:endParaRPr lang="pt-BR" sz="1800" dirty="0"/>
+          </a:p>
+        </p:txBody>
+      </p:sp>
+      <p:sp>
+        <p:nvSpPr>
+          <p:cNvPr id="5" name="Text Box 4">
+            <a:extLst>
+              <a:ext uri="{FF2B5EF4-FFF2-40B4-BE49-F238E27FC236}">
+                <a16:creationId xmlns:a16="http://schemas.microsoft.com/office/drawing/2014/main" id="{D751B4BD-D139-856C-0FEC-812F8B9DCB0E}"/>
+              </a:ext>
+            </a:extLst>
+          </p:cNvPr>
+          <p:cNvSpPr txBox="1">
+            <a:spLocks noChangeArrowheads="1"/>
+          </p:cNvSpPr>
+          <p:nvPr/>
+        </p:nvSpPr>
+        <p:spPr bwMode="auto">
+          <a:xfrm>
+            <a:off x="1115616" y="64501"/>
+            <a:ext cx="7416824" cy="507831"/>
+          </a:xfrm>
+          <a:prstGeom prst="rect">
+            <a:avLst/>
+          </a:prstGeom>
+          <a:noFill/>
+          <a:ln>
+            <a:noFill/>
+          </a:ln>
+          <a:extLst>
+            <a:ext uri="{909E8E84-426E-40DD-AFC4-6F175D3DCCD1}">
+              <a14:hiddenFill xmlns:a14="http://schemas.microsoft.com/office/drawing/2010/main">
+                <a:solidFill>
+                  <a:srgbClr val="FFFFFF"/>
+                </a:solidFill>
+              </a14:hiddenFill>
+            </a:ext>
+            <a:ext uri="{91240B29-F687-4F45-9708-019B960494DF}">
+              <a14:hiddenLine xmlns:a14="http://schemas.microsoft.com/office/drawing/2010/main" w="9525">
+                <a:solidFill>
+                  <a:srgbClr val="000000"/>
+                </a:solidFill>
+                <a:miter lim="800000"/>
+                <a:headEnd/>
+                <a:tailEnd/>
+              </a14:hiddenLine>
+            </a:ext>
+          </a:extLst>
+        </p:spPr>
+        <p:txBody>
+          <a:bodyPr wrap="square">
+            <a:spAutoFit/>
+          </a:bodyPr>
+          <a:lstStyle>
+            <a:lvl1pPr eaLnBrk="0" hangingPunct="0">
+              <a:defRPr>
+                <a:solidFill>
+                  <a:schemeClr val="tx1"/>
+                </a:solidFill>
+                <a:latin typeface="Arial" panose="020B0604020202020204" pitchFamily="34" charset="0"/>
+              </a:defRPr>
+            </a:lvl1pPr>
+            <a:lvl2pPr marL="742950" indent="-285750" eaLnBrk="0" hangingPunct="0">
+              <a:defRPr>
+                <a:solidFill>
+                  <a:schemeClr val="tx1"/>
+                </a:solidFill>
+                <a:latin typeface="Arial" panose="020B0604020202020204" pitchFamily="34" charset="0"/>
+              </a:defRPr>
+            </a:lvl2pPr>
+            <a:lvl3pPr marL="1143000" indent="-228600" eaLnBrk="0" hangingPunct="0">
+              <a:defRPr>
+                <a:solidFill>
+                  <a:schemeClr val="tx1"/>
+                </a:solidFill>
+                <a:latin typeface="Arial" panose="020B0604020202020204" pitchFamily="34" charset="0"/>
+              </a:defRPr>
+            </a:lvl3pPr>
+            <a:lvl4pPr marL="1600200" indent="-228600" eaLnBrk="0" hangingPunct="0">
+              <a:defRPr>
+                <a:solidFill>
+                  <a:schemeClr val="tx1"/>
+                </a:solidFill>
+                <a:latin typeface="Arial" panose="020B0604020202020204" pitchFamily="34" charset="0"/>
+              </a:defRPr>
+            </a:lvl4pPr>
+            <a:lvl5pPr marL="2057400" indent="-228600" eaLnBrk="0" hangingPunct="0">
+              <a:defRPr>
+                <a:solidFill>
+                  <a:schemeClr val="tx1"/>
+                </a:solidFill>
+                <a:latin typeface="Arial" panose="020B0604020202020204" pitchFamily="34" charset="0"/>
+              </a:defRPr>
+            </a:lvl5pPr>
+            <a:lvl6pPr marL="2514600" indent="-228600" eaLnBrk="0" fontAlgn="base" hangingPunct="0">
+              <a:spcBef>
+                <a:spcPct val="0"/>
+              </a:spcBef>
+              <a:spcAft>
+                <a:spcPct val="0"/>
+              </a:spcAft>
+              <a:defRPr>
+                <a:solidFill>
+                  <a:schemeClr val="tx1"/>
+                </a:solidFill>
+                <a:latin typeface="Arial" panose="020B0604020202020204" pitchFamily="34" charset="0"/>
+              </a:defRPr>
+            </a:lvl6pPr>
+            <a:lvl7pPr marL="2971800" indent="-228600" eaLnBrk="0" fontAlgn="base" hangingPunct="0">
+              <a:spcBef>
+                <a:spcPct val="0"/>
+              </a:spcBef>
+              <a:spcAft>
+                <a:spcPct val="0"/>
+              </a:spcAft>
+              <a:defRPr>
+                <a:solidFill>
+                  <a:schemeClr val="tx1"/>
+                </a:solidFill>
+                <a:latin typeface="Arial" panose="020B0604020202020204" pitchFamily="34" charset="0"/>
+              </a:defRPr>
+            </a:lvl7pPr>
+            <a:lvl8pPr marL="3429000" indent="-228600" eaLnBrk="0" fontAlgn="base" hangingPunct="0">
+              <a:spcBef>
+                <a:spcPct val="0"/>
+              </a:spcBef>
+              <a:spcAft>
+                <a:spcPct val="0"/>
+              </a:spcAft>
+              <a:defRPr>
+                <a:solidFill>
+                  <a:schemeClr val="tx1"/>
+                </a:solidFill>
+                <a:latin typeface="Arial" panose="020B0604020202020204" pitchFamily="34" charset="0"/>
+              </a:defRPr>
+            </a:lvl8pPr>
+            <a:lvl9pPr marL="3886200" indent="-228600" eaLnBrk="0" fontAlgn="base" hangingPunct="0">
+              <a:spcBef>
+                <a:spcPct val="0"/>
+              </a:spcBef>
+              <a:spcAft>
+                <a:spcPct val="0"/>
+              </a:spcAft>
+              <a:defRPr>
+                <a:solidFill>
+                  <a:schemeClr val="tx1"/>
+                </a:solidFill>
+                <a:latin typeface="Arial" panose="020B0604020202020204" pitchFamily="34" charset="0"/>
+              </a:defRPr>
+            </a:lvl9pPr>
+          </a:lstStyle>
+          <a:p>
+            <a:pPr algn="ctr" eaLnBrk="1" hangingPunct="1">
+              <a:spcBef>
+                <a:spcPct val="50000"/>
+              </a:spcBef>
+            </a:pPr>
+            <a:r>
+              <a:rPr lang="en-US" altLang="pt-BR" sz="2700" b="1" i="1" dirty="0">
+                <a:solidFill>
+                  <a:srgbClr val="0033CC"/>
+                </a:solidFill>
+                <a:latin typeface="Verdana" panose="020B0604030504040204" pitchFamily="34" charset="0"/>
+              </a:rPr>
+              <a:t>EX47</a:t>
+            </a:r>
+            <a:endParaRPr lang="pt-BR" altLang="pt-BR" sz="2700" b="1" i="1" dirty="0">
+              <a:solidFill>
+                <a:srgbClr val="0033CC"/>
+              </a:solidFill>
+              <a:latin typeface="Verdana" panose="020B0604030504040204" pitchFamily="34" charset="0"/>
+            </a:endParaRPr>
+          </a:p>
+        </p:txBody>
+      </p:sp>
+      <p:graphicFrame>
+        <p:nvGraphicFramePr>
+          <p:cNvPr id="6" name="Tabela 5">
+            <a:extLst>
+              <a:ext uri="{FF2B5EF4-FFF2-40B4-BE49-F238E27FC236}">
+                <a16:creationId xmlns:a16="http://schemas.microsoft.com/office/drawing/2014/main" id="{F1CC7289-24A5-00EF-1BF3-C792962F7C21}"/>
+              </a:ext>
+            </a:extLst>
+          </p:cNvPr>
+          <p:cNvGraphicFramePr>
+            <a:graphicFrameLocks noGrp="1"/>
+          </p:cNvGraphicFramePr>
+          <p:nvPr>
+            <p:extLst>
+              <p:ext uri="{D42A27DB-BD31-4B8C-83A1-F6EECF244321}">
+                <p14:modId xmlns:p14="http://schemas.microsoft.com/office/powerpoint/2010/main" val="1666012701"/>
+              </p:ext>
+            </p:extLst>
+          </p:nvPr>
+        </p:nvGraphicFramePr>
+        <p:xfrm>
+          <a:off x="1115616" y="2067694"/>
+          <a:ext cx="5807968" cy="2219960"/>
+        </p:xfrm>
+        <a:graphic>
+          <a:graphicData uri="http://schemas.openxmlformats.org/drawingml/2006/table">
+            <a:tbl>
+              <a:tblPr firstRow="1" bandRow="1">
+                <a:tableStyleId>{18E0EB87-6F86-4DAB-AA45-32A1FB75C8D8}</a:tableStyleId>
+              </a:tblPr>
+              <a:tblGrid>
+                <a:gridCol w="3528392">
+                  <a:extLst>
+                    <a:ext uri="{9D8B030D-6E8A-4147-A177-3AD203B41FA5}">
+                      <a16:colId xmlns:a16="http://schemas.microsoft.com/office/drawing/2014/main" val="105951570"/>
+                    </a:ext>
+                  </a:extLst>
+                </a:gridCol>
+                <a:gridCol w="1080120">
+                  <a:extLst>
+                    <a:ext uri="{9D8B030D-6E8A-4147-A177-3AD203B41FA5}">
+                      <a16:colId xmlns:a16="http://schemas.microsoft.com/office/drawing/2014/main" val="2429755747"/>
+                    </a:ext>
+                  </a:extLst>
+                </a:gridCol>
+                <a:gridCol w="1199456">
+                  <a:extLst>
+                    <a:ext uri="{9D8B030D-6E8A-4147-A177-3AD203B41FA5}">
+                      <a16:colId xmlns:a16="http://schemas.microsoft.com/office/drawing/2014/main" val="3745406528"/>
+                    </a:ext>
+                  </a:extLst>
+                </a:gridCol>
+              </a:tblGrid>
+              <a:tr h="226824">
+                <a:tc>
+                  <a:txBody>
+                    <a:bodyPr/>
+                    <a:lstStyle/>
+                    <a:p>
+                      <a:r>
+                        <a:rPr lang="pt-BR" dirty="0"/>
+                        <a:t>Faixa</a:t>
+                      </a:r>
+                    </a:p>
+                  </a:txBody>
+                  <a:tcPr/>
+                </a:tc>
+                <a:tc>
+                  <a:txBody>
+                    <a:bodyPr/>
+                    <a:lstStyle/>
+                    <a:p>
+                      <a:r>
+                        <a:rPr lang="pt-BR" dirty="0" err="1"/>
+                        <a:t>Aliquota</a:t>
+                      </a:r>
+                      <a:endParaRPr lang="pt-BR" dirty="0"/>
+                    </a:p>
+                  </a:txBody>
+                  <a:tcPr/>
+                </a:tc>
+                <a:tc>
+                  <a:txBody>
+                    <a:bodyPr/>
+                    <a:lstStyle/>
+                    <a:p>
+                      <a:r>
+                        <a:rPr lang="pt-BR" dirty="0"/>
+                        <a:t>Desconto</a:t>
+                      </a:r>
+                    </a:p>
+                  </a:txBody>
+                  <a:tcPr/>
+                </a:tc>
+                <a:extLst>
+                  <a:ext uri="{0D108BD9-81ED-4DB2-BD59-A6C34878D82A}">
+                    <a16:rowId xmlns:a16="http://schemas.microsoft.com/office/drawing/2014/main" val="1735582117"/>
+                  </a:ext>
+                </a:extLst>
+              </a:tr>
+              <a:tr h="370840">
+                <a:tc>
+                  <a:txBody>
+                    <a:bodyPr/>
+                    <a:lstStyle/>
+                    <a:p>
+                      <a:r>
+                        <a:rPr lang="pt-BR" sz="1800" b="0" i="0" kern="1200" dirty="0">
+                          <a:solidFill>
+                            <a:srgbClr val="000000"/>
+                          </a:solidFill>
+                          <a:effectLst/>
+                          <a:latin typeface="Arial"/>
+                          <a:ea typeface="Arial"/>
+                          <a:cs typeface="Arial"/>
+                        </a:rPr>
+                        <a:t>Até R$ 2.259,20</a:t>
+                      </a:r>
+                      <a:endParaRPr lang="pt-BR" dirty="0"/>
+                    </a:p>
+                  </a:txBody>
+                  <a:tcPr/>
+                </a:tc>
+                <a:tc>
+                  <a:txBody>
+                    <a:bodyPr/>
+                    <a:lstStyle/>
+                    <a:p>
+                      <a:r>
+                        <a:rPr lang="pt-BR" dirty="0"/>
+                        <a:t>0%</a:t>
+                      </a:r>
+                    </a:p>
+                  </a:txBody>
+                  <a:tcPr/>
+                </a:tc>
+                <a:tc>
+                  <a:txBody>
+                    <a:bodyPr/>
+                    <a:lstStyle/>
+                    <a:p>
+                      <a:r>
+                        <a:rPr lang="pt-BR" dirty="0"/>
+                        <a:t>0</a:t>
+                      </a:r>
+                    </a:p>
+                  </a:txBody>
+                  <a:tcPr/>
+                </a:tc>
+                <a:extLst>
+                  <a:ext uri="{0D108BD9-81ED-4DB2-BD59-A6C34878D82A}">
+                    <a16:rowId xmlns:a16="http://schemas.microsoft.com/office/drawing/2014/main" val="102417017"/>
+                  </a:ext>
+                </a:extLst>
+              </a:tr>
+              <a:tr h="370840">
+                <a:tc>
+                  <a:txBody>
+                    <a:bodyPr/>
+                    <a:lstStyle/>
+                    <a:p>
+                      <a:r>
+                        <a:rPr lang="pt-BR" sz="1800" b="0" i="0" kern="1200" dirty="0">
+                          <a:solidFill>
+                            <a:srgbClr val="000000"/>
+                          </a:solidFill>
+                          <a:effectLst/>
+                          <a:latin typeface="Arial"/>
+                          <a:ea typeface="Arial"/>
+                          <a:cs typeface="Arial"/>
+                        </a:rPr>
+                        <a:t>De R$ 2.259,21 até R$ 2.826,65</a:t>
+                      </a:r>
+                      <a:endParaRPr lang="pt-BR" dirty="0"/>
+                    </a:p>
+                  </a:txBody>
+                  <a:tcPr/>
+                </a:tc>
+                <a:tc>
+                  <a:txBody>
+                    <a:bodyPr/>
+                    <a:lstStyle/>
+                    <a:p>
+                      <a:r>
+                        <a:rPr lang="pt-BR" dirty="0"/>
+                        <a:t>7,5%</a:t>
+                      </a:r>
+                    </a:p>
+                  </a:txBody>
+                  <a:tcPr/>
+                </a:tc>
+                <a:tc>
+                  <a:txBody>
+                    <a:bodyPr/>
+                    <a:lstStyle/>
+                    <a:p>
+                      <a:r>
+                        <a:rPr lang="pt-BR" dirty="0"/>
+                        <a:t>169,44</a:t>
+                      </a:r>
+                    </a:p>
+                  </a:txBody>
+                  <a:tcPr/>
+                </a:tc>
+                <a:extLst>
+                  <a:ext uri="{0D108BD9-81ED-4DB2-BD59-A6C34878D82A}">
+                    <a16:rowId xmlns:a16="http://schemas.microsoft.com/office/drawing/2014/main" val="1250660501"/>
+                  </a:ext>
+                </a:extLst>
+              </a:tr>
+              <a:tr h="370840">
+                <a:tc>
+                  <a:txBody>
+                    <a:bodyPr/>
+                    <a:lstStyle/>
+                    <a:p>
+                      <a:r>
+                        <a:rPr lang="pt-BR" sz="1800" b="0" i="0" kern="1200" dirty="0">
+                          <a:solidFill>
+                            <a:srgbClr val="000000"/>
+                          </a:solidFill>
+                          <a:effectLst/>
+                          <a:latin typeface="Arial"/>
+                          <a:ea typeface="Arial"/>
+                          <a:cs typeface="Arial"/>
+                        </a:rPr>
+                        <a:t>De R$ 2.826,66 até R$ 3.751,05</a:t>
+                      </a:r>
+                      <a:endParaRPr lang="pt-BR" dirty="0"/>
+                    </a:p>
+                  </a:txBody>
+                  <a:tcPr/>
+                </a:tc>
+                <a:tc>
+                  <a:txBody>
+                    <a:bodyPr/>
+                    <a:lstStyle/>
+                    <a:p>
+                      <a:r>
+                        <a:rPr lang="pt-BR" dirty="0"/>
+                        <a:t>15.0%</a:t>
+                      </a:r>
+                    </a:p>
+                  </a:txBody>
+                  <a:tcPr/>
+                </a:tc>
+                <a:tc>
+                  <a:txBody>
+                    <a:bodyPr/>
+                    <a:lstStyle/>
+                    <a:p>
+                      <a:r>
+                        <a:rPr lang="pt-BR" dirty="0"/>
+                        <a:t>381,44</a:t>
+                      </a:r>
+                    </a:p>
+                  </a:txBody>
+                  <a:tcPr/>
+                </a:tc>
+                <a:extLst>
+                  <a:ext uri="{0D108BD9-81ED-4DB2-BD59-A6C34878D82A}">
+                    <a16:rowId xmlns:a16="http://schemas.microsoft.com/office/drawing/2014/main" val="744145803"/>
+                  </a:ext>
+                </a:extLst>
+              </a:tr>
+              <a:tr h="370840">
+                <a:tc>
+                  <a:txBody>
+                    <a:bodyPr/>
+                    <a:lstStyle/>
+                    <a:p>
+                      <a:r>
+                        <a:rPr lang="pt-BR" sz="1800" b="0" i="0" kern="1200" dirty="0">
+                          <a:solidFill>
+                            <a:srgbClr val="000000"/>
+                          </a:solidFill>
+                          <a:effectLst/>
+                          <a:latin typeface="Arial"/>
+                          <a:ea typeface="Arial"/>
+                          <a:cs typeface="Arial"/>
+                        </a:rPr>
+                        <a:t>De R$ 3.751,06 até R$ 4.664,68</a:t>
+                      </a:r>
+                      <a:endParaRPr lang="pt-BR" dirty="0"/>
+                    </a:p>
+                  </a:txBody>
+                  <a:tcPr/>
+                </a:tc>
+                <a:tc>
+                  <a:txBody>
+                    <a:bodyPr/>
+                    <a:lstStyle/>
+                    <a:p>
+                      <a:r>
+                        <a:rPr lang="pt-BR" dirty="0"/>
+                        <a:t>22,5%</a:t>
+                      </a:r>
+                    </a:p>
+                  </a:txBody>
+                  <a:tcPr/>
+                </a:tc>
+                <a:tc>
+                  <a:txBody>
+                    <a:bodyPr/>
+                    <a:lstStyle/>
+                    <a:p>
+                      <a:r>
+                        <a:rPr lang="pt-BR" dirty="0"/>
+                        <a:t>662,77</a:t>
+                      </a:r>
+                    </a:p>
+                  </a:txBody>
+                  <a:tcPr/>
+                </a:tc>
+                <a:extLst>
+                  <a:ext uri="{0D108BD9-81ED-4DB2-BD59-A6C34878D82A}">
+                    <a16:rowId xmlns:a16="http://schemas.microsoft.com/office/drawing/2014/main" val="3183370643"/>
+                  </a:ext>
+                </a:extLst>
+              </a:tr>
+              <a:tr h="370840">
+                <a:tc>
+                  <a:txBody>
+                    <a:bodyPr/>
+                    <a:lstStyle/>
+                    <a:p>
+                      <a:r>
+                        <a:rPr lang="pt-BR" sz="1800" b="0" i="0" kern="1200" dirty="0">
+                          <a:solidFill>
+                            <a:srgbClr val="000000"/>
+                          </a:solidFill>
+                          <a:effectLst/>
+                          <a:latin typeface="Arial"/>
+                          <a:ea typeface="Arial"/>
+                          <a:cs typeface="Arial"/>
+                        </a:rPr>
+                        <a:t>Acima de R$ 4.664,68</a:t>
+                      </a:r>
+                      <a:endParaRPr lang="pt-BR" dirty="0"/>
+                    </a:p>
+                  </a:txBody>
+                  <a:tcPr/>
+                </a:tc>
+                <a:tc>
+                  <a:txBody>
+                    <a:bodyPr/>
+                    <a:lstStyle/>
+                    <a:p>
+                      <a:r>
+                        <a:rPr lang="pt-BR" dirty="0"/>
+                        <a:t>27,5%</a:t>
+                      </a:r>
+                    </a:p>
+                  </a:txBody>
+                  <a:tcPr/>
+                </a:tc>
+                <a:tc>
+                  <a:txBody>
+                    <a:bodyPr/>
+                    <a:lstStyle/>
+                    <a:p>
+                      <a:r>
+                        <a:rPr lang="pt-BR" dirty="0"/>
+                        <a:t>896,00</a:t>
+                      </a:r>
+                    </a:p>
+                  </a:txBody>
+                  <a:tcPr/>
+                </a:tc>
+                <a:extLst>
+                  <a:ext uri="{0D108BD9-81ED-4DB2-BD59-A6C34878D82A}">
+                    <a16:rowId xmlns:a16="http://schemas.microsoft.com/office/drawing/2014/main" val="1617540470"/>
+                  </a:ext>
+                </a:extLst>
+              </a:tr>
+            </a:tbl>
+          </a:graphicData>
+        </a:graphic>
+      </p:graphicFrame>
+    </p:spTree>
+    <p:extLst>
+      <p:ext uri="{BB962C8B-B14F-4D97-AF65-F5344CB8AC3E}">
+        <p14:creationId xmlns:p14="http://schemas.microsoft.com/office/powerpoint/2010/main" val="3207712683"/>
+      </p:ext>
+    </p:extLst>
+  </p:cSld>
+  <p:clrMapOvr>
+    <a:masterClrMapping/>
+  </p:clrMapOvr>
+  <p:transition spd="slow">
+    <p:wipe/>
+  </p:transition>
+</p:sld>
+</file>
+
+<file path=ppt/slides/slide24.xml><?xml version="1.0" encoding="utf-8"?>
+<p:sld xmlns:a="http://schemas.openxmlformats.org/drawingml/2006/main" xmlns:r="http://schemas.openxmlformats.org/officeDocument/2006/relationships" xmlns:p="http://schemas.openxmlformats.org/presentationml/2006/main">
+  <p:cSld>
+    <p:spTree>
+      <p:nvGrpSpPr>
+        <p:cNvPr id="1" name="">
+          <a:extLst>
+            <a:ext uri="{FF2B5EF4-FFF2-40B4-BE49-F238E27FC236}">
+              <a16:creationId xmlns:a16="http://schemas.microsoft.com/office/drawing/2014/main" id="{21EE1E44-D710-60E9-E0D0-5B252EEAC419}"/>
+            </a:ext>
+          </a:extLst>
+        </p:cNvPr>
+        <p:cNvGrpSpPr/>
+        <p:nvPr/>
+      </p:nvGrpSpPr>
+      <p:grpSpPr>
+        <a:xfrm>
+          <a:off x="0" y="0"/>
+          <a:ext cx="0" cy="0"/>
+          <a:chOff x="0" y="0"/>
+          <a:chExt cx="0" cy="0"/>
+        </a:xfrm>
+      </p:grpSpPr>
+      <p:sp>
+        <p:nvSpPr>
+          <p:cNvPr id="184323" name="Rectangle 3">
+            <a:extLst>
+              <a:ext uri="{FF2B5EF4-FFF2-40B4-BE49-F238E27FC236}">
+                <a16:creationId xmlns:a16="http://schemas.microsoft.com/office/drawing/2014/main" id="{06E21875-375B-40BA-7507-01A6F87BA8B8}"/>
+              </a:ext>
+            </a:extLst>
+          </p:cNvPr>
+          <p:cNvSpPr>
+            <a:spLocks noChangeArrowheads="1"/>
+          </p:cNvSpPr>
+          <p:nvPr/>
+        </p:nvSpPr>
+        <p:spPr bwMode="auto">
+          <a:xfrm>
+            <a:off x="899592" y="735546"/>
+            <a:ext cx="7704856" cy="3672408"/>
+          </a:xfrm>
+          <a:prstGeom prst="rect">
+            <a:avLst/>
+          </a:prstGeom>
+          <a:noFill/>
+          <a:ln>
+            <a:noFill/>
+          </a:ln>
+          <a:extLst>
+            <a:ext uri="{909E8E84-426E-40DD-AFC4-6F175D3DCCD1}">
+              <a14:hiddenFill xmlns:a14="http://schemas.microsoft.com/office/drawing/2010/main">
+                <a:solidFill>
+                  <a:srgbClr val="FFFFFF"/>
+                </a:solidFill>
+              </a14:hiddenFill>
+            </a:ext>
+            <a:ext uri="{91240B29-F687-4F45-9708-019B960494DF}">
+              <a14:hiddenLine xmlns:a14="http://schemas.microsoft.com/office/drawing/2010/main" w="9525">
+                <a:solidFill>
+                  <a:srgbClr val="000000"/>
+                </a:solidFill>
+                <a:miter lim="800000"/>
+                <a:headEnd/>
+                <a:tailEnd/>
+              </a14:hiddenLine>
+            </a:ext>
+          </a:extLst>
+        </p:spPr>
+        <p:txBody>
+          <a:bodyPr/>
+          <a:lstStyle>
+            <a:lvl1pPr eaLnBrk="0" hangingPunct="0">
+              <a:defRPr>
+                <a:solidFill>
+                  <a:schemeClr val="tx1"/>
+                </a:solidFill>
+                <a:latin typeface="Arial" panose="020B0604020202020204" pitchFamily="34" charset="0"/>
+              </a:defRPr>
+            </a:lvl1pPr>
+            <a:lvl2pPr marL="742950" indent="-285750" eaLnBrk="0" hangingPunct="0">
+              <a:defRPr>
+                <a:solidFill>
+                  <a:schemeClr val="tx1"/>
+                </a:solidFill>
+                <a:latin typeface="Arial" panose="020B0604020202020204" pitchFamily="34" charset="0"/>
+              </a:defRPr>
+            </a:lvl2pPr>
+            <a:lvl3pPr marL="1143000" indent="-228600" eaLnBrk="0" hangingPunct="0">
+              <a:defRPr>
+                <a:solidFill>
+                  <a:schemeClr val="tx1"/>
+                </a:solidFill>
+                <a:latin typeface="Arial" panose="020B0604020202020204" pitchFamily="34" charset="0"/>
+              </a:defRPr>
+            </a:lvl3pPr>
+            <a:lvl4pPr marL="1600200" indent="-228600" eaLnBrk="0" hangingPunct="0">
+              <a:defRPr>
+                <a:solidFill>
+                  <a:schemeClr val="tx1"/>
+                </a:solidFill>
+                <a:latin typeface="Arial" panose="020B0604020202020204" pitchFamily="34" charset="0"/>
+              </a:defRPr>
+            </a:lvl4pPr>
+            <a:lvl5pPr marL="2057400" indent="-228600" eaLnBrk="0" hangingPunct="0">
+              <a:defRPr>
+                <a:solidFill>
+                  <a:schemeClr val="tx1"/>
+                </a:solidFill>
+                <a:latin typeface="Arial" panose="020B0604020202020204" pitchFamily="34" charset="0"/>
+              </a:defRPr>
+            </a:lvl5pPr>
+            <a:lvl6pPr marL="2514600" indent="-228600" eaLnBrk="0" fontAlgn="base" hangingPunct="0">
+              <a:spcBef>
+                <a:spcPct val="0"/>
+              </a:spcBef>
+              <a:spcAft>
+                <a:spcPct val="0"/>
+              </a:spcAft>
+              <a:defRPr>
+                <a:solidFill>
+                  <a:schemeClr val="tx1"/>
+                </a:solidFill>
+                <a:latin typeface="Arial" panose="020B0604020202020204" pitchFamily="34" charset="0"/>
+              </a:defRPr>
+            </a:lvl6pPr>
+            <a:lvl7pPr marL="2971800" indent="-228600" eaLnBrk="0" fontAlgn="base" hangingPunct="0">
+              <a:spcBef>
+                <a:spcPct val="0"/>
+              </a:spcBef>
+              <a:spcAft>
+                <a:spcPct val="0"/>
+              </a:spcAft>
+              <a:defRPr>
+                <a:solidFill>
+                  <a:schemeClr val="tx1"/>
+                </a:solidFill>
+                <a:latin typeface="Arial" panose="020B0604020202020204" pitchFamily="34" charset="0"/>
+              </a:defRPr>
+            </a:lvl7pPr>
+            <a:lvl8pPr marL="3429000" indent="-228600" eaLnBrk="0" fontAlgn="base" hangingPunct="0">
+              <a:spcBef>
+                <a:spcPct val="0"/>
+              </a:spcBef>
+              <a:spcAft>
+                <a:spcPct val="0"/>
+              </a:spcAft>
+              <a:defRPr>
+                <a:solidFill>
+                  <a:schemeClr val="tx1"/>
+                </a:solidFill>
+                <a:latin typeface="Arial" panose="020B0604020202020204" pitchFamily="34" charset="0"/>
+              </a:defRPr>
+            </a:lvl8pPr>
+            <a:lvl9pPr marL="3886200" indent="-228600" eaLnBrk="0" fontAlgn="base" hangingPunct="0">
+              <a:spcBef>
+                <a:spcPct val="0"/>
+              </a:spcBef>
+              <a:spcAft>
+                <a:spcPct val="0"/>
+              </a:spcAft>
+              <a:defRPr>
+                <a:solidFill>
+                  <a:schemeClr val="tx1"/>
+                </a:solidFill>
+                <a:latin typeface="Arial" panose="020B0604020202020204" pitchFamily="34" charset="0"/>
+              </a:defRPr>
+            </a:lvl9pPr>
+          </a:lstStyle>
+          <a:p>
+            <a:pPr algn="just"/>
+            <a:r>
+              <a:rPr lang="pt-BR" sz="1800" dirty="0"/>
+              <a:t>Classe </a:t>
+            </a:r>
+            <a:r>
+              <a:rPr lang="pt-BR" sz="1800" dirty="0" err="1"/>
+              <a:t>FolhaPagamento</a:t>
+            </a:r>
+            <a:endParaRPr lang="pt-BR" sz="1800" dirty="0"/>
+          </a:p>
+          <a:p>
+            <a:pPr algn="just"/>
+            <a:endParaRPr lang="pt-BR" sz="1800" dirty="0"/>
+          </a:p>
+          <a:p>
+            <a:pPr algn="just"/>
+            <a:r>
+              <a:rPr lang="pt-BR" sz="1800" dirty="0"/>
+              <a:t>Tabela do INSS</a:t>
+            </a:r>
+          </a:p>
+          <a:p>
+            <a:pPr algn="just"/>
+            <a:endParaRPr lang="pt-BR" sz="1800" dirty="0"/>
+          </a:p>
+        </p:txBody>
+      </p:sp>
+      <p:sp>
+        <p:nvSpPr>
+          <p:cNvPr id="5" name="Text Box 4">
+            <a:extLst>
+              <a:ext uri="{FF2B5EF4-FFF2-40B4-BE49-F238E27FC236}">
+                <a16:creationId xmlns:a16="http://schemas.microsoft.com/office/drawing/2014/main" id="{BD43C135-A65E-8230-619B-4172CC8F0F7D}"/>
+              </a:ext>
+            </a:extLst>
+          </p:cNvPr>
+          <p:cNvSpPr txBox="1">
+            <a:spLocks noChangeArrowheads="1"/>
+          </p:cNvSpPr>
+          <p:nvPr/>
+        </p:nvSpPr>
+        <p:spPr bwMode="auto">
+          <a:xfrm>
+            <a:off x="1115616" y="64501"/>
+            <a:ext cx="7416824" cy="507831"/>
+          </a:xfrm>
+          <a:prstGeom prst="rect">
+            <a:avLst/>
+          </a:prstGeom>
+          <a:noFill/>
+          <a:ln>
+            <a:noFill/>
+          </a:ln>
+          <a:extLst>
+            <a:ext uri="{909E8E84-426E-40DD-AFC4-6F175D3DCCD1}">
+              <a14:hiddenFill xmlns:a14="http://schemas.microsoft.com/office/drawing/2010/main">
+                <a:solidFill>
+                  <a:srgbClr val="FFFFFF"/>
+                </a:solidFill>
+              </a14:hiddenFill>
+            </a:ext>
+            <a:ext uri="{91240B29-F687-4F45-9708-019B960494DF}">
+              <a14:hiddenLine xmlns:a14="http://schemas.microsoft.com/office/drawing/2010/main" w="9525">
+                <a:solidFill>
+                  <a:srgbClr val="000000"/>
+                </a:solidFill>
+                <a:miter lim="800000"/>
+                <a:headEnd/>
+                <a:tailEnd/>
+              </a14:hiddenLine>
+            </a:ext>
+          </a:extLst>
+        </p:spPr>
+        <p:txBody>
+          <a:bodyPr wrap="square">
+            <a:spAutoFit/>
+          </a:bodyPr>
+          <a:lstStyle>
+            <a:lvl1pPr eaLnBrk="0" hangingPunct="0">
+              <a:defRPr>
+                <a:solidFill>
+                  <a:schemeClr val="tx1"/>
+                </a:solidFill>
+                <a:latin typeface="Arial" panose="020B0604020202020204" pitchFamily="34" charset="0"/>
+              </a:defRPr>
+            </a:lvl1pPr>
+            <a:lvl2pPr marL="742950" indent="-285750" eaLnBrk="0" hangingPunct="0">
+              <a:defRPr>
+                <a:solidFill>
+                  <a:schemeClr val="tx1"/>
+                </a:solidFill>
+                <a:latin typeface="Arial" panose="020B0604020202020204" pitchFamily="34" charset="0"/>
+              </a:defRPr>
+            </a:lvl2pPr>
+            <a:lvl3pPr marL="1143000" indent="-228600" eaLnBrk="0" hangingPunct="0">
+              <a:defRPr>
+                <a:solidFill>
+                  <a:schemeClr val="tx1"/>
+                </a:solidFill>
+                <a:latin typeface="Arial" panose="020B0604020202020204" pitchFamily="34" charset="0"/>
+              </a:defRPr>
+            </a:lvl3pPr>
+            <a:lvl4pPr marL="1600200" indent="-228600" eaLnBrk="0" hangingPunct="0">
+              <a:defRPr>
+                <a:solidFill>
+                  <a:schemeClr val="tx1"/>
+                </a:solidFill>
+                <a:latin typeface="Arial" panose="020B0604020202020204" pitchFamily="34" charset="0"/>
+              </a:defRPr>
+            </a:lvl4pPr>
+            <a:lvl5pPr marL="2057400" indent="-228600" eaLnBrk="0" hangingPunct="0">
+              <a:defRPr>
+                <a:solidFill>
+                  <a:schemeClr val="tx1"/>
+                </a:solidFill>
+                <a:latin typeface="Arial" panose="020B0604020202020204" pitchFamily="34" charset="0"/>
+              </a:defRPr>
+            </a:lvl5pPr>
+            <a:lvl6pPr marL="2514600" indent="-228600" eaLnBrk="0" fontAlgn="base" hangingPunct="0">
+              <a:spcBef>
+                <a:spcPct val="0"/>
+              </a:spcBef>
+              <a:spcAft>
+                <a:spcPct val="0"/>
+              </a:spcAft>
+              <a:defRPr>
+                <a:solidFill>
+                  <a:schemeClr val="tx1"/>
+                </a:solidFill>
+                <a:latin typeface="Arial" panose="020B0604020202020204" pitchFamily="34" charset="0"/>
+              </a:defRPr>
+            </a:lvl6pPr>
+            <a:lvl7pPr marL="2971800" indent="-228600" eaLnBrk="0" fontAlgn="base" hangingPunct="0">
+              <a:spcBef>
+                <a:spcPct val="0"/>
+              </a:spcBef>
+              <a:spcAft>
+                <a:spcPct val="0"/>
+              </a:spcAft>
+              <a:defRPr>
+                <a:solidFill>
+                  <a:schemeClr val="tx1"/>
+                </a:solidFill>
+                <a:latin typeface="Arial" panose="020B0604020202020204" pitchFamily="34" charset="0"/>
+              </a:defRPr>
+            </a:lvl7pPr>
+            <a:lvl8pPr marL="3429000" indent="-228600" eaLnBrk="0" fontAlgn="base" hangingPunct="0">
+              <a:spcBef>
+                <a:spcPct val="0"/>
+              </a:spcBef>
+              <a:spcAft>
+                <a:spcPct val="0"/>
+              </a:spcAft>
+              <a:defRPr>
+                <a:solidFill>
+                  <a:schemeClr val="tx1"/>
+                </a:solidFill>
+                <a:latin typeface="Arial" panose="020B0604020202020204" pitchFamily="34" charset="0"/>
+              </a:defRPr>
+            </a:lvl8pPr>
+            <a:lvl9pPr marL="3886200" indent="-228600" eaLnBrk="0" fontAlgn="base" hangingPunct="0">
+              <a:spcBef>
+                <a:spcPct val="0"/>
+              </a:spcBef>
+              <a:spcAft>
+                <a:spcPct val="0"/>
+              </a:spcAft>
+              <a:defRPr>
+                <a:solidFill>
+                  <a:schemeClr val="tx1"/>
+                </a:solidFill>
+                <a:latin typeface="Arial" panose="020B0604020202020204" pitchFamily="34" charset="0"/>
+              </a:defRPr>
+            </a:lvl9pPr>
+          </a:lstStyle>
+          <a:p>
+            <a:pPr algn="ctr" eaLnBrk="1" hangingPunct="1">
+              <a:spcBef>
+                <a:spcPct val="50000"/>
+              </a:spcBef>
+            </a:pPr>
+            <a:r>
+              <a:rPr lang="en-US" altLang="pt-BR" sz="2700" b="1" i="1" dirty="0">
+                <a:solidFill>
+                  <a:srgbClr val="0033CC"/>
+                </a:solidFill>
+                <a:latin typeface="Verdana" panose="020B0604030504040204" pitchFamily="34" charset="0"/>
+              </a:rPr>
+              <a:t>EX47</a:t>
+            </a:r>
+            <a:endParaRPr lang="pt-BR" altLang="pt-BR" sz="2700" b="1" i="1" dirty="0">
+              <a:solidFill>
+                <a:srgbClr val="0033CC"/>
+              </a:solidFill>
+              <a:latin typeface="Verdana" panose="020B0604030504040204" pitchFamily="34" charset="0"/>
+            </a:endParaRPr>
+          </a:p>
+        </p:txBody>
+      </p:sp>
+      <p:graphicFrame>
+        <p:nvGraphicFramePr>
+          <p:cNvPr id="6" name="Tabela 5">
+            <a:extLst>
+              <a:ext uri="{FF2B5EF4-FFF2-40B4-BE49-F238E27FC236}">
+                <a16:creationId xmlns:a16="http://schemas.microsoft.com/office/drawing/2014/main" id="{3242E581-BFBA-C222-BCE9-075E566C4B48}"/>
+              </a:ext>
+            </a:extLst>
+          </p:cNvPr>
+          <p:cNvGraphicFramePr>
+            <a:graphicFrameLocks noGrp="1"/>
+          </p:cNvGraphicFramePr>
+          <p:nvPr>
+            <p:extLst>
+              <p:ext uri="{D42A27DB-BD31-4B8C-83A1-F6EECF244321}">
+                <p14:modId xmlns:p14="http://schemas.microsoft.com/office/powerpoint/2010/main" val="2584823575"/>
+              </p:ext>
+            </p:extLst>
+          </p:nvPr>
+        </p:nvGraphicFramePr>
+        <p:xfrm>
+          <a:off x="1115616" y="2067694"/>
+          <a:ext cx="4608512" cy="1849120"/>
+        </p:xfrm>
+        <a:graphic>
+          <a:graphicData uri="http://schemas.openxmlformats.org/drawingml/2006/table">
+            <a:tbl>
+              <a:tblPr firstRow="1" bandRow="1">
+                <a:tableStyleId>{18E0EB87-6F86-4DAB-AA45-32A1FB75C8D8}</a:tableStyleId>
+              </a:tblPr>
+              <a:tblGrid>
+                <a:gridCol w="3528392">
+                  <a:extLst>
+                    <a:ext uri="{9D8B030D-6E8A-4147-A177-3AD203B41FA5}">
+                      <a16:colId xmlns:a16="http://schemas.microsoft.com/office/drawing/2014/main" val="105951570"/>
+                    </a:ext>
+                  </a:extLst>
+                </a:gridCol>
+                <a:gridCol w="1080120">
+                  <a:extLst>
+                    <a:ext uri="{9D8B030D-6E8A-4147-A177-3AD203B41FA5}">
+                      <a16:colId xmlns:a16="http://schemas.microsoft.com/office/drawing/2014/main" val="2429755747"/>
+                    </a:ext>
+                  </a:extLst>
+                </a:gridCol>
+              </a:tblGrid>
+              <a:tr h="226824">
+                <a:tc>
+                  <a:txBody>
+                    <a:bodyPr/>
+                    <a:lstStyle/>
+                    <a:p>
+                      <a:r>
+                        <a:rPr lang="pt-BR" dirty="0"/>
+                        <a:t>Faixa</a:t>
+                      </a:r>
+                    </a:p>
+                  </a:txBody>
+                  <a:tcPr/>
+                </a:tc>
+                <a:tc>
+                  <a:txBody>
+                    <a:bodyPr/>
+                    <a:lstStyle/>
+                    <a:p>
+                      <a:r>
+                        <a:rPr lang="pt-BR" dirty="0" err="1"/>
+                        <a:t>Aliquota</a:t>
+                      </a:r>
+                      <a:endParaRPr lang="pt-BR" dirty="0"/>
+                    </a:p>
+                  </a:txBody>
+                  <a:tcPr/>
+                </a:tc>
+                <a:extLst>
+                  <a:ext uri="{0D108BD9-81ED-4DB2-BD59-A6C34878D82A}">
+                    <a16:rowId xmlns:a16="http://schemas.microsoft.com/office/drawing/2014/main" val="1735582117"/>
+                  </a:ext>
+                </a:extLst>
+              </a:tr>
+              <a:tr h="370840">
+                <a:tc>
+                  <a:txBody>
+                    <a:bodyPr/>
+                    <a:lstStyle/>
+                    <a:p>
+                      <a:r>
+                        <a:rPr lang="pt-BR" sz="1800" b="0" i="0" kern="1200" dirty="0">
+                          <a:solidFill>
+                            <a:srgbClr val="000000"/>
+                          </a:solidFill>
+                          <a:effectLst/>
+                          <a:latin typeface="Arial"/>
+                          <a:ea typeface="Arial"/>
+                          <a:cs typeface="Arial"/>
+                        </a:rPr>
+                        <a:t>Até R$ 1.518,00</a:t>
+                      </a:r>
+                      <a:endParaRPr lang="pt-BR" dirty="0"/>
+                    </a:p>
+                  </a:txBody>
+                  <a:tcPr/>
+                </a:tc>
+                <a:tc>
+                  <a:txBody>
+                    <a:bodyPr/>
+                    <a:lstStyle/>
+                    <a:p>
+                      <a:r>
+                        <a:rPr lang="pt-BR" dirty="0"/>
+                        <a:t>7.5%</a:t>
+                      </a:r>
+                    </a:p>
+                  </a:txBody>
+                  <a:tcPr/>
+                </a:tc>
+                <a:extLst>
+                  <a:ext uri="{0D108BD9-81ED-4DB2-BD59-A6C34878D82A}">
+                    <a16:rowId xmlns:a16="http://schemas.microsoft.com/office/drawing/2014/main" val="102417017"/>
+                  </a:ext>
+                </a:extLst>
+              </a:tr>
+              <a:tr h="370840">
+                <a:tc>
+                  <a:txBody>
+                    <a:bodyPr/>
+                    <a:lstStyle/>
+                    <a:p>
+                      <a:r>
+                        <a:rPr lang="pt-BR" sz="1800" b="0" i="0" kern="1200" dirty="0">
+                          <a:solidFill>
+                            <a:srgbClr val="000000"/>
+                          </a:solidFill>
+                          <a:effectLst/>
+                          <a:latin typeface="Arial"/>
+                          <a:ea typeface="Arial"/>
+                          <a:cs typeface="Arial"/>
+                        </a:rPr>
+                        <a:t>De R$ 1.518,01 até R$ 2.793,88</a:t>
+                      </a:r>
+                      <a:endParaRPr lang="pt-BR" dirty="0"/>
+                    </a:p>
+                  </a:txBody>
+                  <a:tcPr/>
+                </a:tc>
+                <a:tc>
+                  <a:txBody>
+                    <a:bodyPr/>
+                    <a:lstStyle/>
+                    <a:p>
+                      <a:r>
+                        <a:rPr lang="pt-BR" dirty="0"/>
+                        <a:t>9%</a:t>
+                      </a:r>
+                    </a:p>
+                  </a:txBody>
+                  <a:tcPr/>
+                </a:tc>
+                <a:extLst>
+                  <a:ext uri="{0D108BD9-81ED-4DB2-BD59-A6C34878D82A}">
+                    <a16:rowId xmlns:a16="http://schemas.microsoft.com/office/drawing/2014/main" val="1250660501"/>
+                  </a:ext>
+                </a:extLst>
+              </a:tr>
+              <a:tr h="370840">
+                <a:tc>
+                  <a:txBody>
+                    <a:bodyPr/>
+                    <a:lstStyle/>
+                    <a:p>
+                      <a:r>
+                        <a:rPr lang="pt-BR" sz="1800" b="0" i="0" kern="1200" dirty="0">
+                          <a:solidFill>
+                            <a:srgbClr val="000000"/>
+                          </a:solidFill>
+                          <a:effectLst/>
+                          <a:latin typeface="Arial"/>
+                          <a:ea typeface="Arial"/>
+                          <a:cs typeface="Arial"/>
+                        </a:rPr>
+                        <a:t>De R$ 2.793,89 até R$ 4.190,83</a:t>
+                      </a:r>
+                      <a:endParaRPr lang="pt-BR" dirty="0"/>
+                    </a:p>
+                  </a:txBody>
+                  <a:tcPr/>
+                </a:tc>
+                <a:tc>
+                  <a:txBody>
+                    <a:bodyPr/>
+                    <a:lstStyle/>
+                    <a:p>
+                      <a:r>
+                        <a:rPr lang="pt-BR" dirty="0"/>
+                        <a:t>12%</a:t>
+                      </a:r>
+                    </a:p>
+                  </a:txBody>
+                  <a:tcPr/>
+                </a:tc>
+                <a:extLst>
+                  <a:ext uri="{0D108BD9-81ED-4DB2-BD59-A6C34878D82A}">
+                    <a16:rowId xmlns:a16="http://schemas.microsoft.com/office/drawing/2014/main" val="744145803"/>
+                  </a:ext>
+                </a:extLst>
+              </a:tr>
+              <a:tr h="370840">
+                <a:tc>
+                  <a:txBody>
+                    <a:bodyPr/>
+                    <a:lstStyle/>
+                    <a:p>
+                      <a:pPr fontAlgn="t">
+                        <a:lnSpc>
+                          <a:spcPts val="1500"/>
+                        </a:lnSpc>
+                        <a:buNone/>
+                      </a:pPr>
+                      <a:r>
+                        <a:rPr lang="pt-BR" dirty="0">
+                          <a:effectLst/>
+                        </a:rPr>
+                        <a:t>De R$ 4.190,84 até R$ 8.157,41</a:t>
+                      </a:r>
+                    </a:p>
+                  </a:txBody>
+                  <a:tcPr marR="31750" marT="38100" marB="38100"/>
+                </a:tc>
+                <a:tc>
+                  <a:txBody>
+                    <a:bodyPr/>
+                    <a:lstStyle/>
+                    <a:p>
+                      <a:pPr fontAlgn="t">
+                        <a:lnSpc>
+                          <a:spcPts val="1500"/>
+                        </a:lnSpc>
+                        <a:buNone/>
+                      </a:pPr>
+                      <a:r>
+                        <a:rPr lang="pt-BR" dirty="0">
+                          <a:effectLst/>
+                        </a:rPr>
+                        <a:t>14%</a:t>
+                      </a:r>
+                    </a:p>
+                  </a:txBody>
+                  <a:tcPr marL="31750" marT="38100" marB="38100"/>
+                </a:tc>
+                <a:extLst>
+                  <a:ext uri="{0D108BD9-81ED-4DB2-BD59-A6C34878D82A}">
+                    <a16:rowId xmlns:a16="http://schemas.microsoft.com/office/drawing/2014/main" val="3183370643"/>
+                  </a:ext>
+                </a:extLst>
+              </a:tr>
+            </a:tbl>
+          </a:graphicData>
+        </a:graphic>
+      </p:graphicFrame>
+    </p:spTree>
+    <p:extLst>
+      <p:ext uri="{BB962C8B-B14F-4D97-AF65-F5344CB8AC3E}">
+        <p14:creationId xmlns:p14="http://schemas.microsoft.com/office/powerpoint/2010/main" val="1971092186"/>
+      </p:ext>
+    </p:extLst>
+  </p:cSld>
+  <p:clrMapOvr>
+    <a:masterClrMapping/>
+  </p:clrMapOvr>
+  <p:transition spd="slow">
+    <p:wipe/>
+  </p:transition>
+</p:sld>
+</file>
+
+<file path=ppt/slides/slide25.xml><?xml version="1.0" encoding="utf-8"?>
 <p:sld xmlns:a="http://schemas.openxmlformats.org/drawingml/2006/main" xmlns:r="http://schemas.openxmlformats.org/officeDocument/2006/relationships" xmlns:p="http://schemas.openxmlformats.org/presentationml/2006/main">
   <p:cSld>
     <p:bg>
@@ -23975,598 +30620,6 @@
 </p:sld>
 </file>
 
-<file path=ppt/slides/slide2.xml><?xml version="1.0" encoding="utf-8"?>
-<p:sld xmlns:a="http://schemas.openxmlformats.org/drawingml/2006/main" xmlns:r="http://schemas.openxmlformats.org/officeDocument/2006/relationships" xmlns:p="http://schemas.openxmlformats.org/presentationml/2006/main">
-  <p:cSld>
-    <p:spTree>
-      <p:nvGrpSpPr>
-        <p:cNvPr id="1" name=""/>
-        <p:cNvGrpSpPr/>
-        <p:nvPr/>
-      </p:nvGrpSpPr>
-      <p:grpSpPr>
-        <a:xfrm>
-          <a:off x="0" y="0"/>
-          <a:ext cx="0" cy="0"/>
-          <a:chOff x="0" y="0"/>
-          <a:chExt cx="0" cy="0"/>
-        </a:xfrm>
-      </p:grpSpPr>
-      <p:sp>
-        <p:nvSpPr>
-          <p:cNvPr id="182275" name="Rectangle 3">
-            <a:extLst>
-              <a:ext uri="{FF2B5EF4-FFF2-40B4-BE49-F238E27FC236}">
-                <a16:creationId xmlns:a16="http://schemas.microsoft.com/office/drawing/2014/main" id="{87960088-159D-49AB-842B-E8127F92C9B8}"/>
-              </a:ext>
-            </a:extLst>
-          </p:cNvPr>
-          <p:cNvSpPr>
-            <a:spLocks noChangeArrowheads="1"/>
-          </p:cNvSpPr>
-          <p:nvPr/>
-        </p:nvSpPr>
-        <p:spPr bwMode="auto">
-          <a:xfrm>
-            <a:off x="312238" y="1059582"/>
-            <a:ext cx="8657706" cy="3490670"/>
-          </a:xfrm>
-          <a:prstGeom prst="rect">
-            <a:avLst/>
-          </a:prstGeom>
-          <a:noFill/>
-          <a:ln>
-            <a:noFill/>
-          </a:ln>
-          <a:extLst>
-            <a:ext uri="{909E8E84-426E-40DD-AFC4-6F175D3DCCD1}">
-              <a14:hiddenFill xmlns:a14="http://schemas.microsoft.com/office/drawing/2010/main">
-                <a:solidFill>
-                  <a:srgbClr val="FFFFFF"/>
-                </a:solidFill>
-              </a14:hiddenFill>
-            </a:ext>
-            <a:ext uri="{91240B29-F687-4F45-9708-019B960494DF}">
-              <a14:hiddenLine xmlns:a14="http://schemas.microsoft.com/office/drawing/2010/main" w="9525">
-                <a:solidFill>
-                  <a:srgbClr val="000000"/>
-                </a:solidFill>
-                <a:miter lim="800000"/>
-                <a:headEnd/>
-                <a:tailEnd/>
-              </a14:hiddenLine>
-            </a:ext>
-          </a:extLst>
-        </p:spPr>
-        <p:txBody>
-          <a:bodyPr/>
-          <a:lstStyle>
-            <a:lvl1pPr eaLnBrk="0" hangingPunct="0">
-              <a:defRPr>
-                <a:solidFill>
-                  <a:schemeClr val="tx1"/>
-                </a:solidFill>
-                <a:latin typeface="Arial" panose="020B0604020202020204" pitchFamily="34" charset="0"/>
-              </a:defRPr>
-            </a:lvl1pPr>
-            <a:lvl2pPr marL="742950" indent="-285750" eaLnBrk="0" hangingPunct="0">
-              <a:defRPr>
-                <a:solidFill>
-                  <a:schemeClr val="tx1"/>
-                </a:solidFill>
-                <a:latin typeface="Arial" panose="020B0604020202020204" pitchFamily="34" charset="0"/>
-              </a:defRPr>
-            </a:lvl2pPr>
-            <a:lvl3pPr marL="1143000" indent="-228600" eaLnBrk="0" hangingPunct="0">
-              <a:defRPr>
-                <a:solidFill>
-                  <a:schemeClr val="tx1"/>
-                </a:solidFill>
-                <a:latin typeface="Arial" panose="020B0604020202020204" pitchFamily="34" charset="0"/>
-              </a:defRPr>
-            </a:lvl3pPr>
-            <a:lvl4pPr marL="1600200" indent="-228600" eaLnBrk="0" hangingPunct="0">
-              <a:defRPr>
-                <a:solidFill>
-                  <a:schemeClr val="tx1"/>
-                </a:solidFill>
-                <a:latin typeface="Arial" panose="020B0604020202020204" pitchFamily="34" charset="0"/>
-              </a:defRPr>
-            </a:lvl4pPr>
-            <a:lvl5pPr marL="2057400" indent="-228600" eaLnBrk="0" hangingPunct="0">
-              <a:defRPr>
-                <a:solidFill>
-                  <a:schemeClr val="tx1"/>
-                </a:solidFill>
-                <a:latin typeface="Arial" panose="020B0604020202020204" pitchFamily="34" charset="0"/>
-              </a:defRPr>
-            </a:lvl5pPr>
-            <a:lvl6pPr marL="2514600" indent="-228600" eaLnBrk="0" fontAlgn="base" hangingPunct="0">
-              <a:spcBef>
-                <a:spcPct val="0"/>
-              </a:spcBef>
-              <a:spcAft>
-                <a:spcPct val="0"/>
-              </a:spcAft>
-              <a:defRPr>
-                <a:solidFill>
-                  <a:schemeClr val="tx1"/>
-                </a:solidFill>
-                <a:latin typeface="Arial" panose="020B0604020202020204" pitchFamily="34" charset="0"/>
-              </a:defRPr>
-            </a:lvl6pPr>
-            <a:lvl7pPr marL="2971800" indent="-228600" eaLnBrk="0" fontAlgn="base" hangingPunct="0">
-              <a:spcBef>
-                <a:spcPct val="0"/>
-              </a:spcBef>
-              <a:spcAft>
-                <a:spcPct val="0"/>
-              </a:spcAft>
-              <a:defRPr>
-                <a:solidFill>
-                  <a:schemeClr val="tx1"/>
-                </a:solidFill>
-                <a:latin typeface="Arial" panose="020B0604020202020204" pitchFamily="34" charset="0"/>
-              </a:defRPr>
-            </a:lvl7pPr>
-            <a:lvl8pPr marL="3429000" indent="-228600" eaLnBrk="0" fontAlgn="base" hangingPunct="0">
-              <a:spcBef>
-                <a:spcPct val="0"/>
-              </a:spcBef>
-              <a:spcAft>
-                <a:spcPct val="0"/>
-              </a:spcAft>
-              <a:defRPr>
-                <a:solidFill>
-                  <a:schemeClr val="tx1"/>
-                </a:solidFill>
-                <a:latin typeface="Arial" panose="020B0604020202020204" pitchFamily="34" charset="0"/>
-              </a:defRPr>
-            </a:lvl8pPr>
-            <a:lvl9pPr marL="3886200" indent="-228600" eaLnBrk="0" fontAlgn="base" hangingPunct="0">
-              <a:spcBef>
-                <a:spcPct val="0"/>
-              </a:spcBef>
-              <a:spcAft>
-                <a:spcPct val="0"/>
-              </a:spcAft>
-              <a:defRPr>
-                <a:solidFill>
-                  <a:schemeClr val="tx1"/>
-                </a:solidFill>
-                <a:latin typeface="Arial" panose="020B0604020202020204" pitchFamily="34" charset="0"/>
-              </a:defRPr>
-            </a:lvl9pPr>
-          </a:lstStyle>
-          <a:p>
-            <a:pPr algn="just"/>
-            <a:r>
-              <a:rPr lang="pt-BR" sz="2000" b="1" dirty="0"/>
-              <a:t>Programação orientada a objetos</a:t>
-            </a:r>
-            <a:r>
-              <a:rPr lang="pt-BR" sz="2000" dirty="0"/>
-              <a:t> (</a:t>
-            </a:r>
-            <a:r>
-              <a:rPr lang="pt-BR" sz="2000" b="1" dirty="0"/>
-              <a:t>POO</a:t>
-            </a:r>
-            <a:r>
-              <a:rPr lang="pt-BR" sz="2000" dirty="0"/>
-              <a:t>, ou </a:t>
-            </a:r>
-            <a:r>
-              <a:rPr lang="pt-BR" sz="2000" b="1" dirty="0"/>
-              <a:t>OOP</a:t>
-            </a:r>
-            <a:r>
-              <a:rPr lang="pt-BR" sz="2000" dirty="0"/>
-              <a:t> segundo as suas siglas em inglês) é um </a:t>
-            </a:r>
-            <a:r>
-              <a:rPr lang="pt-BR" sz="2000" dirty="0">
-                <a:hlinkClick r:id="rId3" tooltip="Paradigma de programação"/>
-              </a:rPr>
-              <a:t>paradigma de programação</a:t>
-            </a:r>
-            <a:r>
-              <a:rPr lang="pt-BR" sz="2000" dirty="0"/>
-              <a:t> baseado no conceito de "</a:t>
-            </a:r>
-            <a:r>
-              <a:rPr lang="pt-BR" sz="2000" dirty="0">
-                <a:hlinkClick r:id="rId4" tooltip="Objeto (ciência da computação)"/>
-              </a:rPr>
-              <a:t>objetos</a:t>
-            </a:r>
-            <a:r>
-              <a:rPr lang="pt-BR" sz="2000" dirty="0"/>
-              <a:t>", que podem conter </a:t>
-            </a:r>
-            <a:r>
-              <a:rPr lang="pt-BR" sz="2000" dirty="0">
-                <a:hlinkClick r:id="rId5" tooltip="Dados"/>
-              </a:rPr>
-              <a:t>dados</a:t>
-            </a:r>
-            <a:r>
-              <a:rPr lang="pt-BR" sz="2000" dirty="0"/>
-              <a:t> na forma de </a:t>
-            </a:r>
-            <a:r>
-              <a:rPr lang="pt-BR" sz="2000" dirty="0">
-                <a:hlinkClick r:id="rId6" tooltip="Campo (ciência da computação)"/>
-              </a:rPr>
-              <a:t>campos</a:t>
-            </a:r>
-            <a:r>
-              <a:rPr lang="pt-BR" sz="2000" dirty="0"/>
-              <a:t>, também conhecidos como </a:t>
-            </a:r>
-            <a:r>
-              <a:rPr lang="pt-BR" sz="2000" i="1" dirty="0"/>
-              <a:t>atributos</a:t>
-            </a:r>
-            <a:r>
-              <a:rPr lang="pt-BR" sz="2000" dirty="0"/>
-              <a:t>, e códigos, na forma de </a:t>
-            </a:r>
-            <a:r>
-              <a:rPr lang="pt-BR" sz="2000" dirty="0">
-                <a:hlinkClick r:id="rId7" tooltip="Procedimento"/>
-              </a:rPr>
-              <a:t>procedimentos</a:t>
-            </a:r>
-            <a:r>
-              <a:rPr lang="pt-BR" sz="2000" dirty="0"/>
-              <a:t>, também conhecidos como </a:t>
-            </a:r>
-            <a:r>
-              <a:rPr lang="pt-BR" sz="2000" dirty="0">
-                <a:hlinkClick r:id="rId8" tooltip="Método (programação)"/>
-              </a:rPr>
-              <a:t>métodos</a:t>
-            </a:r>
-            <a:r>
-              <a:rPr lang="pt-BR" sz="2000" dirty="0"/>
-              <a:t>. Uma característica de objetos é que um procedimento de objeto pode acessar, e geralmente modificar, os campos de dados do objeto com o qual eles estão associados (objetos possuem uma noção de "</a:t>
-            </a:r>
-            <a:r>
-              <a:rPr lang="pt-BR" sz="2000" dirty="0" err="1">
-                <a:hlinkClick r:id="rId9" tooltip="This (programação de computadores)"/>
-              </a:rPr>
-              <a:t>this</a:t>
-            </a:r>
-            <a:r>
-              <a:rPr lang="pt-BR" sz="2000" dirty="0"/>
-              <a:t>" (este) ou "self" (próprio)).</a:t>
-            </a:r>
-          </a:p>
-          <a:p>
-            <a:pPr algn="just"/>
-            <a:endParaRPr lang="pt-BR" sz="2000" dirty="0">
-              <a:solidFill>
-                <a:srgbClr val="0070C0"/>
-              </a:solidFill>
-            </a:endParaRPr>
-          </a:p>
-          <a:p>
-            <a:pPr algn="just"/>
-            <a:endParaRPr lang="pt-BR" sz="2000" dirty="0">
-              <a:solidFill>
-                <a:srgbClr val="0070C0"/>
-              </a:solidFill>
-            </a:endParaRPr>
-          </a:p>
-          <a:p>
-            <a:pPr algn="just"/>
-            <a:r>
-              <a:rPr lang="pt-BR" dirty="0">
-                <a:solidFill>
-                  <a:srgbClr val="0070C0"/>
-                </a:solidFill>
-              </a:rPr>
-              <a:t>Fonte: </a:t>
-            </a:r>
-            <a:r>
-              <a:rPr lang="pt-BR" u="sng" dirty="0">
-                <a:hlinkClick r:id="rId10"/>
-              </a:rPr>
-              <a:t>Wikipédia</a:t>
-            </a:r>
-            <a:endParaRPr lang="pt-BR" dirty="0">
-              <a:solidFill>
-                <a:srgbClr val="0070C0"/>
-              </a:solidFill>
-            </a:endParaRPr>
-          </a:p>
-        </p:txBody>
-      </p:sp>
-      <p:sp>
-        <p:nvSpPr>
-          <p:cNvPr id="18435" name="Text Box 4">
-            <a:extLst>
-              <a:ext uri="{FF2B5EF4-FFF2-40B4-BE49-F238E27FC236}">
-                <a16:creationId xmlns:a16="http://schemas.microsoft.com/office/drawing/2014/main" id="{5CACB99D-6C7E-4FA6-B207-19058B85811B}"/>
-              </a:ext>
-            </a:extLst>
-          </p:cNvPr>
-          <p:cNvSpPr txBox="1">
-            <a:spLocks noChangeArrowheads="1"/>
-          </p:cNvSpPr>
-          <p:nvPr/>
-        </p:nvSpPr>
-        <p:spPr bwMode="auto">
-          <a:xfrm>
-            <a:off x="839159" y="158447"/>
-            <a:ext cx="9020932" cy="507831"/>
-          </a:xfrm>
-          <a:prstGeom prst="rect">
-            <a:avLst/>
-          </a:prstGeom>
-          <a:noFill/>
-          <a:ln>
-            <a:noFill/>
-          </a:ln>
-          <a:extLst>
-            <a:ext uri="{909E8E84-426E-40DD-AFC4-6F175D3DCCD1}">
-              <a14:hiddenFill xmlns:a14="http://schemas.microsoft.com/office/drawing/2010/main">
-                <a:solidFill>
-                  <a:srgbClr val="FFFFFF"/>
-                </a:solidFill>
-              </a14:hiddenFill>
-            </a:ext>
-            <a:ext uri="{91240B29-F687-4F45-9708-019B960494DF}">
-              <a14:hiddenLine xmlns:a14="http://schemas.microsoft.com/office/drawing/2010/main" w="9525">
-                <a:solidFill>
-                  <a:srgbClr val="000000"/>
-                </a:solidFill>
-                <a:miter lim="800000"/>
-                <a:headEnd/>
-                <a:tailEnd/>
-              </a14:hiddenLine>
-            </a:ext>
-          </a:extLst>
-        </p:spPr>
-        <p:txBody>
-          <a:bodyPr wrap="square">
-            <a:spAutoFit/>
-          </a:bodyPr>
-          <a:lstStyle>
-            <a:lvl1pPr eaLnBrk="0" hangingPunct="0">
-              <a:defRPr>
-                <a:solidFill>
-                  <a:schemeClr val="tx1"/>
-                </a:solidFill>
-                <a:latin typeface="Arial" panose="020B0604020202020204" pitchFamily="34" charset="0"/>
-              </a:defRPr>
-            </a:lvl1pPr>
-            <a:lvl2pPr marL="742950" indent="-285750" eaLnBrk="0" hangingPunct="0">
-              <a:defRPr>
-                <a:solidFill>
-                  <a:schemeClr val="tx1"/>
-                </a:solidFill>
-                <a:latin typeface="Arial" panose="020B0604020202020204" pitchFamily="34" charset="0"/>
-              </a:defRPr>
-            </a:lvl2pPr>
-            <a:lvl3pPr marL="1143000" indent="-228600" eaLnBrk="0" hangingPunct="0">
-              <a:defRPr>
-                <a:solidFill>
-                  <a:schemeClr val="tx1"/>
-                </a:solidFill>
-                <a:latin typeface="Arial" panose="020B0604020202020204" pitchFamily="34" charset="0"/>
-              </a:defRPr>
-            </a:lvl3pPr>
-            <a:lvl4pPr marL="1600200" indent="-228600" eaLnBrk="0" hangingPunct="0">
-              <a:defRPr>
-                <a:solidFill>
-                  <a:schemeClr val="tx1"/>
-                </a:solidFill>
-                <a:latin typeface="Arial" panose="020B0604020202020204" pitchFamily="34" charset="0"/>
-              </a:defRPr>
-            </a:lvl4pPr>
-            <a:lvl5pPr marL="2057400" indent="-228600" eaLnBrk="0" hangingPunct="0">
-              <a:defRPr>
-                <a:solidFill>
-                  <a:schemeClr val="tx1"/>
-                </a:solidFill>
-                <a:latin typeface="Arial" panose="020B0604020202020204" pitchFamily="34" charset="0"/>
-              </a:defRPr>
-            </a:lvl5pPr>
-            <a:lvl6pPr marL="2514600" indent="-228600" eaLnBrk="0" fontAlgn="base" hangingPunct="0">
-              <a:spcBef>
-                <a:spcPct val="0"/>
-              </a:spcBef>
-              <a:spcAft>
-                <a:spcPct val="0"/>
-              </a:spcAft>
-              <a:defRPr>
-                <a:solidFill>
-                  <a:schemeClr val="tx1"/>
-                </a:solidFill>
-                <a:latin typeface="Arial" panose="020B0604020202020204" pitchFamily="34" charset="0"/>
-              </a:defRPr>
-            </a:lvl6pPr>
-            <a:lvl7pPr marL="2971800" indent="-228600" eaLnBrk="0" fontAlgn="base" hangingPunct="0">
-              <a:spcBef>
-                <a:spcPct val="0"/>
-              </a:spcBef>
-              <a:spcAft>
-                <a:spcPct val="0"/>
-              </a:spcAft>
-              <a:defRPr>
-                <a:solidFill>
-                  <a:schemeClr val="tx1"/>
-                </a:solidFill>
-                <a:latin typeface="Arial" panose="020B0604020202020204" pitchFamily="34" charset="0"/>
-              </a:defRPr>
-            </a:lvl7pPr>
-            <a:lvl8pPr marL="3429000" indent="-228600" eaLnBrk="0" fontAlgn="base" hangingPunct="0">
-              <a:spcBef>
-                <a:spcPct val="0"/>
-              </a:spcBef>
-              <a:spcAft>
-                <a:spcPct val="0"/>
-              </a:spcAft>
-              <a:defRPr>
-                <a:solidFill>
-                  <a:schemeClr val="tx1"/>
-                </a:solidFill>
-                <a:latin typeface="Arial" panose="020B0604020202020204" pitchFamily="34" charset="0"/>
-              </a:defRPr>
-            </a:lvl8pPr>
-            <a:lvl9pPr marL="3886200" indent="-228600" eaLnBrk="0" fontAlgn="base" hangingPunct="0">
-              <a:spcBef>
-                <a:spcPct val="0"/>
-              </a:spcBef>
-              <a:spcAft>
-                <a:spcPct val="0"/>
-              </a:spcAft>
-              <a:defRPr>
-                <a:solidFill>
-                  <a:schemeClr val="tx1"/>
-                </a:solidFill>
-                <a:latin typeface="Arial" panose="020B0604020202020204" pitchFamily="34" charset="0"/>
-              </a:defRPr>
-            </a:lvl9pPr>
-          </a:lstStyle>
-          <a:p>
-            <a:pPr eaLnBrk="1" hangingPunct="1">
-              <a:spcBef>
-                <a:spcPct val="50000"/>
-              </a:spcBef>
-            </a:pPr>
-            <a:r>
-              <a:rPr lang="pt-BR" altLang="pt-BR" sz="2700" b="1" i="1" dirty="0">
-                <a:solidFill>
-                  <a:srgbClr val="0033CC"/>
-                </a:solidFill>
-                <a:latin typeface="Verdana" panose="020B0604030504040204" pitchFamily="34" charset="0"/>
-              </a:rPr>
-              <a:t>O que é POO?</a:t>
-            </a:r>
-          </a:p>
-        </p:txBody>
-      </p:sp>
-      <p:sp>
-        <p:nvSpPr>
-          <p:cNvPr id="2" name="Retângulo 1">
-            <a:extLst>
-              <a:ext uri="{FF2B5EF4-FFF2-40B4-BE49-F238E27FC236}">
-                <a16:creationId xmlns:a16="http://schemas.microsoft.com/office/drawing/2014/main" id="{0C5A62B1-F847-400E-83E9-420837D9CF35}"/>
-              </a:ext>
-            </a:extLst>
-          </p:cNvPr>
-          <p:cNvSpPr/>
-          <p:nvPr/>
-        </p:nvSpPr>
-        <p:spPr>
-          <a:xfrm>
-            <a:off x="4317101" y="2229736"/>
-            <a:ext cx="4572000" cy="307777"/>
-          </a:xfrm>
-          <a:prstGeom prst="rect">
-            <a:avLst/>
-          </a:prstGeom>
-        </p:spPr>
-        <p:txBody>
-          <a:bodyPr>
-            <a:spAutoFit/>
-          </a:bodyPr>
-          <a:lstStyle/>
-          <a:p>
-            <a:endParaRPr lang="pt-BR" dirty="0"/>
-          </a:p>
-        </p:txBody>
-      </p:sp>
-    </p:spTree>
-  </p:cSld>
-  <p:clrMapOvr>
-    <a:masterClrMapping/>
-  </p:clrMapOvr>
-  <p:transition spd="slow"/>
-  <p:timing>
-    <p:tnLst>
-      <p:par>
-        <p:cTn id="1" dur="indefinite" restart="never" nodeType="tmRoot">
-          <p:childTnLst>
-            <p:seq concurrent="1" nextAc="seek">
-              <p:cTn id="2" dur="indefinite" nodeType="mainSeq">
-                <p:childTnLst>
-                  <p:par>
-                    <p:cTn id="3" fill="hold">
-                      <p:stCondLst>
-                        <p:cond delay="indefinite"/>
-                      </p:stCondLst>
-                      <p:childTnLst>
-                        <p:par>
-                          <p:cTn id="4" fill="hold">
-                            <p:stCondLst>
-                              <p:cond delay="0"/>
-                            </p:stCondLst>
-                            <p:childTnLst>
-                              <p:par>
-                                <p:cTn id="5" presetID="1" presetClass="entr" presetSubtype="0" fill="hold" grpId="0" nodeType="clickEffect">
-                                  <p:stCondLst>
-                                    <p:cond delay="0"/>
-                                  </p:stCondLst>
-                                  <p:childTnLst>
-                                    <p:set>
-                                      <p:cBhvr>
-                                        <p:cTn id="6" dur="1" fill="hold">
-                                          <p:stCondLst>
-                                            <p:cond delay="0"/>
-                                          </p:stCondLst>
-                                        </p:cTn>
-                                        <p:tgtEl>
-                                          <p:spTgt spid="182275"/>
-                                        </p:tgtEl>
-                                        <p:attrNameLst>
-                                          <p:attrName>style.visibility</p:attrName>
-                                        </p:attrNameLst>
-                                      </p:cBhvr>
-                                      <p:to>
-                                        <p:strVal val="visible"/>
-                                      </p:to>
-                                    </p:set>
-                                  </p:childTnLst>
-                                </p:cTn>
-                              </p:par>
-                            </p:childTnLst>
-                          </p:cTn>
-                        </p:par>
-                      </p:childTnLst>
-                    </p:cTn>
-                  </p:par>
-                </p:childTnLst>
-              </p:cTn>
-              <p:prevCondLst>
-                <p:cond evt="onPrev" delay="0">
-                  <p:tgtEl>
-                    <p:sldTgt/>
-                  </p:tgtEl>
-                </p:cond>
-              </p:prevCondLst>
-              <p:nextCondLst>
-                <p:cond evt="onNext" delay="0">
-                  <p:tgtEl>
-                    <p:sldTgt/>
-                  </p:tgtEl>
-                </p:cond>
-              </p:nextCondLst>
-            </p:seq>
-          </p:childTnLst>
-        </p:cTn>
-      </p:par>
-    </p:tnLst>
-    <p:bldLst>
-      <p:bldP spid="182275" grpId="0"/>
-    </p:bldLst>
-  </p:timing>
-</p:sld>
-</file>
-
 <file path=ppt/slides/slide3.xml><?xml version="1.0" encoding="utf-8"?>
 <p:sld xmlns:a="http://schemas.openxmlformats.org/drawingml/2006/main" xmlns:r="http://schemas.openxmlformats.org/officeDocument/2006/relationships" xmlns:p="http://schemas.openxmlformats.org/presentationml/2006/main">
   <p:cSld>
@@ -24600,8 +30653,8 @@
         </p:nvSpPr>
         <p:spPr bwMode="auto">
           <a:xfrm>
-            <a:off x="323528" y="771550"/>
-            <a:ext cx="8352928" cy="3816424"/>
+            <a:off x="467544" y="771550"/>
+            <a:ext cx="8208912" cy="3816424"/>
           </a:xfrm>
           <a:prstGeom prst="rect">
             <a:avLst/>
@@ -25197,8 +31250,8 @@
         </p:nvSpPr>
         <p:spPr bwMode="auto">
           <a:xfrm>
-            <a:off x="323528" y="771550"/>
-            <a:ext cx="8352928" cy="2736304"/>
+            <a:off x="899592" y="771550"/>
+            <a:ext cx="7776864" cy="2736304"/>
           </a:xfrm>
           <a:prstGeom prst="rect">
             <a:avLst/>
@@ -25824,8 +31877,8 @@
         </p:nvSpPr>
         <p:spPr bwMode="auto">
           <a:xfrm>
-            <a:off x="323528" y="771550"/>
-            <a:ext cx="8352928" cy="3960440"/>
+            <a:off x="971600" y="771550"/>
+            <a:ext cx="7704856" cy="3960440"/>
           </a:xfrm>
           <a:prstGeom prst="rect">
             <a:avLst/>
@@ -26641,8 +32694,8 @@
         </p:nvSpPr>
         <p:spPr bwMode="auto">
           <a:xfrm>
-            <a:off x="395536" y="1465250"/>
-            <a:ext cx="8209885" cy="2762683"/>
+            <a:off x="1043608" y="1465250"/>
+            <a:ext cx="7561813" cy="2762683"/>
           </a:xfrm>
           <a:prstGeom prst="rect">
             <a:avLst/>
@@ -27035,13 +33088,14 @@
           </p:cNvPr>
           <p:cNvCxnSpPr>
             <a:cxnSpLocks/>
+            <a:stCxn id="12" idx="2"/>
           </p:cNvCxnSpPr>
           <p:nvPr/>
         </p:nvCxnSpPr>
         <p:spPr>
           <a:xfrm>
-            <a:off x="323528" y="1127527"/>
-            <a:ext cx="360527" cy="432048"/>
+            <a:off x="1094132" y="1314256"/>
+            <a:ext cx="237995" cy="247776"/>
           </a:xfrm>
           <a:prstGeom prst="straightConnector1">
             <a:avLst/>
@@ -27079,7 +33133,7 @@
         </p:nvSpPr>
         <p:spPr>
           <a:xfrm>
-            <a:off x="107504" y="759284"/>
+            <a:off x="482064" y="791036"/>
             <a:ext cx="1224136" cy="523220"/>
           </a:xfrm>
           <a:prstGeom prst="rect">
@@ -27168,7 +33222,7 @@
         </p:nvSpPr>
         <p:spPr>
           <a:xfrm>
-            <a:off x="1115616" y="828104"/>
+            <a:off x="1547664" y="759284"/>
             <a:ext cx="1468672" cy="307777"/>
           </a:xfrm>
           <a:prstGeom prst="rect">
@@ -27242,8 +33296,8 @@
         </p:nvSpPr>
         <p:spPr bwMode="auto">
           <a:xfrm>
-            <a:off x="-36512" y="987574"/>
-            <a:ext cx="9144000" cy="3672408"/>
+            <a:off x="971600" y="987574"/>
+            <a:ext cx="7560840" cy="3672408"/>
           </a:xfrm>
           <a:prstGeom prst="rect">
             <a:avLst/>
@@ -27726,8 +33780,8 @@
         </p:nvSpPr>
         <p:spPr bwMode="auto">
           <a:xfrm>
-            <a:off x="107504" y="1042636"/>
-            <a:ext cx="8784976" cy="3689354"/>
+            <a:off x="971600" y="1042636"/>
+            <a:ext cx="7920880" cy="3689354"/>
           </a:xfrm>
           <a:prstGeom prst="rect">
             <a:avLst/>
@@ -28127,8 +34181,8 @@
         </p:nvSpPr>
         <p:spPr bwMode="auto">
           <a:xfrm>
-            <a:off x="35496" y="1635646"/>
-            <a:ext cx="8784976" cy="3024336"/>
+            <a:off x="971600" y="1635646"/>
+            <a:ext cx="7848872" cy="3024336"/>
           </a:xfrm>
           <a:prstGeom prst="rect">
             <a:avLst/>
